--- a/AsyncBlazor/Slides/AsyncServerless.pptx
+++ b/AsyncBlazor/Slides/AsyncServerless.pptx
@@ -3,15 +3,15 @@
 <p:presentation xmlns:a="http://schemas.openxmlformats.org/drawingml/2006/main" xmlns:r="http://schemas.openxmlformats.org/officeDocument/2006/relationships" xmlns:p="http://schemas.openxmlformats.org/presentationml/2006/main" saveSubsetFonts="1">
   <p:sldMasterIdLst>
     <p:sldMasterId id="2147483660" r:id="rId1"/>
-    <p:sldMasterId id="2147483697" r:id="rId2"/>
   </p:sldMasterIdLst>
   <p:notesMasterIdLst>
-    <p:notesMasterId r:id="rId17"/>
+    <p:notesMasterId r:id="rId15"/>
   </p:notesMasterIdLst>
   <p:sldIdLst>
-    <p:sldId id="377" r:id="rId3"/>
-    <p:sldId id="514" r:id="rId4"/>
-    <p:sldId id="2076136255" r:id="rId5"/>
+    <p:sldId id="377" r:id="rId2"/>
+    <p:sldId id="514" r:id="rId3"/>
+    <p:sldId id="2076136255" r:id="rId4"/>
+    <p:sldId id="2076136258" r:id="rId5"/>
     <p:sldId id="256" r:id="rId6"/>
     <p:sldId id="383" r:id="rId7"/>
     <p:sldId id="379" r:id="rId8"/>
@@ -20,9 +20,7 @@
     <p:sldId id="382" r:id="rId11"/>
     <p:sldId id="387" r:id="rId12"/>
     <p:sldId id="2076136257" r:id="rId13"/>
-    <p:sldId id="2076136254" r:id="rId14"/>
-    <p:sldId id="265" r:id="rId15"/>
-    <p:sldId id="362" r:id="rId16"/>
+    <p:sldId id="362" r:id="rId14"/>
   </p:sldIdLst>
   <p:sldSz cx="12192000" cy="6858000"/>
   <p:notesSz cx="6858000" cy="9144000"/>
@@ -121,6 +119,11 @@
       </a:defRPr>
     </a:lvl9pPr>
   </p:defaultTextStyle>
+  <p:extLst>
+    <p:ext uri="{EFAFB233-063F-42B5-8137-9DF3F51BA10A}">
+      <p15:sldGuideLst xmlns:p15="http://schemas.microsoft.com/office/powerpoint/2012/main"/>
+    </p:ext>
+  </p:extLst>
 </p:presentation>
 </file>
 
@@ -206,7 +209,7 @@
           <a:p>
             <a:fld id="{E406EB93-1CA8-49A4-ACAC-8910D7DC503D}" type="datetimeFigureOut">
               <a:rPr lang="en-AT" smtClean="0"/>
-              <a:t>06/07/2020</a:t>
+              <a:t>25/08/2020</a:t>
             </a:fld>
             <a:endParaRPr lang="en-AT"/>
           </a:p>
@@ -553,7 +556,7 @@
           <a:p>
             <a:fld id="{91ACF17C-94E3-4FD9-831D-8C5293AE49EB}" type="slidenum">
               <a:rPr lang="en-AT" smtClean="0"/>
-              <a:t>11</a:t>
+              <a:t>12</a:t>
             </a:fld>
             <a:endParaRPr lang="en-AT"/>
           </a:p>
@@ -563,304 +566,6 @@
     <p:extLst>
       <p:ext uri="{BB962C8B-B14F-4D97-AF65-F5344CB8AC3E}">
         <p14:creationId xmlns:p14="http://schemas.microsoft.com/office/powerpoint/2010/main" val="2317516715"/>
-      </p:ext>
-    </p:extLst>
-  </p:cSld>
-  <p:clrMapOvr>
-    <a:masterClrMapping/>
-  </p:clrMapOvr>
-</p:notes>
-</file>
-
-<file path=ppt/notesSlides/notesSlide2.xml><?xml version="1.0" encoding="utf-8"?>
-<p:notes xmlns:a="http://schemas.openxmlformats.org/drawingml/2006/main" xmlns:r="http://schemas.openxmlformats.org/officeDocument/2006/relationships" xmlns:p="http://schemas.openxmlformats.org/presentationml/2006/main">
-  <p:cSld>
-    <p:spTree>
-      <p:nvGrpSpPr>
-        <p:cNvPr id="1" name=""/>
-        <p:cNvGrpSpPr/>
-        <p:nvPr/>
-      </p:nvGrpSpPr>
-      <p:grpSpPr>
-        <a:xfrm>
-          <a:off x="0" y="0"/>
-          <a:ext cx="0" cy="0"/>
-          <a:chOff x="0" y="0"/>
-          <a:chExt cx="0" cy="0"/>
-        </a:xfrm>
-      </p:grpSpPr>
-      <p:sp>
-        <p:nvSpPr>
-          <p:cNvPr id="2" name="Slide Image Placeholder 1"/>
-          <p:cNvSpPr>
-            <a:spLocks noGrp="1" noRot="1" noChangeAspect="1"/>
-          </p:cNvSpPr>
-          <p:nvPr>
-            <p:ph type="sldImg"/>
-          </p:nvPr>
-        </p:nvSpPr>
-        <p:spPr>
-          <a:xfrm>
-            <a:off x="406400" y="696913"/>
-            <a:ext cx="6197600" cy="3486150"/>
-          </a:xfrm>
-        </p:spPr>
-      </p:sp>
-      <p:sp>
-        <p:nvSpPr>
-          <p:cNvPr id="3" name="Notes Placeholder 2"/>
-          <p:cNvSpPr>
-            <a:spLocks noGrp="1"/>
-          </p:cNvSpPr>
-          <p:nvPr>
-            <p:ph type="body" idx="1"/>
-          </p:nvPr>
-        </p:nvSpPr>
-        <p:spPr/>
-        <p:txBody>
-          <a:bodyPr/>
-          <a:lstStyle/>
-          <a:p>
-            <a:endParaRPr lang="en-US"/>
-          </a:p>
-        </p:txBody>
-      </p:sp>
-      <p:sp>
-        <p:nvSpPr>
-          <p:cNvPr id="4" name="Slide Number Placeholder 3"/>
-          <p:cNvSpPr>
-            <a:spLocks noGrp="1"/>
-          </p:cNvSpPr>
-          <p:nvPr>
-            <p:ph type="sldNum" sz="quarter" idx="10"/>
-          </p:nvPr>
-        </p:nvSpPr>
-        <p:spPr/>
-        <p:txBody>
-          <a:bodyPr/>
-          <a:lstStyle/>
-          <a:p>
-            <a:pPr marL="0" marR="0" lvl="0" indent="0" algn="r" defTabSz="914325" rtl="0" eaLnBrk="1" fontAlgn="auto" latinLnBrk="0" hangingPunct="1">
-              <a:lnSpc>
-                <a:spcPct val="100000"/>
-              </a:lnSpc>
-              <a:spcBef>
-                <a:spcPts val="0"/>
-              </a:spcBef>
-              <a:spcAft>
-                <a:spcPts val="0"/>
-              </a:spcAft>
-              <a:buClrTx/>
-              <a:buSzTx/>
-              <a:buFontTx/>
-              <a:buNone/>
-              <a:tabLst/>
-              <a:defRPr/>
-            </a:pPr>
-            <a:fld id="{8B263312-38AA-4E1E-B2B5-0F8F122B24FE}" type="slidenum">
-              <a:rPr kumimoji="0" lang="en-US" sz="1300" b="0" i="0" u="none" strike="noStrike" kern="1200" cap="none" spc="0" normalizeH="0" baseline="0" noProof="0" smtClean="0">
-                <a:ln>
-                  <a:noFill/>
-                </a:ln>
-                <a:solidFill>
-                  <a:prstClr val="black"/>
-                </a:solidFill>
-                <a:effectLst/>
-                <a:uLnTx/>
-                <a:uFillTx/>
-                <a:latin typeface="Segoe UI" pitchFamily="34" charset="0"/>
-                <a:ea typeface="+mn-ea"/>
-                <a:cs typeface="+mn-cs"/>
-              </a:rPr>
-              <a:pPr marL="0" marR="0" lvl="0" indent="0" algn="r" defTabSz="914325" rtl="0" eaLnBrk="1" fontAlgn="auto" latinLnBrk="0" hangingPunct="1">
-                <a:lnSpc>
-                  <a:spcPct val="100000"/>
-                </a:lnSpc>
-                <a:spcBef>
-                  <a:spcPts val="0"/>
-                </a:spcBef>
-                <a:spcAft>
-                  <a:spcPts val="0"/>
-                </a:spcAft>
-                <a:buClrTx/>
-                <a:buSzTx/>
-                <a:buFontTx/>
-                <a:buNone/>
-                <a:tabLst/>
-                <a:defRPr/>
-              </a:pPr>
-              <a:t>12</a:t>
-            </a:fld>
-            <a:endParaRPr kumimoji="0" lang="en-US" sz="1300" b="0" i="0" u="none" strike="noStrike" kern="1200" cap="none" spc="0" normalizeH="0" baseline="0" noProof="0">
-              <a:ln>
-                <a:noFill/>
-              </a:ln>
-              <a:solidFill>
-                <a:prstClr val="black"/>
-              </a:solidFill>
-              <a:effectLst/>
-              <a:uLnTx/>
-              <a:uFillTx/>
-              <a:latin typeface="Segoe UI" pitchFamily="34" charset="0"/>
-              <a:ea typeface="+mn-ea"/>
-              <a:cs typeface="+mn-cs"/>
-            </a:endParaRPr>
-          </a:p>
-        </p:txBody>
-      </p:sp>
-    </p:spTree>
-    <p:extLst>
-      <p:ext uri="{BB962C8B-B14F-4D97-AF65-F5344CB8AC3E}">
-        <p14:creationId xmlns:p14="http://schemas.microsoft.com/office/powerpoint/2010/main" val="2403418629"/>
-      </p:ext>
-    </p:extLst>
-  </p:cSld>
-  <p:clrMapOvr>
-    <a:masterClrMapping/>
-  </p:clrMapOvr>
-</p:notes>
-</file>
-
-<file path=ppt/notesSlides/notesSlide3.xml><?xml version="1.0" encoding="utf-8"?>
-<p:notes xmlns:a="http://schemas.openxmlformats.org/drawingml/2006/main" xmlns:r="http://schemas.openxmlformats.org/officeDocument/2006/relationships" xmlns:p="http://schemas.openxmlformats.org/presentationml/2006/main">
-  <p:cSld>
-    <p:spTree>
-      <p:nvGrpSpPr>
-        <p:cNvPr id="1" name=""/>
-        <p:cNvGrpSpPr/>
-        <p:nvPr/>
-      </p:nvGrpSpPr>
-      <p:grpSpPr>
-        <a:xfrm>
-          <a:off x="0" y="0"/>
-          <a:ext cx="0" cy="0"/>
-          <a:chOff x="0" y="0"/>
-          <a:chExt cx="0" cy="0"/>
-        </a:xfrm>
-      </p:grpSpPr>
-      <p:sp>
-        <p:nvSpPr>
-          <p:cNvPr id="2" name="Slide Image Placeholder 1"/>
-          <p:cNvSpPr>
-            <a:spLocks noGrp="1" noRot="1" noChangeAspect="1"/>
-          </p:cNvSpPr>
-          <p:nvPr>
-            <p:ph type="sldImg"/>
-          </p:nvPr>
-        </p:nvSpPr>
-        <p:spPr>
-          <a:xfrm>
-            <a:off x="406400" y="696913"/>
-            <a:ext cx="6197600" cy="3486150"/>
-          </a:xfrm>
-        </p:spPr>
-      </p:sp>
-      <p:sp>
-        <p:nvSpPr>
-          <p:cNvPr id="3" name="Notes Placeholder 2"/>
-          <p:cNvSpPr>
-            <a:spLocks noGrp="1"/>
-          </p:cNvSpPr>
-          <p:nvPr>
-            <p:ph type="body" idx="1"/>
-          </p:nvPr>
-        </p:nvSpPr>
-        <p:spPr/>
-        <p:txBody>
-          <a:bodyPr/>
-          <a:lstStyle/>
-          <a:p>
-            <a:endParaRPr lang="en-US"/>
-          </a:p>
-        </p:txBody>
-      </p:sp>
-      <p:sp>
-        <p:nvSpPr>
-          <p:cNvPr id="4" name="Slide Number Placeholder 3"/>
-          <p:cNvSpPr>
-            <a:spLocks noGrp="1"/>
-          </p:cNvSpPr>
-          <p:nvPr>
-            <p:ph type="sldNum" sz="quarter" idx="10"/>
-          </p:nvPr>
-        </p:nvSpPr>
-        <p:spPr/>
-        <p:txBody>
-          <a:bodyPr/>
-          <a:lstStyle/>
-          <a:p>
-            <a:pPr marL="0" marR="0" lvl="0" indent="0" algn="r" defTabSz="914325" rtl="0" eaLnBrk="1" fontAlgn="auto" latinLnBrk="0" hangingPunct="1">
-              <a:lnSpc>
-                <a:spcPct val="100000"/>
-              </a:lnSpc>
-              <a:spcBef>
-                <a:spcPts val="0"/>
-              </a:spcBef>
-              <a:spcAft>
-                <a:spcPts val="0"/>
-              </a:spcAft>
-              <a:buClrTx/>
-              <a:buSzTx/>
-              <a:buFontTx/>
-              <a:buNone/>
-              <a:tabLst/>
-              <a:defRPr/>
-            </a:pPr>
-            <a:fld id="{8B263312-38AA-4E1E-B2B5-0F8F122B24FE}" type="slidenum">
-              <a:rPr kumimoji="0" lang="en-US" sz="1300" b="0" i="0" u="none" strike="noStrike" kern="1200" cap="none" spc="0" normalizeH="0" baseline="0" noProof="0" smtClean="0">
-                <a:ln>
-                  <a:noFill/>
-                </a:ln>
-                <a:solidFill>
-                  <a:prstClr val="black"/>
-                </a:solidFill>
-                <a:effectLst/>
-                <a:uLnTx/>
-                <a:uFillTx/>
-                <a:latin typeface="Segoe UI" pitchFamily="34" charset="0"/>
-                <a:ea typeface="+mn-ea"/>
-                <a:cs typeface="+mn-cs"/>
-              </a:rPr>
-              <a:pPr marL="0" marR="0" lvl="0" indent="0" algn="r" defTabSz="914325" rtl="0" eaLnBrk="1" fontAlgn="auto" latinLnBrk="0" hangingPunct="1">
-                <a:lnSpc>
-                  <a:spcPct val="100000"/>
-                </a:lnSpc>
-                <a:spcBef>
-                  <a:spcPts val="0"/>
-                </a:spcBef>
-                <a:spcAft>
-                  <a:spcPts val="0"/>
-                </a:spcAft>
-                <a:buClrTx/>
-                <a:buSzTx/>
-                <a:buFontTx/>
-                <a:buNone/>
-                <a:tabLst/>
-                <a:defRPr/>
-              </a:pPr>
-              <a:t>13</a:t>
-            </a:fld>
-            <a:endParaRPr kumimoji="0" lang="en-US" sz="1300" b="0" i="0" u="none" strike="noStrike" kern="1200" cap="none" spc="0" normalizeH="0" baseline="0" noProof="0">
-              <a:ln>
-                <a:noFill/>
-              </a:ln>
-              <a:solidFill>
-                <a:prstClr val="black"/>
-              </a:solidFill>
-              <a:effectLst/>
-              <a:uLnTx/>
-              <a:uFillTx/>
-              <a:latin typeface="Segoe UI" pitchFamily="34" charset="0"/>
-              <a:ea typeface="+mn-ea"/>
-              <a:cs typeface="+mn-cs"/>
-            </a:endParaRPr>
-          </a:p>
-        </p:txBody>
-      </p:sp>
-    </p:spTree>
-    <p:extLst>
-      <p:ext uri="{BB962C8B-B14F-4D97-AF65-F5344CB8AC3E}">
-        <p14:creationId xmlns:p14="http://schemas.microsoft.com/office/powerpoint/2010/main" val="341555341"/>
       </p:ext>
     </p:extLst>
   </p:cSld>
@@ -8773,7 +8478,7 @@
           <a:p>
             <a:fld id="{AFAAA849-1D6E-40B2-B057-39C83678EF33}" type="datetimeFigureOut">
               <a:rPr lang="en-US" smtClean="0"/>
-              <a:t>7/6/2020</a:t>
+              <a:t>8/25/2020</a:t>
             </a:fld>
             <a:endParaRPr lang="en-US"/>
           </a:p>
@@ -8971,7 +8676,7 @@
           <a:p>
             <a:fld id="{AFAAA849-1D6E-40B2-B057-39C83678EF33}" type="datetimeFigureOut">
               <a:rPr lang="en-US" smtClean="0"/>
-              <a:t>7/6/2020</a:t>
+              <a:t>8/25/2020</a:t>
             </a:fld>
             <a:endParaRPr lang="en-US"/>
           </a:p>
@@ -13164,704 +12869,6 @@
     <p:extLst>
       <p:ext uri="{BB962C8B-B14F-4D97-AF65-F5344CB8AC3E}">
         <p14:creationId xmlns:p14="http://schemas.microsoft.com/office/powerpoint/2010/main" val="587112505"/>
-      </p:ext>
-    </p:extLst>
-  </p:cSld>
-  <p:clrMapOvr>
-    <a:masterClrMapping/>
-  </p:clrMapOvr>
-</p:sldLayout>
-</file>
-
-<file path=ppt/slideLayouts/slideLayout37.xml><?xml version="1.0" encoding="utf-8"?>
-<p:sldLayout xmlns:a="http://schemas.openxmlformats.org/drawingml/2006/main" xmlns:r="http://schemas.openxmlformats.org/officeDocument/2006/relationships" xmlns:p="http://schemas.openxmlformats.org/presentationml/2006/main" type="title" preserve="1">
-  <p:cSld name="Title Slide">
-    <p:spTree>
-      <p:nvGrpSpPr>
-        <p:cNvPr id="1" name=""/>
-        <p:cNvGrpSpPr/>
-        <p:nvPr/>
-      </p:nvGrpSpPr>
-      <p:grpSpPr>
-        <a:xfrm>
-          <a:off x="0" y="0"/>
-          <a:ext cx="0" cy="0"/>
-          <a:chOff x="0" y="0"/>
-          <a:chExt cx="0" cy="0"/>
-        </a:xfrm>
-      </p:grpSpPr>
-      <p:sp>
-        <p:nvSpPr>
-          <p:cNvPr id="2" name="Title 1">
-            <a:extLst>
-              <a:ext uri="{FF2B5EF4-FFF2-40B4-BE49-F238E27FC236}">
-                <a16:creationId xmlns:a16="http://schemas.microsoft.com/office/drawing/2014/main" id="{A8781944-2A45-4B7B-A477-BA45CE9438EF}"/>
-              </a:ext>
-            </a:extLst>
-          </p:cNvPr>
-          <p:cNvSpPr>
-            <a:spLocks noGrp="1"/>
-          </p:cNvSpPr>
-          <p:nvPr>
-            <p:ph type="ctrTitle"/>
-          </p:nvPr>
-        </p:nvSpPr>
-        <p:spPr>
-          <a:xfrm>
-            <a:off x="1524000" y="1122363"/>
-            <a:ext cx="9144000" cy="2387600"/>
-          </a:xfrm>
-        </p:spPr>
-        <p:txBody>
-          <a:bodyPr anchor="b"/>
-          <a:lstStyle>
-            <a:lvl1pPr algn="ctr">
-              <a:defRPr sz="6000"/>
-            </a:lvl1pPr>
-          </a:lstStyle>
-          <a:p>
-            <a:r>
-              <a:rPr lang="en-US"/>
-              <a:t>Click to edit Master title style</a:t>
-            </a:r>
-            <a:endParaRPr lang="nl-NL"/>
-          </a:p>
-        </p:txBody>
-      </p:sp>
-      <p:sp>
-        <p:nvSpPr>
-          <p:cNvPr id="3" name="Subtitle 2">
-            <a:extLst>
-              <a:ext uri="{FF2B5EF4-FFF2-40B4-BE49-F238E27FC236}">
-                <a16:creationId xmlns:a16="http://schemas.microsoft.com/office/drawing/2014/main" id="{24BA0533-CD44-4DDE-B317-752BCF8BE700}"/>
-              </a:ext>
-            </a:extLst>
-          </p:cNvPr>
-          <p:cNvSpPr>
-            <a:spLocks noGrp="1"/>
-          </p:cNvSpPr>
-          <p:nvPr>
-            <p:ph type="subTitle" idx="1"/>
-          </p:nvPr>
-        </p:nvSpPr>
-        <p:spPr>
-          <a:xfrm>
-            <a:off x="1524000" y="3602038"/>
-            <a:ext cx="9144000" cy="1655762"/>
-          </a:xfrm>
-        </p:spPr>
-        <p:txBody>
-          <a:bodyPr/>
-          <a:lstStyle>
-            <a:lvl1pPr marL="0" indent="0" algn="ctr">
-              <a:buNone/>
-              <a:defRPr sz="2400"/>
-            </a:lvl1pPr>
-            <a:lvl2pPr marL="457200" indent="0" algn="ctr">
-              <a:buNone/>
-              <a:defRPr sz="2000"/>
-            </a:lvl2pPr>
-            <a:lvl3pPr marL="914400" indent="0" algn="ctr">
-              <a:buNone/>
-              <a:defRPr sz="1800"/>
-            </a:lvl3pPr>
-            <a:lvl4pPr marL="1371600" indent="0" algn="ctr">
-              <a:buNone/>
-              <a:defRPr sz="1600"/>
-            </a:lvl4pPr>
-            <a:lvl5pPr marL="1828800" indent="0" algn="ctr">
-              <a:buNone/>
-              <a:defRPr sz="1600"/>
-            </a:lvl5pPr>
-            <a:lvl6pPr marL="2286000" indent="0" algn="ctr">
-              <a:buNone/>
-              <a:defRPr sz="1600"/>
-            </a:lvl6pPr>
-            <a:lvl7pPr marL="2743200" indent="0" algn="ctr">
-              <a:buNone/>
-              <a:defRPr sz="1600"/>
-            </a:lvl7pPr>
-            <a:lvl8pPr marL="3200400" indent="0" algn="ctr">
-              <a:buNone/>
-              <a:defRPr sz="1600"/>
-            </a:lvl8pPr>
-            <a:lvl9pPr marL="3657600" indent="0" algn="ctr">
-              <a:buNone/>
-              <a:defRPr sz="1600"/>
-            </a:lvl9pPr>
-          </a:lstStyle>
-          <a:p>
-            <a:r>
-              <a:rPr lang="en-US"/>
-              <a:t>Click to edit Master subtitle style</a:t>
-            </a:r>
-            <a:endParaRPr lang="nl-NL"/>
-          </a:p>
-        </p:txBody>
-      </p:sp>
-      <p:sp>
-        <p:nvSpPr>
-          <p:cNvPr id="4" name="Date Placeholder 3">
-            <a:extLst>
-              <a:ext uri="{FF2B5EF4-FFF2-40B4-BE49-F238E27FC236}">
-                <a16:creationId xmlns:a16="http://schemas.microsoft.com/office/drawing/2014/main" id="{6A91C2DC-9D13-45B8-9C91-FAFEF08191E5}"/>
-              </a:ext>
-            </a:extLst>
-          </p:cNvPr>
-          <p:cNvSpPr>
-            <a:spLocks noGrp="1"/>
-          </p:cNvSpPr>
-          <p:nvPr>
-            <p:ph type="dt" sz="half" idx="10"/>
-          </p:nvPr>
-        </p:nvSpPr>
-        <p:spPr/>
-        <p:txBody>
-          <a:bodyPr/>
-          <a:lstStyle/>
-          <a:p>
-            <a:fld id="{B8CD15B7-28DE-4628-BA8A-1704EE7C24C1}" type="datetimeFigureOut">
-              <a:rPr lang="nl-NL" smtClean="0"/>
-              <a:t>6-7-2020</a:t>
-            </a:fld>
-            <a:endParaRPr lang="nl-NL"/>
-          </a:p>
-        </p:txBody>
-      </p:sp>
-      <p:sp>
-        <p:nvSpPr>
-          <p:cNvPr id="5" name="Footer Placeholder 4">
-            <a:extLst>
-              <a:ext uri="{FF2B5EF4-FFF2-40B4-BE49-F238E27FC236}">
-                <a16:creationId xmlns:a16="http://schemas.microsoft.com/office/drawing/2014/main" id="{0F1C4E39-1AE7-4646-A587-3B7171AB204C}"/>
-              </a:ext>
-            </a:extLst>
-          </p:cNvPr>
-          <p:cNvSpPr>
-            <a:spLocks noGrp="1"/>
-          </p:cNvSpPr>
-          <p:nvPr>
-            <p:ph type="ftr" sz="quarter" idx="11"/>
-          </p:nvPr>
-        </p:nvSpPr>
-        <p:spPr/>
-        <p:txBody>
-          <a:bodyPr/>
-          <a:lstStyle/>
-          <a:p>
-            <a:endParaRPr lang="nl-NL"/>
-          </a:p>
-        </p:txBody>
-      </p:sp>
-      <p:sp>
-        <p:nvSpPr>
-          <p:cNvPr id="6" name="Slide Number Placeholder 5">
-            <a:extLst>
-              <a:ext uri="{FF2B5EF4-FFF2-40B4-BE49-F238E27FC236}">
-                <a16:creationId xmlns:a16="http://schemas.microsoft.com/office/drawing/2014/main" id="{E78EDAC0-D24A-4D78-B8DB-BEB7297BA7CC}"/>
-              </a:ext>
-            </a:extLst>
-          </p:cNvPr>
-          <p:cNvSpPr>
-            <a:spLocks noGrp="1"/>
-          </p:cNvSpPr>
-          <p:nvPr>
-            <p:ph type="sldNum" sz="quarter" idx="12"/>
-          </p:nvPr>
-        </p:nvSpPr>
-        <p:spPr/>
-        <p:txBody>
-          <a:bodyPr/>
-          <a:lstStyle/>
-          <a:p>
-            <a:fld id="{BD9D4474-1850-4C1F-B98D-693A1E05AA24}" type="slidenum">
-              <a:rPr lang="nl-NL" smtClean="0"/>
-              <a:t>‹#›</a:t>
-            </a:fld>
-            <a:endParaRPr lang="nl-NL"/>
-          </a:p>
-        </p:txBody>
-      </p:sp>
-    </p:spTree>
-    <p:extLst>
-      <p:ext uri="{BB962C8B-B14F-4D97-AF65-F5344CB8AC3E}">
-        <p14:creationId xmlns:p14="http://schemas.microsoft.com/office/powerpoint/2010/main" val="1829406943"/>
-      </p:ext>
-    </p:extLst>
-  </p:cSld>
-  <p:clrMapOvr>
-    <a:masterClrMapping/>
-  </p:clrMapOvr>
-</p:sldLayout>
-</file>
-
-<file path=ppt/slideLayouts/slideLayout38.xml><?xml version="1.0" encoding="utf-8"?>
-<p:sldLayout xmlns:a="http://schemas.openxmlformats.org/drawingml/2006/main" xmlns:r="http://schemas.openxmlformats.org/officeDocument/2006/relationships" xmlns:p="http://schemas.openxmlformats.org/presentationml/2006/main" type="obj" preserve="1">
-  <p:cSld name="Title and Content">
-    <p:spTree>
-      <p:nvGrpSpPr>
-        <p:cNvPr id="1" name=""/>
-        <p:cNvGrpSpPr/>
-        <p:nvPr/>
-      </p:nvGrpSpPr>
-      <p:grpSpPr>
-        <a:xfrm>
-          <a:off x="0" y="0"/>
-          <a:ext cx="0" cy="0"/>
-          <a:chOff x="0" y="0"/>
-          <a:chExt cx="0" cy="0"/>
-        </a:xfrm>
-      </p:grpSpPr>
-      <p:sp>
-        <p:nvSpPr>
-          <p:cNvPr id="2" name="Title 1">
-            <a:extLst>
-              <a:ext uri="{FF2B5EF4-FFF2-40B4-BE49-F238E27FC236}">
-                <a16:creationId xmlns:a16="http://schemas.microsoft.com/office/drawing/2014/main" id="{E5DCED97-7892-4A6A-B40C-3C1372B4C7E2}"/>
-              </a:ext>
-            </a:extLst>
-          </p:cNvPr>
-          <p:cNvSpPr>
-            <a:spLocks noGrp="1"/>
-          </p:cNvSpPr>
-          <p:nvPr>
-            <p:ph type="title"/>
-          </p:nvPr>
-        </p:nvSpPr>
-        <p:spPr/>
-        <p:txBody>
-          <a:bodyPr/>
-          <a:lstStyle/>
-          <a:p>
-            <a:r>
-              <a:rPr lang="en-US"/>
-              <a:t>Click to edit Master title style</a:t>
-            </a:r>
-            <a:endParaRPr lang="nl-NL"/>
-          </a:p>
-        </p:txBody>
-      </p:sp>
-      <p:sp>
-        <p:nvSpPr>
-          <p:cNvPr id="3" name="Content Placeholder 2">
-            <a:extLst>
-              <a:ext uri="{FF2B5EF4-FFF2-40B4-BE49-F238E27FC236}">
-                <a16:creationId xmlns:a16="http://schemas.microsoft.com/office/drawing/2014/main" id="{7DBC458E-501A-4932-AB79-4DA6B0DF982B}"/>
-              </a:ext>
-            </a:extLst>
-          </p:cNvPr>
-          <p:cNvSpPr>
-            <a:spLocks noGrp="1"/>
-          </p:cNvSpPr>
-          <p:nvPr>
-            <p:ph idx="1"/>
-          </p:nvPr>
-        </p:nvSpPr>
-        <p:spPr/>
-        <p:txBody>
-          <a:bodyPr/>
-          <a:lstStyle/>
-          <a:p>
-            <a:pPr lvl="0"/>
-            <a:r>
-              <a:rPr lang="en-US"/>
-              <a:t>Click to edit Master text styles</a:t>
-            </a:r>
-          </a:p>
-          <a:p>
-            <a:pPr lvl="1"/>
-            <a:r>
-              <a:rPr lang="en-US"/>
-              <a:t>Second level</a:t>
-            </a:r>
-          </a:p>
-          <a:p>
-            <a:pPr lvl="2"/>
-            <a:r>
-              <a:rPr lang="en-US"/>
-              <a:t>Third level</a:t>
-            </a:r>
-          </a:p>
-          <a:p>
-            <a:pPr lvl="3"/>
-            <a:r>
-              <a:rPr lang="en-US"/>
-              <a:t>Fourth level</a:t>
-            </a:r>
-          </a:p>
-          <a:p>
-            <a:pPr lvl="4"/>
-            <a:r>
-              <a:rPr lang="en-US"/>
-              <a:t>Fifth level</a:t>
-            </a:r>
-            <a:endParaRPr lang="nl-NL"/>
-          </a:p>
-        </p:txBody>
-      </p:sp>
-      <p:sp>
-        <p:nvSpPr>
-          <p:cNvPr id="4" name="Date Placeholder 3">
-            <a:extLst>
-              <a:ext uri="{FF2B5EF4-FFF2-40B4-BE49-F238E27FC236}">
-                <a16:creationId xmlns:a16="http://schemas.microsoft.com/office/drawing/2014/main" id="{4896C5CD-5CA2-45D3-A7E5-5F0C41CFA2A3}"/>
-              </a:ext>
-            </a:extLst>
-          </p:cNvPr>
-          <p:cNvSpPr>
-            <a:spLocks noGrp="1"/>
-          </p:cNvSpPr>
-          <p:nvPr>
-            <p:ph type="dt" sz="half" idx="10"/>
-          </p:nvPr>
-        </p:nvSpPr>
-        <p:spPr/>
-        <p:txBody>
-          <a:bodyPr/>
-          <a:lstStyle/>
-          <a:p>
-            <a:fld id="{B8CD15B7-28DE-4628-BA8A-1704EE7C24C1}" type="datetimeFigureOut">
-              <a:rPr lang="nl-NL" smtClean="0"/>
-              <a:t>6-7-2020</a:t>
-            </a:fld>
-            <a:endParaRPr lang="nl-NL"/>
-          </a:p>
-        </p:txBody>
-      </p:sp>
-      <p:sp>
-        <p:nvSpPr>
-          <p:cNvPr id="5" name="Footer Placeholder 4">
-            <a:extLst>
-              <a:ext uri="{FF2B5EF4-FFF2-40B4-BE49-F238E27FC236}">
-                <a16:creationId xmlns:a16="http://schemas.microsoft.com/office/drawing/2014/main" id="{C4225868-F3A4-41EE-9FA8-A3278F9C85EA}"/>
-              </a:ext>
-            </a:extLst>
-          </p:cNvPr>
-          <p:cNvSpPr>
-            <a:spLocks noGrp="1"/>
-          </p:cNvSpPr>
-          <p:nvPr>
-            <p:ph type="ftr" sz="quarter" idx="11"/>
-          </p:nvPr>
-        </p:nvSpPr>
-        <p:spPr/>
-        <p:txBody>
-          <a:bodyPr/>
-          <a:lstStyle/>
-          <a:p>
-            <a:endParaRPr lang="nl-NL"/>
-          </a:p>
-        </p:txBody>
-      </p:sp>
-      <p:sp>
-        <p:nvSpPr>
-          <p:cNvPr id="6" name="Slide Number Placeholder 5">
-            <a:extLst>
-              <a:ext uri="{FF2B5EF4-FFF2-40B4-BE49-F238E27FC236}">
-                <a16:creationId xmlns:a16="http://schemas.microsoft.com/office/drawing/2014/main" id="{8EA4AED9-7AD0-4BE2-9F3D-EEA95145D890}"/>
-              </a:ext>
-            </a:extLst>
-          </p:cNvPr>
-          <p:cNvSpPr>
-            <a:spLocks noGrp="1"/>
-          </p:cNvSpPr>
-          <p:nvPr>
-            <p:ph type="sldNum" sz="quarter" idx="12"/>
-          </p:nvPr>
-        </p:nvSpPr>
-        <p:spPr/>
-        <p:txBody>
-          <a:bodyPr/>
-          <a:lstStyle/>
-          <a:p>
-            <a:fld id="{BD9D4474-1850-4C1F-B98D-693A1E05AA24}" type="slidenum">
-              <a:rPr lang="nl-NL" smtClean="0"/>
-              <a:t>‹#›</a:t>
-            </a:fld>
-            <a:endParaRPr lang="nl-NL"/>
-          </a:p>
-        </p:txBody>
-      </p:sp>
-    </p:spTree>
-    <p:extLst>
-      <p:ext uri="{BB962C8B-B14F-4D97-AF65-F5344CB8AC3E}">
-        <p14:creationId xmlns:p14="http://schemas.microsoft.com/office/powerpoint/2010/main" val="1688463625"/>
-      </p:ext>
-    </p:extLst>
-  </p:cSld>
-  <p:clrMapOvr>
-    <a:masterClrMapping/>
-  </p:clrMapOvr>
-</p:sldLayout>
-</file>
-
-<file path=ppt/slideLayouts/slideLayout39.xml><?xml version="1.0" encoding="utf-8"?>
-<p:sldLayout xmlns:a="http://schemas.openxmlformats.org/drawingml/2006/main" xmlns:r="http://schemas.openxmlformats.org/officeDocument/2006/relationships" xmlns:p="http://schemas.openxmlformats.org/presentationml/2006/main" type="secHead" preserve="1">
-  <p:cSld name="Section Header">
-    <p:spTree>
-      <p:nvGrpSpPr>
-        <p:cNvPr id="1" name=""/>
-        <p:cNvGrpSpPr/>
-        <p:nvPr/>
-      </p:nvGrpSpPr>
-      <p:grpSpPr>
-        <a:xfrm>
-          <a:off x="0" y="0"/>
-          <a:ext cx="0" cy="0"/>
-          <a:chOff x="0" y="0"/>
-          <a:chExt cx="0" cy="0"/>
-        </a:xfrm>
-      </p:grpSpPr>
-      <p:sp>
-        <p:nvSpPr>
-          <p:cNvPr id="2" name="Title 1">
-            <a:extLst>
-              <a:ext uri="{FF2B5EF4-FFF2-40B4-BE49-F238E27FC236}">
-                <a16:creationId xmlns:a16="http://schemas.microsoft.com/office/drawing/2014/main" id="{05540846-2E23-4F5E-862C-F0E79D9B5878}"/>
-              </a:ext>
-            </a:extLst>
-          </p:cNvPr>
-          <p:cNvSpPr>
-            <a:spLocks noGrp="1"/>
-          </p:cNvSpPr>
-          <p:nvPr>
-            <p:ph type="title"/>
-          </p:nvPr>
-        </p:nvSpPr>
-        <p:spPr>
-          <a:xfrm>
-            <a:off x="831850" y="1709738"/>
-            <a:ext cx="10515600" cy="2852737"/>
-          </a:xfrm>
-        </p:spPr>
-        <p:txBody>
-          <a:bodyPr anchor="b"/>
-          <a:lstStyle>
-            <a:lvl1pPr>
-              <a:defRPr sz="6000"/>
-            </a:lvl1pPr>
-          </a:lstStyle>
-          <a:p>
-            <a:r>
-              <a:rPr lang="en-US"/>
-              <a:t>Click to edit Master title style</a:t>
-            </a:r>
-            <a:endParaRPr lang="nl-NL"/>
-          </a:p>
-        </p:txBody>
-      </p:sp>
-      <p:sp>
-        <p:nvSpPr>
-          <p:cNvPr id="3" name="Text Placeholder 2">
-            <a:extLst>
-              <a:ext uri="{FF2B5EF4-FFF2-40B4-BE49-F238E27FC236}">
-                <a16:creationId xmlns:a16="http://schemas.microsoft.com/office/drawing/2014/main" id="{33B0B54E-F735-415F-BCB5-9F3633B034E8}"/>
-              </a:ext>
-            </a:extLst>
-          </p:cNvPr>
-          <p:cNvSpPr>
-            <a:spLocks noGrp="1"/>
-          </p:cNvSpPr>
-          <p:nvPr>
-            <p:ph type="body" idx="1"/>
-          </p:nvPr>
-        </p:nvSpPr>
-        <p:spPr>
-          <a:xfrm>
-            <a:off x="831850" y="4589463"/>
-            <a:ext cx="10515600" cy="1500187"/>
-          </a:xfrm>
-        </p:spPr>
-        <p:txBody>
-          <a:bodyPr/>
-          <a:lstStyle>
-            <a:lvl1pPr marL="0" indent="0">
-              <a:buNone/>
-              <a:defRPr sz="2400">
-                <a:solidFill>
-                  <a:schemeClr val="tx1">
-                    <a:tint val="75000"/>
-                  </a:schemeClr>
-                </a:solidFill>
-              </a:defRPr>
-            </a:lvl1pPr>
-            <a:lvl2pPr marL="457200" indent="0">
-              <a:buNone/>
-              <a:defRPr sz="2000">
-                <a:solidFill>
-                  <a:schemeClr val="tx1">
-                    <a:tint val="75000"/>
-                  </a:schemeClr>
-                </a:solidFill>
-              </a:defRPr>
-            </a:lvl2pPr>
-            <a:lvl3pPr marL="914400" indent="0">
-              <a:buNone/>
-              <a:defRPr sz="1800">
-                <a:solidFill>
-                  <a:schemeClr val="tx1">
-                    <a:tint val="75000"/>
-                  </a:schemeClr>
-                </a:solidFill>
-              </a:defRPr>
-            </a:lvl3pPr>
-            <a:lvl4pPr marL="1371600" indent="0">
-              <a:buNone/>
-              <a:defRPr sz="1600">
-                <a:solidFill>
-                  <a:schemeClr val="tx1">
-                    <a:tint val="75000"/>
-                  </a:schemeClr>
-                </a:solidFill>
-              </a:defRPr>
-            </a:lvl4pPr>
-            <a:lvl5pPr marL="1828800" indent="0">
-              <a:buNone/>
-              <a:defRPr sz="1600">
-                <a:solidFill>
-                  <a:schemeClr val="tx1">
-                    <a:tint val="75000"/>
-                  </a:schemeClr>
-                </a:solidFill>
-              </a:defRPr>
-            </a:lvl5pPr>
-            <a:lvl6pPr marL="2286000" indent="0">
-              <a:buNone/>
-              <a:defRPr sz="1600">
-                <a:solidFill>
-                  <a:schemeClr val="tx1">
-                    <a:tint val="75000"/>
-                  </a:schemeClr>
-                </a:solidFill>
-              </a:defRPr>
-            </a:lvl6pPr>
-            <a:lvl7pPr marL="2743200" indent="0">
-              <a:buNone/>
-              <a:defRPr sz="1600">
-                <a:solidFill>
-                  <a:schemeClr val="tx1">
-                    <a:tint val="75000"/>
-                  </a:schemeClr>
-                </a:solidFill>
-              </a:defRPr>
-            </a:lvl7pPr>
-            <a:lvl8pPr marL="3200400" indent="0">
-              <a:buNone/>
-              <a:defRPr sz="1600">
-                <a:solidFill>
-                  <a:schemeClr val="tx1">
-                    <a:tint val="75000"/>
-                  </a:schemeClr>
-                </a:solidFill>
-              </a:defRPr>
-            </a:lvl8pPr>
-            <a:lvl9pPr marL="3657600" indent="0">
-              <a:buNone/>
-              <a:defRPr sz="1600">
-                <a:solidFill>
-                  <a:schemeClr val="tx1">
-                    <a:tint val="75000"/>
-                  </a:schemeClr>
-                </a:solidFill>
-              </a:defRPr>
-            </a:lvl9pPr>
-          </a:lstStyle>
-          <a:p>
-            <a:pPr lvl="0"/>
-            <a:r>
-              <a:rPr lang="en-US"/>
-              <a:t>Click to edit Master text styles</a:t>
-            </a:r>
-          </a:p>
-        </p:txBody>
-      </p:sp>
-      <p:sp>
-        <p:nvSpPr>
-          <p:cNvPr id="4" name="Date Placeholder 3">
-            <a:extLst>
-              <a:ext uri="{FF2B5EF4-FFF2-40B4-BE49-F238E27FC236}">
-                <a16:creationId xmlns:a16="http://schemas.microsoft.com/office/drawing/2014/main" id="{8202A00C-93C8-4143-B536-17F9E9D1A4A9}"/>
-              </a:ext>
-            </a:extLst>
-          </p:cNvPr>
-          <p:cNvSpPr>
-            <a:spLocks noGrp="1"/>
-          </p:cNvSpPr>
-          <p:nvPr>
-            <p:ph type="dt" sz="half" idx="10"/>
-          </p:nvPr>
-        </p:nvSpPr>
-        <p:spPr/>
-        <p:txBody>
-          <a:bodyPr/>
-          <a:lstStyle/>
-          <a:p>
-            <a:fld id="{B8CD15B7-28DE-4628-BA8A-1704EE7C24C1}" type="datetimeFigureOut">
-              <a:rPr lang="nl-NL" smtClean="0"/>
-              <a:t>6-7-2020</a:t>
-            </a:fld>
-            <a:endParaRPr lang="nl-NL"/>
-          </a:p>
-        </p:txBody>
-      </p:sp>
-      <p:sp>
-        <p:nvSpPr>
-          <p:cNvPr id="5" name="Footer Placeholder 4">
-            <a:extLst>
-              <a:ext uri="{FF2B5EF4-FFF2-40B4-BE49-F238E27FC236}">
-                <a16:creationId xmlns:a16="http://schemas.microsoft.com/office/drawing/2014/main" id="{67545FA0-8B3E-46EB-B062-ECB3B4CEAC64}"/>
-              </a:ext>
-            </a:extLst>
-          </p:cNvPr>
-          <p:cNvSpPr>
-            <a:spLocks noGrp="1"/>
-          </p:cNvSpPr>
-          <p:nvPr>
-            <p:ph type="ftr" sz="quarter" idx="11"/>
-          </p:nvPr>
-        </p:nvSpPr>
-        <p:spPr/>
-        <p:txBody>
-          <a:bodyPr/>
-          <a:lstStyle/>
-          <a:p>
-            <a:endParaRPr lang="nl-NL"/>
-          </a:p>
-        </p:txBody>
-      </p:sp>
-      <p:sp>
-        <p:nvSpPr>
-          <p:cNvPr id="6" name="Slide Number Placeholder 5">
-            <a:extLst>
-              <a:ext uri="{FF2B5EF4-FFF2-40B4-BE49-F238E27FC236}">
-                <a16:creationId xmlns:a16="http://schemas.microsoft.com/office/drawing/2014/main" id="{F1443D8E-1315-4C71-9D6E-C3916E4050AB}"/>
-              </a:ext>
-            </a:extLst>
-          </p:cNvPr>
-          <p:cNvSpPr>
-            <a:spLocks noGrp="1"/>
-          </p:cNvSpPr>
-          <p:nvPr>
-            <p:ph type="sldNum" sz="quarter" idx="12"/>
-          </p:nvPr>
-        </p:nvSpPr>
-        <p:spPr/>
-        <p:txBody>
-          <a:bodyPr/>
-          <a:lstStyle/>
-          <a:p>
-            <a:fld id="{BD9D4474-1850-4C1F-B98D-693A1E05AA24}" type="slidenum">
-              <a:rPr lang="nl-NL" smtClean="0"/>
-              <a:t>‹#›</a:t>
-            </a:fld>
-            <a:endParaRPr lang="nl-NL"/>
-          </a:p>
-        </p:txBody>
-      </p:sp>
-    </p:spTree>
-    <p:extLst>
-      <p:ext uri="{BB962C8B-B14F-4D97-AF65-F5344CB8AC3E}">
-        <p14:creationId xmlns:p14="http://schemas.microsoft.com/office/powerpoint/2010/main" val="2047315221"/>
       </p:ext>
     </p:extLst>
   </p:cSld>
@@ -14810,2041 +13817,6 @@
       </p:bldP>
     </p:bldLst>
   </p:timing>
-</p:sldLayout>
-</file>
-
-<file path=ppt/slideLayouts/slideLayout40.xml><?xml version="1.0" encoding="utf-8"?>
-<p:sldLayout xmlns:a="http://schemas.openxmlformats.org/drawingml/2006/main" xmlns:r="http://schemas.openxmlformats.org/officeDocument/2006/relationships" xmlns:p="http://schemas.openxmlformats.org/presentationml/2006/main" type="twoObj" preserve="1">
-  <p:cSld name="Two Content">
-    <p:spTree>
-      <p:nvGrpSpPr>
-        <p:cNvPr id="1" name=""/>
-        <p:cNvGrpSpPr/>
-        <p:nvPr/>
-      </p:nvGrpSpPr>
-      <p:grpSpPr>
-        <a:xfrm>
-          <a:off x="0" y="0"/>
-          <a:ext cx="0" cy="0"/>
-          <a:chOff x="0" y="0"/>
-          <a:chExt cx="0" cy="0"/>
-        </a:xfrm>
-      </p:grpSpPr>
-      <p:sp>
-        <p:nvSpPr>
-          <p:cNvPr id="2" name="Title 1">
-            <a:extLst>
-              <a:ext uri="{FF2B5EF4-FFF2-40B4-BE49-F238E27FC236}">
-                <a16:creationId xmlns:a16="http://schemas.microsoft.com/office/drawing/2014/main" id="{E3B8E89B-20B1-440A-AA3A-A5E11E455182}"/>
-              </a:ext>
-            </a:extLst>
-          </p:cNvPr>
-          <p:cNvSpPr>
-            <a:spLocks noGrp="1"/>
-          </p:cNvSpPr>
-          <p:nvPr>
-            <p:ph type="title"/>
-          </p:nvPr>
-        </p:nvSpPr>
-        <p:spPr/>
-        <p:txBody>
-          <a:bodyPr/>
-          <a:lstStyle/>
-          <a:p>
-            <a:r>
-              <a:rPr lang="en-US"/>
-              <a:t>Click to edit Master title style</a:t>
-            </a:r>
-            <a:endParaRPr lang="nl-NL"/>
-          </a:p>
-        </p:txBody>
-      </p:sp>
-      <p:sp>
-        <p:nvSpPr>
-          <p:cNvPr id="3" name="Content Placeholder 2">
-            <a:extLst>
-              <a:ext uri="{FF2B5EF4-FFF2-40B4-BE49-F238E27FC236}">
-                <a16:creationId xmlns:a16="http://schemas.microsoft.com/office/drawing/2014/main" id="{AD44437A-F66C-4875-A74F-3C75CFC2F3F5}"/>
-              </a:ext>
-            </a:extLst>
-          </p:cNvPr>
-          <p:cNvSpPr>
-            <a:spLocks noGrp="1"/>
-          </p:cNvSpPr>
-          <p:nvPr>
-            <p:ph sz="half" idx="1"/>
-          </p:nvPr>
-        </p:nvSpPr>
-        <p:spPr>
-          <a:xfrm>
-            <a:off x="838200" y="1825625"/>
-            <a:ext cx="5181600" cy="4351338"/>
-          </a:xfrm>
-        </p:spPr>
-        <p:txBody>
-          <a:bodyPr/>
-          <a:lstStyle/>
-          <a:p>
-            <a:pPr lvl="0"/>
-            <a:r>
-              <a:rPr lang="en-US"/>
-              <a:t>Click to edit Master text styles</a:t>
-            </a:r>
-          </a:p>
-          <a:p>
-            <a:pPr lvl="1"/>
-            <a:r>
-              <a:rPr lang="en-US"/>
-              <a:t>Second level</a:t>
-            </a:r>
-          </a:p>
-          <a:p>
-            <a:pPr lvl="2"/>
-            <a:r>
-              <a:rPr lang="en-US"/>
-              <a:t>Third level</a:t>
-            </a:r>
-          </a:p>
-          <a:p>
-            <a:pPr lvl="3"/>
-            <a:r>
-              <a:rPr lang="en-US"/>
-              <a:t>Fourth level</a:t>
-            </a:r>
-          </a:p>
-          <a:p>
-            <a:pPr lvl="4"/>
-            <a:r>
-              <a:rPr lang="en-US"/>
-              <a:t>Fifth level</a:t>
-            </a:r>
-            <a:endParaRPr lang="nl-NL"/>
-          </a:p>
-        </p:txBody>
-      </p:sp>
-      <p:sp>
-        <p:nvSpPr>
-          <p:cNvPr id="4" name="Content Placeholder 3">
-            <a:extLst>
-              <a:ext uri="{FF2B5EF4-FFF2-40B4-BE49-F238E27FC236}">
-                <a16:creationId xmlns:a16="http://schemas.microsoft.com/office/drawing/2014/main" id="{F75757C9-5F48-46C8-ADC6-8F8A79A342BA}"/>
-              </a:ext>
-            </a:extLst>
-          </p:cNvPr>
-          <p:cNvSpPr>
-            <a:spLocks noGrp="1"/>
-          </p:cNvSpPr>
-          <p:nvPr>
-            <p:ph sz="half" idx="2"/>
-          </p:nvPr>
-        </p:nvSpPr>
-        <p:spPr>
-          <a:xfrm>
-            <a:off x="6172200" y="1825625"/>
-            <a:ext cx="5181600" cy="4351338"/>
-          </a:xfrm>
-        </p:spPr>
-        <p:txBody>
-          <a:bodyPr/>
-          <a:lstStyle/>
-          <a:p>
-            <a:pPr lvl="0"/>
-            <a:r>
-              <a:rPr lang="en-US"/>
-              <a:t>Click to edit Master text styles</a:t>
-            </a:r>
-          </a:p>
-          <a:p>
-            <a:pPr lvl="1"/>
-            <a:r>
-              <a:rPr lang="en-US"/>
-              <a:t>Second level</a:t>
-            </a:r>
-          </a:p>
-          <a:p>
-            <a:pPr lvl="2"/>
-            <a:r>
-              <a:rPr lang="en-US"/>
-              <a:t>Third level</a:t>
-            </a:r>
-          </a:p>
-          <a:p>
-            <a:pPr lvl="3"/>
-            <a:r>
-              <a:rPr lang="en-US"/>
-              <a:t>Fourth level</a:t>
-            </a:r>
-          </a:p>
-          <a:p>
-            <a:pPr lvl="4"/>
-            <a:r>
-              <a:rPr lang="en-US"/>
-              <a:t>Fifth level</a:t>
-            </a:r>
-            <a:endParaRPr lang="nl-NL"/>
-          </a:p>
-        </p:txBody>
-      </p:sp>
-      <p:sp>
-        <p:nvSpPr>
-          <p:cNvPr id="5" name="Date Placeholder 4">
-            <a:extLst>
-              <a:ext uri="{FF2B5EF4-FFF2-40B4-BE49-F238E27FC236}">
-                <a16:creationId xmlns:a16="http://schemas.microsoft.com/office/drawing/2014/main" id="{9F218420-C84D-4415-9356-52F5EB88B14E}"/>
-              </a:ext>
-            </a:extLst>
-          </p:cNvPr>
-          <p:cNvSpPr>
-            <a:spLocks noGrp="1"/>
-          </p:cNvSpPr>
-          <p:nvPr>
-            <p:ph type="dt" sz="half" idx="10"/>
-          </p:nvPr>
-        </p:nvSpPr>
-        <p:spPr/>
-        <p:txBody>
-          <a:bodyPr/>
-          <a:lstStyle/>
-          <a:p>
-            <a:fld id="{B8CD15B7-28DE-4628-BA8A-1704EE7C24C1}" type="datetimeFigureOut">
-              <a:rPr lang="nl-NL" smtClean="0"/>
-              <a:t>6-7-2020</a:t>
-            </a:fld>
-            <a:endParaRPr lang="nl-NL"/>
-          </a:p>
-        </p:txBody>
-      </p:sp>
-      <p:sp>
-        <p:nvSpPr>
-          <p:cNvPr id="6" name="Footer Placeholder 5">
-            <a:extLst>
-              <a:ext uri="{FF2B5EF4-FFF2-40B4-BE49-F238E27FC236}">
-                <a16:creationId xmlns:a16="http://schemas.microsoft.com/office/drawing/2014/main" id="{E92AA0E1-3220-43BD-954D-20604B18FD27}"/>
-              </a:ext>
-            </a:extLst>
-          </p:cNvPr>
-          <p:cNvSpPr>
-            <a:spLocks noGrp="1"/>
-          </p:cNvSpPr>
-          <p:nvPr>
-            <p:ph type="ftr" sz="quarter" idx="11"/>
-          </p:nvPr>
-        </p:nvSpPr>
-        <p:spPr/>
-        <p:txBody>
-          <a:bodyPr/>
-          <a:lstStyle/>
-          <a:p>
-            <a:endParaRPr lang="nl-NL"/>
-          </a:p>
-        </p:txBody>
-      </p:sp>
-      <p:sp>
-        <p:nvSpPr>
-          <p:cNvPr id="7" name="Slide Number Placeholder 6">
-            <a:extLst>
-              <a:ext uri="{FF2B5EF4-FFF2-40B4-BE49-F238E27FC236}">
-                <a16:creationId xmlns:a16="http://schemas.microsoft.com/office/drawing/2014/main" id="{EDA821A3-FCB3-4C1E-9E49-EA91D85195EC}"/>
-              </a:ext>
-            </a:extLst>
-          </p:cNvPr>
-          <p:cNvSpPr>
-            <a:spLocks noGrp="1"/>
-          </p:cNvSpPr>
-          <p:nvPr>
-            <p:ph type="sldNum" sz="quarter" idx="12"/>
-          </p:nvPr>
-        </p:nvSpPr>
-        <p:spPr/>
-        <p:txBody>
-          <a:bodyPr/>
-          <a:lstStyle/>
-          <a:p>
-            <a:fld id="{BD9D4474-1850-4C1F-B98D-693A1E05AA24}" type="slidenum">
-              <a:rPr lang="nl-NL" smtClean="0"/>
-              <a:t>‹#›</a:t>
-            </a:fld>
-            <a:endParaRPr lang="nl-NL"/>
-          </a:p>
-        </p:txBody>
-      </p:sp>
-    </p:spTree>
-    <p:extLst>
-      <p:ext uri="{BB962C8B-B14F-4D97-AF65-F5344CB8AC3E}">
-        <p14:creationId xmlns:p14="http://schemas.microsoft.com/office/powerpoint/2010/main" val="4006579107"/>
-      </p:ext>
-    </p:extLst>
-  </p:cSld>
-  <p:clrMapOvr>
-    <a:masterClrMapping/>
-  </p:clrMapOvr>
-</p:sldLayout>
-</file>
-
-<file path=ppt/slideLayouts/slideLayout41.xml><?xml version="1.0" encoding="utf-8"?>
-<p:sldLayout xmlns:a="http://schemas.openxmlformats.org/drawingml/2006/main" xmlns:r="http://schemas.openxmlformats.org/officeDocument/2006/relationships" xmlns:p="http://schemas.openxmlformats.org/presentationml/2006/main" type="twoTxTwoObj" preserve="1">
-  <p:cSld name="Comparison">
-    <p:spTree>
-      <p:nvGrpSpPr>
-        <p:cNvPr id="1" name=""/>
-        <p:cNvGrpSpPr/>
-        <p:nvPr/>
-      </p:nvGrpSpPr>
-      <p:grpSpPr>
-        <a:xfrm>
-          <a:off x="0" y="0"/>
-          <a:ext cx="0" cy="0"/>
-          <a:chOff x="0" y="0"/>
-          <a:chExt cx="0" cy="0"/>
-        </a:xfrm>
-      </p:grpSpPr>
-      <p:sp>
-        <p:nvSpPr>
-          <p:cNvPr id="2" name="Title 1">
-            <a:extLst>
-              <a:ext uri="{FF2B5EF4-FFF2-40B4-BE49-F238E27FC236}">
-                <a16:creationId xmlns:a16="http://schemas.microsoft.com/office/drawing/2014/main" id="{48F55EF6-0BBA-44B4-A4C5-B3C895ED28E5}"/>
-              </a:ext>
-            </a:extLst>
-          </p:cNvPr>
-          <p:cNvSpPr>
-            <a:spLocks noGrp="1"/>
-          </p:cNvSpPr>
-          <p:nvPr>
-            <p:ph type="title"/>
-          </p:nvPr>
-        </p:nvSpPr>
-        <p:spPr>
-          <a:xfrm>
-            <a:off x="839788" y="365125"/>
-            <a:ext cx="10515600" cy="1325563"/>
-          </a:xfrm>
-        </p:spPr>
-        <p:txBody>
-          <a:bodyPr/>
-          <a:lstStyle/>
-          <a:p>
-            <a:r>
-              <a:rPr lang="en-US"/>
-              <a:t>Click to edit Master title style</a:t>
-            </a:r>
-            <a:endParaRPr lang="nl-NL"/>
-          </a:p>
-        </p:txBody>
-      </p:sp>
-      <p:sp>
-        <p:nvSpPr>
-          <p:cNvPr id="3" name="Text Placeholder 2">
-            <a:extLst>
-              <a:ext uri="{FF2B5EF4-FFF2-40B4-BE49-F238E27FC236}">
-                <a16:creationId xmlns:a16="http://schemas.microsoft.com/office/drawing/2014/main" id="{0478683B-A28C-4845-822F-04E0CD832774}"/>
-              </a:ext>
-            </a:extLst>
-          </p:cNvPr>
-          <p:cNvSpPr>
-            <a:spLocks noGrp="1"/>
-          </p:cNvSpPr>
-          <p:nvPr>
-            <p:ph type="body" idx="1"/>
-          </p:nvPr>
-        </p:nvSpPr>
-        <p:spPr>
-          <a:xfrm>
-            <a:off x="839788" y="1681163"/>
-            <a:ext cx="5157787" cy="823912"/>
-          </a:xfrm>
-        </p:spPr>
-        <p:txBody>
-          <a:bodyPr anchor="b"/>
-          <a:lstStyle>
-            <a:lvl1pPr marL="0" indent="0">
-              <a:buNone/>
-              <a:defRPr sz="2400" b="1"/>
-            </a:lvl1pPr>
-            <a:lvl2pPr marL="457200" indent="0">
-              <a:buNone/>
-              <a:defRPr sz="2000" b="1"/>
-            </a:lvl2pPr>
-            <a:lvl3pPr marL="914400" indent="0">
-              <a:buNone/>
-              <a:defRPr sz="1800" b="1"/>
-            </a:lvl3pPr>
-            <a:lvl4pPr marL="1371600" indent="0">
-              <a:buNone/>
-              <a:defRPr sz="1600" b="1"/>
-            </a:lvl4pPr>
-            <a:lvl5pPr marL="1828800" indent="0">
-              <a:buNone/>
-              <a:defRPr sz="1600" b="1"/>
-            </a:lvl5pPr>
-            <a:lvl6pPr marL="2286000" indent="0">
-              <a:buNone/>
-              <a:defRPr sz="1600" b="1"/>
-            </a:lvl6pPr>
-            <a:lvl7pPr marL="2743200" indent="0">
-              <a:buNone/>
-              <a:defRPr sz="1600" b="1"/>
-            </a:lvl7pPr>
-            <a:lvl8pPr marL="3200400" indent="0">
-              <a:buNone/>
-              <a:defRPr sz="1600" b="1"/>
-            </a:lvl8pPr>
-            <a:lvl9pPr marL="3657600" indent="0">
-              <a:buNone/>
-              <a:defRPr sz="1600" b="1"/>
-            </a:lvl9pPr>
-          </a:lstStyle>
-          <a:p>
-            <a:pPr lvl="0"/>
-            <a:r>
-              <a:rPr lang="en-US"/>
-              <a:t>Click to edit Master text styles</a:t>
-            </a:r>
-          </a:p>
-        </p:txBody>
-      </p:sp>
-      <p:sp>
-        <p:nvSpPr>
-          <p:cNvPr id="4" name="Content Placeholder 3">
-            <a:extLst>
-              <a:ext uri="{FF2B5EF4-FFF2-40B4-BE49-F238E27FC236}">
-                <a16:creationId xmlns:a16="http://schemas.microsoft.com/office/drawing/2014/main" id="{AFA3C1FE-FE3B-40D0-85AC-B03F04658EBC}"/>
-              </a:ext>
-            </a:extLst>
-          </p:cNvPr>
-          <p:cNvSpPr>
-            <a:spLocks noGrp="1"/>
-          </p:cNvSpPr>
-          <p:nvPr>
-            <p:ph sz="half" idx="2"/>
-          </p:nvPr>
-        </p:nvSpPr>
-        <p:spPr>
-          <a:xfrm>
-            <a:off x="839788" y="2505075"/>
-            <a:ext cx="5157787" cy="3684588"/>
-          </a:xfrm>
-        </p:spPr>
-        <p:txBody>
-          <a:bodyPr/>
-          <a:lstStyle/>
-          <a:p>
-            <a:pPr lvl="0"/>
-            <a:r>
-              <a:rPr lang="en-US"/>
-              <a:t>Click to edit Master text styles</a:t>
-            </a:r>
-          </a:p>
-          <a:p>
-            <a:pPr lvl="1"/>
-            <a:r>
-              <a:rPr lang="en-US"/>
-              <a:t>Second level</a:t>
-            </a:r>
-          </a:p>
-          <a:p>
-            <a:pPr lvl="2"/>
-            <a:r>
-              <a:rPr lang="en-US"/>
-              <a:t>Third level</a:t>
-            </a:r>
-          </a:p>
-          <a:p>
-            <a:pPr lvl="3"/>
-            <a:r>
-              <a:rPr lang="en-US"/>
-              <a:t>Fourth level</a:t>
-            </a:r>
-          </a:p>
-          <a:p>
-            <a:pPr lvl="4"/>
-            <a:r>
-              <a:rPr lang="en-US"/>
-              <a:t>Fifth level</a:t>
-            </a:r>
-            <a:endParaRPr lang="nl-NL"/>
-          </a:p>
-        </p:txBody>
-      </p:sp>
-      <p:sp>
-        <p:nvSpPr>
-          <p:cNvPr id="5" name="Text Placeholder 4">
-            <a:extLst>
-              <a:ext uri="{FF2B5EF4-FFF2-40B4-BE49-F238E27FC236}">
-                <a16:creationId xmlns:a16="http://schemas.microsoft.com/office/drawing/2014/main" id="{95E390F9-3027-49EE-A483-89DC3E7E94D6}"/>
-              </a:ext>
-            </a:extLst>
-          </p:cNvPr>
-          <p:cNvSpPr>
-            <a:spLocks noGrp="1"/>
-          </p:cNvSpPr>
-          <p:nvPr>
-            <p:ph type="body" sz="quarter" idx="3"/>
-          </p:nvPr>
-        </p:nvSpPr>
-        <p:spPr>
-          <a:xfrm>
-            <a:off x="6172200" y="1681163"/>
-            <a:ext cx="5183188" cy="823912"/>
-          </a:xfrm>
-        </p:spPr>
-        <p:txBody>
-          <a:bodyPr anchor="b"/>
-          <a:lstStyle>
-            <a:lvl1pPr marL="0" indent="0">
-              <a:buNone/>
-              <a:defRPr sz="2400" b="1"/>
-            </a:lvl1pPr>
-            <a:lvl2pPr marL="457200" indent="0">
-              <a:buNone/>
-              <a:defRPr sz="2000" b="1"/>
-            </a:lvl2pPr>
-            <a:lvl3pPr marL="914400" indent="0">
-              <a:buNone/>
-              <a:defRPr sz="1800" b="1"/>
-            </a:lvl3pPr>
-            <a:lvl4pPr marL="1371600" indent="0">
-              <a:buNone/>
-              <a:defRPr sz="1600" b="1"/>
-            </a:lvl4pPr>
-            <a:lvl5pPr marL="1828800" indent="0">
-              <a:buNone/>
-              <a:defRPr sz="1600" b="1"/>
-            </a:lvl5pPr>
-            <a:lvl6pPr marL="2286000" indent="0">
-              <a:buNone/>
-              <a:defRPr sz="1600" b="1"/>
-            </a:lvl6pPr>
-            <a:lvl7pPr marL="2743200" indent="0">
-              <a:buNone/>
-              <a:defRPr sz="1600" b="1"/>
-            </a:lvl7pPr>
-            <a:lvl8pPr marL="3200400" indent="0">
-              <a:buNone/>
-              <a:defRPr sz="1600" b="1"/>
-            </a:lvl8pPr>
-            <a:lvl9pPr marL="3657600" indent="0">
-              <a:buNone/>
-              <a:defRPr sz="1600" b="1"/>
-            </a:lvl9pPr>
-          </a:lstStyle>
-          <a:p>
-            <a:pPr lvl="0"/>
-            <a:r>
-              <a:rPr lang="en-US"/>
-              <a:t>Click to edit Master text styles</a:t>
-            </a:r>
-          </a:p>
-        </p:txBody>
-      </p:sp>
-      <p:sp>
-        <p:nvSpPr>
-          <p:cNvPr id="6" name="Content Placeholder 5">
-            <a:extLst>
-              <a:ext uri="{FF2B5EF4-FFF2-40B4-BE49-F238E27FC236}">
-                <a16:creationId xmlns:a16="http://schemas.microsoft.com/office/drawing/2014/main" id="{41344934-6812-4DFC-BF6F-714BC4CBF8C1}"/>
-              </a:ext>
-            </a:extLst>
-          </p:cNvPr>
-          <p:cNvSpPr>
-            <a:spLocks noGrp="1"/>
-          </p:cNvSpPr>
-          <p:nvPr>
-            <p:ph sz="quarter" idx="4"/>
-          </p:nvPr>
-        </p:nvSpPr>
-        <p:spPr>
-          <a:xfrm>
-            <a:off x="6172200" y="2505075"/>
-            <a:ext cx="5183188" cy="3684588"/>
-          </a:xfrm>
-        </p:spPr>
-        <p:txBody>
-          <a:bodyPr/>
-          <a:lstStyle/>
-          <a:p>
-            <a:pPr lvl="0"/>
-            <a:r>
-              <a:rPr lang="en-US"/>
-              <a:t>Click to edit Master text styles</a:t>
-            </a:r>
-          </a:p>
-          <a:p>
-            <a:pPr lvl="1"/>
-            <a:r>
-              <a:rPr lang="en-US"/>
-              <a:t>Second level</a:t>
-            </a:r>
-          </a:p>
-          <a:p>
-            <a:pPr lvl="2"/>
-            <a:r>
-              <a:rPr lang="en-US"/>
-              <a:t>Third level</a:t>
-            </a:r>
-          </a:p>
-          <a:p>
-            <a:pPr lvl="3"/>
-            <a:r>
-              <a:rPr lang="en-US"/>
-              <a:t>Fourth level</a:t>
-            </a:r>
-          </a:p>
-          <a:p>
-            <a:pPr lvl="4"/>
-            <a:r>
-              <a:rPr lang="en-US"/>
-              <a:t>Fifth level</a:t>
-            </a:r>
-            <a:endParaRPr lang="nl-NL"/>
-          </a:p>
-        </p:txBody>
-      </p:sp>
-      <p:sp>
-        <p:nvSpPr>
-          <p:cNvPr id="7" name="Date Placeholder 6">
-            <a:extLst>
-              <a:ext uri="{FF2B5EF4-FFF2-40B4-BE49-F238E27FC236}">
-                <a16:creationId xmlns:a16="http://schemas.microsoft.com/office/drawing/2014/main" id="{5DDC2A01-49FB-4D07-B01B-529F0DBDE61A}"/>
-              </a:ext>
-            </a:extLst>
-          </p:cNvPr>
-          <p:cNvSpPr>
-            <a:spLocks noGrp="1"/>
-          </p:cNvSpPr>
-          <p:nvPr>
-            <p:ph type="dt" sz="half" idx="10"/>
-          </p:nvPr>
-        </p:nvSpPr>
-        <p:spPr/>
-        <p:txBody>
-          <a:bodyPr/>
-          <a:lstStyle/>
-          <a:p>
-            <a:fld id="{B8CD15B7-28DE-4628-BA8A-1704EE7C24C1}" type="datetimeFigureOut">
-              <a:rPr lang="nl-NL" smtClean="0"/>
-              <a:t>6-7-2020</a:t>
-            </a:fld>
-            <a:endParaRPr lang="nl-NL"/>
-          </a:p>
-        </p:txBody>
-      </p:sp>
-      <p:sp>
-        <p:nvSpPr>
-          <p:cNvPr id="8" name="Footer Placeholder 7">
-            <a:extLst>
-              <a:ext uri="{FF2B5EF4-FFF2-40B4-BE49-F238E27FC236}">
-                <a16:creationId xmlns:a16="http://schemas.microsoft.com/office/drawing/2014/main" id="{8B524A5D-C587-4CB5-ADFC-33A91CEF0CCA}"/>
-              </a:ext>
-            </a:extLst>
-          </p:cNvPr>
-          <p:cNvSpPr>
-            <a:spLocks noGrp="1"/>
-          </p:cNvSpPr>
-          <p:nvPr>
-            <p:ph type="ftr" sz="quarter" idx="11"/>
-          </p:nvPr>
-        </p:nvSpPr>
-        <p:spPr/>
-        <p:txBody>
-          <a:bodyPr/>
-          <a:lstStyle/>
-          <a:p>
-            <a:endParaRPr lang="nl-NL"/>
-          </a:p>
-        </p:txBody>
-      </p:sp>
-      <p:sp>
-        <p:nvSpPr>
-          <p:cNvPr id="9" name="Slide Number Placeholder 8">
-            <a:extLst>
-              <a:ext uri="{FF2B5EF4-FFF2-40B4-BE49-F238E27FC236}">
-                <a16:creationId xmlns:a16="http://schemas.microsoft.com/office/drawing/2014/main" id="{5D0F4136-265F-4E73-84C6-CF8222581A6E}"/>
-              </a:ext>
-            </a:extLst>
-          </p:cNvPr>
-          <p:cNvSpPr>
-            <a:spLocks noGrp="1"/>
-          </p:cNvSpPr>
-          <p:nvPr>
-            <p:ph type="sldNum" sz="quarter" idx="12"/>
-          </p:nvPr>
-        </p:nvSpPr>
-        <p:spPr/>
-        <p:txBody>
-          <a:bodyPr/>
-          <a:lstStyle/>
-          <a:p>
-            <a:fld id="{BD9D4474-1850-4C1F-B98D-693A1E05AA24}" type="slidenum">
-              <a:rPr lang="nl-NL" smtClean="0"/>
-              <a:t>‹#›</a:t>
-            </a:fld>
-            <a:endParaRPr lang="nl-NL"/>
-          </a:p>
-        </p:txBody>
-      </p:sp>
-    </p:spTree>
-    <p:extLst>
-      <p:ext uri="{BB962C8B-B14F-4D97-AF65-F5344CB8AC3E}">
-        <p14:creationId xmlns:p14="http://schemas.microsoft.com/office/powerpoint/2010/main" val="125973716"/>
-      </p:ext>
-    </p:extLst>
-  </p:cSld>
-  <p:clrMapOvr>
-    <a:masterClrMapping/>
-  </p:clrMapOvr>
-</p:sldLayout>
-</file>
-
-<file path=ppt/slideLayouts/slideLayout42.xml><?xml version="1.0" encoding="utf-8"?>
-<p:sldLayout xmlns:a="http://schemas.openxmlformats.org/drawingml/2006/main" xmlns:r="http://schemas.openxmlformats.org/officeDocument/2006/relationships" xmlns:p="http://schemas.openxmlformats.org/presentationml/2006/main" type="titleOnly" preserve="1">
-  <p:cSld name="Title Only">
-    <p:spTree>
-      <p:nvGrpSpPr>
-        <p:cNvPr id="1" name=""/>
-        <p:cNvGrpSpPr/>
-        <p:nvPr/>
-      </p:nvGrpSpPr>
-      <p:grpSpPr>
-        <a:xfrm>
-          <a:off x="0" y="0"/>
-          <a:ext cx="0" cy="0"/>
-          <a:chOff x="0" y="0"/>
-          <a:chExt cx="0" cy="0"/>
-        </a:xfrm>
-      </p:grpSpPr>
-      <p:sp>
-        <p:nvSpPr>
-          <p:cNvPr id="2" name="Title 1">
-            <a:extLst>
-              <a:ext uri="{FF2B5EF4-FFF2-40B4-BE49-F238E27FC236}">
-                <a16:creationId xmlns:a16="http://schemas.microsoft.com/office/drawing/2014/main" id="{D057F709-38DF-4FC9-92E2-B50C448F4559}"/>
-              </a:ext>
-            </a:extLst>
-          </p:cNvPr>
-          <p:cNvSpPr>
-            <a:spLocks noGrp="1"/>
-          </p:cNvSpPr>
-          <p:nvPr>
-            <p:ph type="title"/>
-          </p:nvPr>
-        </p:nvSpPr>
-        <p:spPr/>
-        <p:txBody>
-          <a:bodyPr/>
-          <a:lstStyle/>
-          <a:p>
-            <a:r>
-              <a:rPr lang="en-US"/>
-              <a:t>Click to edit Master title style</a:t>
-            </a:r>
-            <a:endParaRPr lang="nl-NL"/>
-          </a:p>
-        </p:txBody>
-      </p:sp>
-      <p:sp>
-        <p:nvSpPr>
-          <p:cNvPr id="3" name="Date Placeholder 2">
-            <a:extLst>
-              <a:ext uri="{FF2B5EF4-FFF2-40B4-BE49-F238E27FC236}">
-                <a16:creationId xmlns:a16="http://schemas.microsoft.com/office/drawing/2014/main" id="{DB653B80-0ABE-48BA-8254-620142309755}"/>
-              </a:ext>
-            </a:extLst>
-          </p:cNvPr>
-          <p:cNvSpPr>
-            <a:spLocks noGrp="1"/>
-          </p:cNvSpPr>
-          <p:nvPr>
-            <p:ph type="dt" sz="half" idx="10"/>
-          </p:nvPr>
-        </p:nvSpPr>
-        <p:spPr/>
-        <p:txBody>
-          <a:bodyPr/>
-          <a:lstStyle/>
-          <a:p>
-            <a:fld id="{B8CD15B7-28DE-4628-BA8A-1704EE7C24C1}" type="datetimeFigureOut">
-              <a:rPr lang="nl-NL" smtClean="0"/>
-              <a:t>6-7-2020</a:t>
-            </a:fld>
-            <a:endParaRPr lang="nl-NL"/>
-          </a:p>
-        </p:txBody>
-      </p:sp>
-      <p:sp>
-        <p:nvSpPr>
-          <p:cNvPr id="4" name="Footer Placeholder 3">
-            <a:extLst>
-              <a:ext uri="{FF2B5EF4-FFF2-40B4-BE49-F238E27FC236}">
-                <a16:creationId xmlns:a16="http://schemas.microsoft.com/office/drawing/2014/main" id="{15847FF1-D68D-4890-B0FE-D70B17030EEA}"/>
-              </a:ext>
-            </a:extLst>
-          </p:cNvPr>
-          <p:cNvSpPr>
-            <a:spLocks noGrp="1"/>
-          </p:cNvSpPr>
-          <p:nvPr>
-            <p:ph type="ftr" sz="quarter" idx="11"/>
-          </p:nvPr>
-        </p:nvSpPr>
-        <p:spPr/>
-        <p:txBody>
-          <a:bodyPr/>
-          <a:lstStyle/>
-          <a:p>
-            <a:endParaRPr lang="nl-NL"/>
-          </a:p>
-        </p:txBody>
-      </p:sp>
-      <p:sp>
-        <p:nvSpPr>
-          <p:cNvPr id="5" name="Slide Number Placeholder 4">
-            <a:extLst>
-              <a:ext uri="{FF2B5EF4-FFF2-40B4-BE49-F238E27FC236}">
-                <a16:creationId xmlns:a16="http://schemas.microsoft.com/office/drawing/2014/main" id="{D0CAEE45-D205-4FB8-8EFA-AE2A28924C61}"/>
-              </a:ext>
-            </a:extLst>
-          </p:cNvPr>
-          <p:cNvSpPr>
-            <a:spLocks noGrp="1"/>
-          </p:cNvSpPr>
-          <p:nvPr>
-            <p:ph type="sldNum" sz="quarter" idx="12"/>
-          </p:nvPr>
-        </p:nvSpPr>
-        <p:spPr/>
-        <p:txBody>
-          <a:bodyPr/>
-          <a:lstStyle/>
-          <a:p>
-            <a:fld id="{BD9D4474-1850-4C1F-B98D-693A1E05AA24}" type="slidenum">
-              <a:rPr lang="nl-NL" smtClean="0"/>
-              <a:t>‹#›</a:t>
-            </a:fld>
-            <a:endParaRPr lang="nl-NL"/>
-          </a:p>
-        </p:txBody>
-      </p:sp>
-    </p:spTree>
-    <p:extLst>
-      <p:ext uri="{BB962C8B-B14F-4D97-AF65-F5344CB8AC3E}">
-        <p14:creationId xmlns:p14="http://schemas.microsoft.com/office/powerpoint/2010/main" val="3916701418"/>
-      </p:ext>
-    </p:extLst>
-  </p:cSld>
-  <p:clrMapOvr>
-    <a:masterClrMapping/>
-  </p:clrMapOvr>
-</p:sldLayout>
-</file>
-
-<file path=ppt/slideLayouts/slideLayout43.xml><?xml version="1.0" encoding="utf-8"?>
-<p:sldLayout xmlns:a="http://schemas.openxmlformats.org/drawingml/2006/main" xmlns:r="http://schemas.openxmlformats.org/officeDocument/2006/relationships" xmlns:p="http://schemas.openxmlformats.org/presentationml/2006/main" type="blank" preserve="1">
-  <p:cSld name="Blank">
-    <p:spTree>
-      <p:nvGrpSpPr>
-        <p:cNvPr id="1" name=""/>
-        <p:cNvGrpSpPr/>
-        <p:nvPr/>
-      </p:nvGrpSpPr>
-      <p:grpSpPr>
-        <a:xfrm>
-          <a:off x="0" y="0"/>
-          <a:ext cx="0" cy="0"/>
-          <a:chOff x="0" y="0"/>
-          <a:chExt cx="0" cy="0"/>
-        </a:xfrm>
-      </p:grpSpPr>
-      <p:sp>
-        <p:nvSpPr>
-          <p:cNvPr id="2" name="Date Placeholder 1">
-            <a:extLst>
-              <a:ext uri="{FF2B5EF4-FFF2-40B4-BE49-F238E27FC236}">
-                <a16:creationId xmlns:a16="http://schemas.microsoft.com/office/drawing/2014/main" id="{A18902FB-23CF-4211-ADF0-3A4DE0B6F727}"/>
-              </a:ext>
-            </a:extLst>
-          </p:cNvPr>
-          <p:cNvSpPr>
-            <a:spLocks noGrp="1"/>
-          </p:cNvSpPr>
-          <p:nvPr>
-            <p:ph type="dt" sz="half" idx="10"/>
-          </p:nvPr>
-        </p:nvSpPr>
-        <p:spPr/>
-        <p:txBody>
-          <a:bodyPr/>
-          <a:lstStyle/>
-          <a:p>
-            <a:fld id="{B8CD15B7-28DE-4628-BA8A-1704EE7C24C1}" type="datetimeFigureOut">
-              <a:rPr lang="nl-NL" smtClean="0"/>
-              <a:t>6-7-2020</a:t>
-            </a:fld>
-            <a:endParaRPr lang="nl-NL"/>
-          </a:p>
-        </p:txBody>
-      </p:sp>
-      <p:sp>
-        <p:nvSpPr>
-          <p:cNvPr id="3" name="Footer Placeholder 2">
-            <a:extLst>
-              <a:ext uri="{FF2B5EF4-FFF2-40B4-BE49-F238E27FC236}">
-                <a16:creationId xmlns:a16="http://schemas.microsoft.com/office/drawing/2014/main" id="{FD2ED0D9-AA32-4C72-83AD-B6C1ED24F464}"/>
-              </a:ext>
-            </a:extLst>
-          </p:cNvPr>
-          <p:cNvSpPr>
-            <a:spLocks noGrp="1"/>
-          </p:cNvSpPr>
-          <p:nvPr>
-            <p:ph type="ftr" sz="quarter" idx="11"/>
-          </p:nvPr>
-        </p:nvSpPr>
-        <p:spPr/>
-        <p:txBody>
-          <a:bodyPr/>
-          <a:lstStyle/>
-          <a:p>
-            <a:endParaRPr lang="nl-NL"/>
-          </a:p>
-        </p:txBody>
-      </p:sp>
-      <p:sp>
-        <p:nvSpPr>
-          <p:cNvPr id="4" name="Slide Number Placeholder 3">
-            <a:extLst>
-              <a:ext uri="{FF2B5EF4-FFF2-40B4-BE49-F238E27FC236}">
-                <a16:creationId xmlns:a16="http://schemas.microsoft.com/office/drawing/2014/main" id="{862B3314-6C94-4202-968D-E70216A476DC}"/>
-              </a:ext>
-            </a:extLst>
-          </p:cNvPr>
-          <p:cNvSpPr>
-            <a:spLocks noGrp="1"/>
-          </p:cNvSpPr>
-          <p:nvPr>
-            <p:ph type="sldNum" sz="quarter" idx="12"/>
-          </p:nvPr>
-        </p:nvSpPr>
-        <p:spPr/>
-        <p:txBody>
-          <a:bodyPr/>
-          <a:lstStyle/>
-          <a:p>
-            <a:fld id="{BD9D4474-1850-4C1F-B98D-693A1E05AA24}" type="slidenum">
-              <a:rPr lang="nl-NL" smtClean="0"/>
-              <a:t>‹#›</a:t>
-            </a:fld>
-            <a:endParaRPr lang="nl-NL"/>
-          </a:p>
-        </p:txBody>
-      </p:sp>
-    </p:spTree>
-    <p:extLst>
-      <p:ext uri="{BB962C8B-B14F-4D97-AF65-F5344CB8AC3E}">
-        <p14:creationId xmlns:p14="http://schemas.microsoft.com/office/powerpoint/2010/main" val="1907532312"/>
-      </p:ext>
-    </p:extLst>
-  </p:cSld>
-  <p:clrMapOvr>
-    <a:masterClrMapping/>
-  </p:clrMapOvr>
-</p:sldLayout>
-</file>
-
-<file path=ppt/slideLayouts/slideLayout44.xml><?xml version="1.0" encoding="utf-8"?>
-<p:sldLayout xmlns:a="http://schemas.openxmlformats.org/drawingml/2006/main" xmlns:r="http://schemas.openxmlformats.org/officeDocument/2006/relationships" xmlns:p="http://schemas.openxmlformats.org/presentationml/2006/main" type="objTx" preserve="1">
-  <p:cSld name="Content with Caption">
-    <p:spTree>
-      <p:nvGrpSpPr>
-        <p:cNvPr id="1" name=""/>
-        <p:cNvGrpSpPr/>
-        <p:nvPr/>
-      </p:nvGrpSpPr>
-      <p:grpSpPr>
-        <a:xfrm>
-          <a:off x="0" y="0"/>
-          <a:ext cx="0" cy="0"/>
-          <a:chOff x="0" y="0"/>
-          <a:chExt cx="0" cy="0"/>
-        </a:xfrm>
-      </p:grpSpPr>
-      <p:sp>
-        <p:nvSpPr>
-          <p:cNvPr id="2" name="Title 1">
-            <a:extLst>
-              <a:ext uri="{FF2B5EF4-FFF2-40B4-BE49-F238E27FC236}">
-                <a16:creationId xmlns:a16="http://schemas.microsoft.com/office/drawing/2014/main" id="{8023842A-612B-4000-A784-0BC4F8BF68C2}"/>
-              </a:ext>
-            </a:extLst>
-          </p:cNvPr>
-          <p:cNvSpPr>
-            <a:spLocks noGrp="1"/>
-          </p:cNvSpPr>
-          <p:nvPr>
-            <p:ph type="title"/>
-          </p:nvPr>
-        </p:nvSpPr>
-        <p:spPr>
-          <a:xfrm>
-            <a:off x="839788" y="457200"/>
-            <a:ext cx="3932237" cy="1600200"/>
-          </a:xfrm>
-        </p:spPr>
-        <p:txBody>
-          <a:bodyPr anchor="b"/>
-          <a:lstStyle>
-            <a:lvl1pPr>
-              <a:defRPr sz="3200"/>
-            </a:lvl1pPr>
-          </a:lstStyle>
-          <a:p>
-            <a:r>
-              <a:rPr lang="en-US"/>
-              <a:t>Click to edit Master title style</a:t>
-            </a:r>
-            <a:endParaRPr lang="nl-NL"/>
-          </a:p>
-        </p:txBody>
-      </p:sp>
-      <p:sp>
-        <p:nvSpPr>
-          <p:cNvPr id="3" name="Content Placeholder 2">
-            <a:extLst>
-              <a:ext uri="{FF2B5EF4-FFF2-40B4-BE49-F238E27FC236}">
-                <a16:creationId xmlns:a16="http://schemas.microsoft.com/office/drawing/2014/main" id="{D2E42E23-E41A-49FF-AC83-CA3721D079FF}"/>
-              </a:ext>
-            </a:extLst>
-          </p:cNvPr>
-          <p:cNvSpPr>
-            <a:spLocks noGrp="1"/>
-          </p:cNvSpPr>
-          <p:nvPr>
-            <p:ph idx="1"/>
-          </p:nvPr>
-        </p:nvSpPr>
-        <p:spPr>
-          <a:xfrm>
-            <a:off x="5183188" y="987425"/>
-            <a:ext cx="6172200" cy="4873625"/>
-          </a:xfrm>
-        </p:spPr>
-        <p:txBody>
-          <a:bodyPr/>
-          <a:lstStyle>
-            <a:lvl1pPr>
-              <a:defRPr sz="3200"/>
-            </a:lvl1pPr>
-            <a:lvl2pPr>
-              <a:defRPr sz="2800"/>
-            </a:lvl2pPr>
-            <a:lvl3pPr>
-              <a:defRPr sz="2400"/>
-            </a:lvl3pPr>
-            <a:lvl4pPr>
-              <a:defRPr sz="2000"/>
-            </a:lvl4pPr>
-            <a:lvl5pPr>
-              <a:defRPr sz="2000"/>
-            </a:lvl5pPr>
-            <a:lvl6pPr>
-              <a:defRPr sz="2000"/>
-            </a:lvl6pPr>
-            <a:lvl7pPr>
-              <a:defRPr sz="2000"/>
-            </a:lvl7pPr>
-            <a:lvl8pPr>
-              <a:defRPr sz="2000"/>
-            </a:lvl8pPr>
-            <a:lvl9pPr>
-              <a:defRPr sz="2000"/>
-            </a:lvl9pPr>
-          </a:lstStyle>
-          <a:p>
-            <a:pPr lvl="0"/>
-            <a:r>
-              <a:rPr lang="en-US"/>
-              <a:t>Click to edit Master text styles</a:t>
-            </a:r>
-          </a:p>
-          <a:p>
-            <a:pPr lvl="1"/>
-            <a:r>
-              <a:rPr lang="en-US"/>
-              <a:t>Second level</a:t>
-            </a:r>
-          </a:p>
-          <a:p>
-            <a:pPr lvl="2"/>
-            <a:r>
-              <a:rPr lang="en-US"/>
-              <a:t>Third level</a:t>
-            </a:r>
-          </a:p>
-          <a:p>
-            <a:pPr lvl="3"/>
-            <a:r>
-              <a:rPr lang="en-US"/>
-              <a:t>Fourth level</a:t>
-            </a:r>
-          </a:p>
-          <a:p>
-            <a:pPr lvl="4"/>
-            <a:r>
-              <a:rPr lang="en-US"/>
-              <a:t>Fifth level</a:t>
-            </a:r>
-            <a:endParaRPr lang="nl-NL"/>
-          </a:p>
-        </p:txBody>
-      </p:sp>
-      <p:sp>
-        <p:nvSpPr>
-          <p:cNvPr id="4" name="Text Placeholder 3">
-            <a:extLst>
-              <a:ext uri="{FF2B5EF4-FFF2-40B4-BE49-F238E27FC236}">
-                <a16:creationId xmlns:a16="http://schemas.microsoft.com/office/drawing/2014/main" id="{60B09896-E4F5-40FA-90E2-4561A5E1BFA6}"/>
-              </a:ext>
-            </a:extLst>
-          </p:cNvPr>
-          <p:cNvSpPr>
-            <a:spLocks noGrp="1"/>
-          </p:cNvSpPr>
-          <p:nvPr>
-            <p:ph type="body" sz="half" idx="2"/>
-          </p:nvPr>
-        </p:nvSpPr>
-        <p:spPr>
-          <a:xfrm>
-            <a:off x="839788" y="2057400"/>
-            <a:ext cx="3932237" cy="3811588"/>
-          </a:xfrm>
-        </p:spPr>
-        <p:txBody>
-          <a:bodyPr/>
-          <a:lstStyle>
-            <a:lvl1pPr marL="0" indent="0">
-              <a:buNone/>
-              <a:defRPr sz="1600"/>
-            </a:lvl1pPr>
-            <a:lvl2pPr marL="457200" indent="0">
-              <a:buNone/>
-              <a:defRPr sz="1400"/>
-            </a:lvl2pPr>
-            <a:lvl3pPr marL="914400" indent="0">
-              <a:buNone/>
-              <a:defRPr sz="1200"/>
-            </a:lvl3pPr>
-            <a:lvl4pPr marL="1371600" indent="0">
-              <a:buNone/>
-              <a:defRPr sz="1000"/>
-            </a:lvl4pPr>
-            <a:lvl5pPr marL="1828800" indent="0">
-              <a:buNone/>
-              <a:defRPr sz="1000"/>
-            </a:lvl5pPr>
-            <a:lvl6pPr marL="2286000" indent="0">
-              <a:buNone/>
-              <a:defRPr sz="1000"/>
-            </a:lvl6pPr>
-            <a:lvl7pPr marL="2743200" indent="0">
-              <a:buNone/>
-              <a:defRPr sz="1000"/>
-            </a:lvl7pPr>
-            <a:lvl8pPr marL="3200400" indent="0">
-              <a:buNone/>
-              <a:defRPr sz="1000"/>
-            </a:lvl8pPr>
-            <a:lvl9pPr marL="3657600" indent="0">
-              <a:buNone/>
-              <a:defRPr sz="1000"/>
-            </a:lvl9pPr>
-          </a:lstStyle>
-          <a:p>
-            <a:pPr lvl="0"/>
-            <a:r>
-              <a:rPr lang="en-US"/>
-              <a:t>Click to edit Master text styles</a:t>
-            </a:r>
-          </a:p>
-        </p:txBody>
-      </p:sp>
-      <p:sp>
-        <p:nvSpPr>
-          <p:cNvPr id="5" name="Date Placeholder 4">
-            <a:extLst>
-              <a:ext uri="{FF2B5EF4-FFF2-40B4-BE49-F238E27FC236}">
-                <a16:creationId xmlns:a16="http://schemas.microsoft.com/office/drawing/2014/main" id="{12816635-A7B4-4B97-88E6-38C7D2C5D545}"/>
-              </a:ext>
-            </a:extLst>
-          </p:cNvPr>
-          <p:cNvSpPr>
-            <a:spLocks noGrp="1"/>
-          </p:cNvSpPr>
-          <p:nvPr>
-            <p:ph type="dt" sz="half" idx="10"/>
-          </p:nvPr>
-        </p:nvSpPr>
-        <p:spPr/>
-        <p:txBody>
-          <a:bodyPr/>
-          <a:lstStyle/>
-          <a:p>
-            <a:fld id="{B8CD15B7-28DE-4628-BA8A-1704EE7C24C1}" type="datetimeFigureOut">
-              <a:rPr lang="nl-NL" smtClean="0"/>
-              <a:t>6-7-2020</a:t>
-            </a:fld>
-            <a:endParaRPr lang="nl-NL"/>
-          </a:p>
-        </p:txBody>
-      </p:sp>
-      <p:sp>
-        <p:nvSpPr>
-          <p:cNvPr id="6" name="Footer Placeholder 5">
-            <a:extLst>
-              <a:ext uri="{FF2B5EF4-FFF2-40B4-BE49-F238E27FC236}">
-                <a16:creationId xmlns:a16="http://schemas.microsoft.com/office/drawing/2014/main" id="{5CDE2EB0-16D9-4607-B6BE-F88A1551B98C}"/>
-              </a:ext>
-            </a:extLst>
-          </p:cNvPr>
-          <p:cNvSpPr>
-            <a:spLocks noGrp="1"/>
-          </p:cNvSpPr>
-          <p:nvPr>
-            <p:ph type="ftr" sz="quarter" idx="11"/>
-          </p:nvPr>
-        </p:nvSpPr>
-        <p:spPr/>
-        <p:txBody>
-          <a:bodyPr/>
-          <a:lstStyle/>
-          <a:p>
-            <a:endParaRPr lang="nl-NL"/>
-          </a:p>
-        </p:txBody>
-      </p:sp>
-      <p:sp>
-        <p:nvSpPr>
-          <p:cNvPr id="7" name="Slide Number Placeholder 6">
-            <a:extLst>
-              <a:ext uri="{FF2B5EF4-FFF2-40B4-BE49-F238E27FC236}">
-                <a16:creationId xmlns:a16="http://schemas.microsoft.com/office/drawing/2014/main" id="{86E0C3FE-53AC-4110-B3FF-3BB15FA05583}"/>
-              </a:ext>
-            </a:extLst>
-          </p:cNvPr>
-          <p:cNvSpPr>
-            <a:spLocks noGrp="1"/>
-          </p:cNvSpPr>
-          <p:nvPr>
-            <p:ph type="sldNum" sz="quarter" idx="12"/>
-          </p:nvPr>
-        </p:nvSpPr>
-        <p:spPr/>
-        <p:txBody>
-          <a:bodyPr/>
-          <a:lstStyle/>
-          <a:p>
-            <a:fld id="{BD9D4474-1850-4C1F-B98D-693A1E05AA24}" type="slidenum">
-              <a:rPr lang="nl-NL" smtClean="0"/>
-              <a:t>‹#›</a:t>
-            </a:fld>
-            <a:endParaRPr lang="nl-NL"/>
-          </a:p>
-        </p:txBody>
-      </p:sp>
-    </p:spTree>
-    <p:extLst>
-      <p:ext uri="{BB962C8B-B14F-4D97-AF65-F5344CB8AC3E}">
-        <p14:creationId xmlns:p14="http://schemas.microsoft.com/office/powerpoint/2010/main" val="1135959464"/>
-      </p:ext>
-    </p:extLst>
-  </p:cSld>
-  <p:clrMapOvr>
-    <a:masterClrMapping/>
-  </p:clrMapOvr>
-</p:sldLayout>
-</file>
-
-<file path=ppt/slideLayouts/slideLayout45.xml><?xml version="1.0" encoding="utf-8"?>
-<p:sldLayout xmlns:a="http://schemas.openxmlformats.org/drawingml/2006/main" xmlns:r="http://schemas.openxmlformats.org/officeDocument/2006/relationships" xmlns:p="http://schemas.openxmlformats.org/presentationml/2006/main" type="picTx" preserve="1">
-  <p:cSld name="Picture with Caption">
-    <p:spTree>
-      <p:nvGrpSpPr>
-        <p:cNvPr id="1" name=""/>
-        <p:cNvGrpSpPr/>
-        <p:nvPr/>
-      </p:nvGrpSpPr>
-      <p:grpSpPr>
-        <a:xfrm>
-          <a:off x="0" y="0"/>
-          <a:ext cx="0" cy="0"/>
-          <a:chOff x="0" y="0"/>
-          <a:chExt cx="0" cy="0"/>
-        </a:xfrm>
-      </p:grpSpPr>
-      <p:sp>
-        <p:nvSpPr>
-          <p:cNvPr id="2" name="Title 1">
-            <a:extLst>
-              <a:ext uri="{FF2B5EF4-FFF2-40B4-BE49-F238E27FC236}">
-                <a16:creationId xmlns:a16="http://schemas.microsoft.com/office/drawing/2014/main" id="{239DA177-33D9-4664-A99E-EB040CC0ABA6}"/>
-              </a:ext>
-            </a:extLst>
-          </p:cNvPr>
-          <p:cNvSpPr>
-            <a:spLocks noGrp="1"/>
-          </p:cNvSpPr>
-          <p:nvPr>
-            <p:ph type="title"/>
-          </p:nvPr>
-        </p:nvSpPr>
-        <p:spPr>
-          <a:xfrm>
-            <a:off x="839788" y="457200"/>
-            <a:ext cx="3932237" cy="1600200"/>
-          </a:xfrm>
-        </p:spPr>
-        <p:txBody>
-          <a:bodyPr anchor="b"/>
-          <a:lstStyle>
-            <a:lvl1pPr>
-              <a:defRPr sz="3200"/>
-            </a:lvl1pPr>
-          </a:lstStyle>
-          <a:p>
-            <a:r>
-              <a:rPr lang="en-US"/>
-              <a:t>Click to edit Master title style</a:t>
-            </a:r>
-            <a:endParaRPr lang="nl-NL"/>
-          </a:p>
-        </p:txBody>
-      </p:sp>
-      <p:sp>
-        <p:nvSpPr>
-          <p:cNvPr id="3" name="Picture Placeholder 2">
-            <a:extLst>
-              <a:ext uri="{FF2B5EF4-FFF2-40B4-BE49-F238E27FC236}">
-                <a16:creationId xmlns:a16="http://schemas.microsoft.com/office/drawing/2014/main" id="{C36C91C6-698E-4DE4-842C-46E72D5875C5}"/>
-              </a:ext>
-            </a:extLst>
-          </p:cNvPr>
-          <p:cNvSpPr>
-            <a:spLocks noGrp="1"/>
-          </p:cNvSpPr>
-          <p:nvPr>
-            <p:ph type="pic" idx="1"/>
-          </p:nvPr>
-        </p:nvSpPr>
-        <p:spPr>
-          <a:xfrm>
-            <a:off x="5183188" y="987425"/>
-            <a:ext cx="6172200" cy="4873625"/>
-          </a:xfrm>
-        </p:spPr>
-        <p:txBody>
-          <a:bodyPr/>
-          <a:lstStyle>
-            <a:lvl1pPr marL="0" indent="0">
-              <a:buNone/>
-              <a:defRPr sz="3200"/>
-            </a:lvl1pPr>
-            <a:lvl2pPr marL="457200" indent="0">
-              <a:buNone/>
-              <a:defRPr sz="2800"/>
-            </a:lvl2pPr>
-            <a:lvl3pPr marL="914400" indent="0">
-              <a:buNone/>
-              <a:defRPr sz="2400"/>
-            </a:lvl3pPr>
-            <a:lvl4pPr marL="1371600" indent="0">
-              <a:buNone/>
-              <a:defRPr sz="2000"/>
-            </a:lvl4pPr>
-            <a:lvl5pPr marL="1828800" indent="0">
-              <a:buNone/>
-              <a:defRPr sz="2000"/>
-            </a:lvl5pPr>
-            <a:lvl6pPr marL="2286000" indent="0">
-              <a:buNone/>
-              <a:defRPr sz="2000"/>
-            </a:lvl6pPr>
-            <a:lvl7pPr marL="2743200" indent="0">
-              <a:buNone/>
-              <a:defRPr sz="2000"/>
-            </a:lvl7pPr>
-            <a:lvl8pPr marL="3200400" indent="0">
-              <a:buNone/>
-              <a:defRPr sz="2000"/>
-            </a:lvl8pPr>
-            <a:lvl9pPr marL="3657600" indent="0">
-              <a:buNone/>
-              <a:defRPr sz="2000"/>
-            </a:lvl9pPr>
-          </a:lstStyle>
-          <a:p>
-            <a:endParaRPr lang="nl-NL"/>
-          </a:p>
-        </p:txBody>
-      </p:sp>
-      <p:sp>
-        <p:nvSpPr>
-          <p:cNvPr id="4" name="Text Placeholder 3">
-            <a:extLst>
-              <a:ext uri="{FF2B5EF4-FFF2-40B4-BE49-F238E27FC236}">
-                <a16:creationId xmlns:a16="http://schemas.microsoft.com/office/drawing/2014/main" id="{08680A39-040B-4CD3-BB6B-655C2B90EBF2}"/>
-              </a:ext>
-            </a:extLst>
-          </p:cNvPr>
-          <p:cNvSpPr>
-            <a:spLocks noGrp="1"/>
-          </p:cNvSpPr>
-          <p:nvPr>
-            <p:ph type="body" sz="half" idx="2"/>
-          </p:nvPr>
-        </p:nvSpPr>
-        <p:spPr>
-          <a:xfrm>
-            <a:off x="839788" y="2057400"/>
-            <a:ext cx="3932237" cy="3811588"/>
-          </a:xfrm>
-        </p:spPr>
-        <p:txBody>
-          <a:bodyPr/>
-          <a:lstStyle>
-            <a:lvl1pPr marL="0" indent="0">
-              <a:buNone/>
-              <a:defRPr sz="1600"/>
-            </a:lvl1pPr>
-            <a:lvl2pPr marL="457200" indent="0">
-              <a:buNone/>
-              <a:defRPr sz="1400"/>
-            </a:lvl2pPr>
-            <a:lvl3pPr marL="914400" indent="0">
-              <a:buNone/>
-              <a:defRPr sz="1200"/>
-            </a:lvl3pPr>
-            <a:lvl4pPr marL="1371600" indent="0">
-              <a:buNone/>
-              <a:defRPr sz="1000"/>
-            </a:lvl4pPr>
-            <a:lvl5pPr marL="1828800" indent="0">
-              <a:buNone/>
-              <a:defRPr sz="1000"/>
-            </a:lvl5pPr>
-            <a:lvl6pPr marL="2286000" indent="0">
-              <a:buNone/>
-              <a:defRPr sz="1000"/>
-            </a:lvl6pPr>
-            <a:lvl7pPr marL="2743200" indent="0">
-              <a:buNone/>
-              <a:defRPr sz="1000"/>
-            </a:lvl7pPr>
-            <a:lvl8pPr marL="3200400" indent="0">
-              <a:buNone/>
-              <a:defRPr sz="1000"/>
-            </a:lvl8pPr>
-            <a:lvl9pPr marL="3657600" indent="0">
-              <a:buNone/>
-              <a:defRPr sz="1000"/>
-            </a:lvl9pPr>
-          </a:lstStyle>
-          <a:p>
-            <a:pPr lvl="0"/>
-            <a:r>
-              <a:rPr lang="en-US"/>
-              <a:t>Click to edit Master text styles</a:t>
-            </a:r>
-          </a:p>
-        </p:txBody>
-      </p:sp>
-      <p:sp>
-        <p:nvSpPr>
-          <p:cNvPr id="5" name="Date Placeholder 4">
-            <a:extLst>
-              <a:ext uri="{FF2B5EF4-FFF2-40B4-BE49-F238E27FC236}">
-                <a16:creationId xmlns:a16="http://schemas.microsoft.com/office/drawing/2014/main" id="{2FECB5AF-89AA-4DEA-8C19-E4ABC2592E6E}"/>
-              </a:ext>
-            </a:extLst>
-          </p:cNvPr>
-          <p:cNvSpPr>
-            <a:spLocks noGrp="1"/>
-          </p:cNvSpPr>
-          <p:nvPr>
-            <p:ph type="dt" sz="half" idx="10"/>
-          </p:nvPr>
-        </p:nvSpPr>
-        <p:spPr/>
-        <p:txBody>
-          <a:bodyPr/>
-          <a:lstStyle/>
-          <a:p>
-            <a:fld id="{B8CD15B7-28DE-4628-BA8A-1704EE7C24C1}" type="datetimeFigureOut">
-              <a:rPr lang="nl-NL" smtClean="0"/>
-              <a:t>6-7-2020</a:t>
-            </a:fld>
-            <a:endParaRPr lang="nl-NL"/>
-          </a:p>
-        </p:txBody>
-      </p:sp>
-      <p:sp>
-        <p:nvSpPr>
-          <p:cNvPr id="6" name="Footer Placeholder 5">
-            <a:extLst>
-              <a:ext uri="{FF2B5EF4-FFF2-40B4-BE49-F238E27FC236}">
-                <a16:creationId xmlns:a16="http://schemas.microsoft.com/office/drawing/2014/main" id="{7A74A46F-D727-4DD2-887E-3BB3696FEE00}"/>
-              </a:ext>
-            </a:extLst>
-          </p:cNvPr>
-          <p:cNvSpPr>
-            <a:spLocks noGrp="1"/>
-          </p:cNvSpPr>
-          <p:nvPr>
-            <p:ph type="ftr" sz="quarter" idx="11"/>
-          </p:nvPr>
-        </p:nvSpPr>
-        <p:spPr/>
-        <p:txBody>
-          <a:bodyPr/>
-          <a:lstStyle/>
-          <a:p>
-            <a:endParaRPr lang="nl-NL"/>
-          </a:p>
-        </p:txBody>
-      </p:sp>
-      <p:sp>
-        <p:nvSpPr>
-          <p:cNvPr id="7" name="Slide Number Placeholder 6">
-            <a:extLst>
-              <a:ext uri="{FF2B5EF4-FFF2-40B4-BE49-F238E27FC236}">
-                <a16:creationId xmlns:a16="http://schemas.microsoft.com/office/drawing/2014/main" id="{C5228AD9-4A87-4A9C-934D-B02ABB63C1B2}"/>
-              </a:ext>
-            </a:extLst>
-          </p:cNvPr>
-          <p:cNvSpPr>
-            <a:spLocks noGrp="1"/>
-          </p:cNvSpPr>
-          <p:nvPr>
-            <p:ph type="sldNum" sz="quarter" idx="12"/>
-          </p:nvPr>
-        </p:nvSpPr>
-        <p:spPr/>
-        <p:txBody>
-          <a:bodyPr/>
-          <a:lstStyle/>
-          <a:p>
-            <a:fld id="{BD9D4474-1850-4C1F-B98D-693A1E05AA24}" type="slidenum">
-              <a:rPr lang="nl-NL" smtClean="0"/>
-              <a:t>‹#›</a:t>
-            </a:fld>
-            <a:endParaRPr lang="nl-NL"/>
-          </a:p>
-        </p:txBody>
-      </p:sp>
-    </p:spTree>
-    <p:extLst>
-      <p:ext uri="{BB962C8B-B14F-4D97-AF65-F5344CB8AC3E}">
-        <p14:creationId xmlns:p14="http://schemas.microsoft.com/office/powerpoint/2010/main" val="2231801439"/>
-      </p:ext>
-    </p:extLst>
-  </p:cSld>
-  <p:clrMapOvr>
-    <a:masterClrMapping/>
-  </p:clrMapOvr>
-</p:sldLayout>
-</file>
-
-<file path=ppt/slideLayouts/slideLayout46.xml><?xml version="1.0" encoding="utf-8"?>
-<p:sldLayout xmlns:a="http://schemas.openxmlformats.org/drawingml/2006/main" xmlns:r="http://schemas.openxmlformats.org/officeDocument/2006/relationships" xmlns:p="http://schemas.openxmlformats.org/presentationml/2006/main" type="vertTx" preserve="1">
-  <p:cSld name="Title and Vertical Text">
-    <p:spTree>
-      <p:nvGrpSpPr>
-        <p:cNvPr id="1" name=""/>
-        <p:cNvGrpSpPr/>
-        <p:nvPr/>
-      </p:nvGrpSpPr>
-      <p:grpSpPr>
-        <a:xfrm>
-          <a:off x="0" y="0"/>
-          <a:ext cx="0" cy="0"/>
-          <a:chOff x="0" y="0"/>
-          <a:chExt cx="0" cy="0"/>
-        </a:xfrm>
-      </p:grpSpPr>
-      <p:sp>
-        <p:nvSpPr>
-          <p:cNvPr id="2" name="Title 1">
-            <a:extLst>
-              <a:ext uri="{FF2B5EF4-FFF2-40B4-BE49-F238E27FC236}">
-                <a16:creationId xmlns:a16="http://schemas.microsoft.com/office/drawing/2014/main" id="{195356F6-83B1-4A71-88B2-C7F4E59C1F1B}"/>
-              </a:ext>
-            </a:extLst>
-          </p:cNvPr>
-          <p:cNvSpPr>
-            <a:spLocks noGrp="1"/>
-          </p:cNvSpPr>
-          <p:nvPr>
-            <p:ph type="title"/>
-          </p:nvPr>
-        </p:nvSpPr>
-        <p:spPr/>
-        <p:txBody>
-          <a:bodyPr/>
-          <a:lstStyle/>
-          <a:p>
-            <a:r>
-              <a:rPr lang="en-US"/>
-              <a:t>Click to edit Master title style</a:t>
-            </a:r>
-            <a:endParaRPr lang="nl-NL"/>
-          </a:p>
-        </p:txBody>
-      </p:sp>
-      <p:sp>
-        <p:nvSpPr>
-          <p:cNvPr id="3" name="Vertical Text Placeholder 2">
-            <a:extLst>
-              <a:ext uri="{FF2B5EF4-FFF2-40B4-BE49-F238E27FC236}">
-                <a16:creationId xmlns:a16="http://schemas.microsoft.com/office/drawing/2014/main" id="{CAEF2CCA-7C21-4AEC-B0EB-327F1C833D91}"/>
-              </a:ext>
-            </a:extLst>
-          </p:cNvPr>
-          <p:cNvSpPr>
-            <a:spLocks noGrp="1"/>
-          </p:cNvSpPr>
-          <p:nvPr>
-            <p:ph type="body" orient="vert" idx="1"/>
-          </p:nvPr>
-        </p:nvSpPr>
-        <p:spPr/>
-        <p:txBody>
-          <a:bodyPr vert="eaVert"/>
-          <a:lstStyle/>
-          <a:p>
-            <a:pPr lvl="0"/>
-            <a:r>
-              <a:rPr lang="en-US"/>
-              <a:t>Click to edit Master text styles</a:t>
-            </a:r>
-          </a:p>
-          <a:p>
-            <a:pPr lvl="1"/>
-            <a:r>
-              <a:rPr lang="en-US"/>
-              <a:t>Second level</a:t>
-            </a:r>
-          </a:p>
-          <a:p>
-            <a:pPr lvl="2"/>
-            <a:r>
-              <a:rPr lang="en-US"/>
-              <a:t>Third level</a:t>
-            </a:r>
-          </a:p>
-          <a:p>
-            <a:pPr lvl="3"/>
-            <a:r>
-              <a:rPr lang="en-US"/>
-              <a:t>Fourth level</a:t>
-            </a:r>
-          </a:p>
-          <a:p>
-            <a:pPr lvl="4"/>
-            <a:r>
-              <a:rPr lang="en-US"/>
-              <a:t>Fifth level</a:t>
-            </a:r>
-            <a:endParaRPr lang="nl-NL"/>
-          </a:p>
-        </p:txBody>
-      </p:sp>
-      <p:sp>
-        <p:nvSpPr>
-          <p:cNvPr id="4" name="Date Placeholder 3">
-            <a:extLst>
-              <a:ext uri="{FF2B5EF4-FFF2-40B4-BE49-F238E27FC236}">
-                <a16:creationId xmlns:a16="http://schemas.microsoft.com/office/drawing/2014/main" id="{6DAC8A40-9F80-4B05-9B53-E9916220E0EA}"/>
-              </a:ext>
-            </a:extLst>
-          </p:cNvPr>
-          <p:cNvSpPr>
-            <a:spLocks noGrp="1"/>
-          </p:cNvSpPr>
-          <p:nvPr>
-            <p:ph type="dt" sz="half" idx="10"/>
-          </p:nvPr>
-        </p:nvSpPr>
-        <p:spPr/>
-        <p:txBody>
-          <a:bodyPr/>
-          <a:lstStyle/>
-          <a:p>
-            <a:fld id="{B8CD15B7-28DE-4628-BA8A-1704EE7C24C1}" type="datetimeFigureOut">
-              <a:rPr lang="nl-NL" smtClean="0"/>
-              <a:t>6-7-2020</a:t>
-            </a:fld>
-            <a:endParaRPr lang="nl-NL"/>
-          </a:p>
-        </p:txBody>
-      </p:sp>
-      <p:sp>
-        <p:nvSpPr>
-          <p:cNvPr id="5" name="Footer Placeholder 4">
-            <a:extLst>
-              <a:ext uri="{FF2B5EF4-FFF2-40B4-BE49-F238E27FC236}">
-                <a16:creationId xmlns:a16="http://schemas.microsoft.com/office/drawing/2014/main" id="{FE1298C1-6356-4C33-BAF6-5971C12C12A9}"/>
-              </a:ext>
-            </a:extLst>
-          </p:cNvPr>
-          <p:cNvSpPr>
-            <a:spLocks noGrp="1"/>
-          </p:cNvSpPr>
-          <p:nvPr>
-            <p:ph type="ftr" sz="quarter" idx="11"/>
-          </p:nvPr>
-        </p:nvSpPr>
-        <p:spPr/>
-        <p:txBody>
-          <a:bodyPr/>
-          <a:lstStyle/>
-          <a:p>
-            <a:endParaRPr lang="nl-NL"/>
-          </a:p>
-        </p:txBody>
-      </p:sp>
-      <p:sp>
-        <p:nvSpPr>
-          <p:cNvPr id="6" name="Slide Number Placeholder 5">
-            <a:extLst>
-              <a:ext uri="{FF2B5EF4-FFF2-40B4-BE49-F238E27FC236}">
-                <a16:creationId xmlns:a16="http://schemas.microsoft.com/office/drawing/2014/main" id="{7302FD18-A833-4A9E-8ACE-52682B9BDE3C}"/>
-              </a:ext>
-            </a:extLst>
-          </p:cNvPr>
-          <p:cNvSpPr>
-            <a:spLocks noGrp="1"/>
-          </p:cNvSpPr>
-          <p:nvPr>
-            <p:ph type="sldNum" sz="quarter" idx="12"/>
-          </p:nvPr>
-        </p:nvSpPr>
-        <p:spPr/>
-        <p:txBody>
-          <a:bodyPr/>
-          <a:lstStyle/>
-          <a:p>
-            <a:fld id="{BD9D4474-1850-4C1F-B98D-693A1E05AA24}" type="slidenum">
-              <a:rPr lang="nl-NL" smtClean="0"/>
-              <a:t>‹#›</a:t>
-            </a:fld>
-            <a:endParaRPr lang="nl-NL"/>
-          </a:p>
-        </p:txBody>
-      </p:sp>
-    </p:spTree>
-    <p:extLst>
-      <p:ext uri="{BB962C8B-B14F-4D97-AF65-F5344CB8AC3E}">
-        <p14:creationId xmlns:p14="http://schemas.microsoft.com/office/powerpoint/2010/main" val="2450032341"/>
-      </p:ext>
-    </p:extLst>
-  </p:cSld>
-  <p:clrMapOvr>
-    <a:masterClrMapping/>
-  </p:clrMapOvr>
-</p:sldLayout>
-</file>
-
-<file path=ppt/slideLayouts/slideLayout47.xml><?xml version="1.0" encoding="utf-8"?>
-<p:sldLayout xmlns:a="http://schemas.openxmlformats.org/drawingml/2006/main" xmlns:r="http://schemas.openxmlformats.org/officeDocument/2006/relationships" xmlns:p="http://schemas.openxmlformats.org/presentationml/2006/main" type="vertTitleAndTx" preserve="1">
-  <p:cSld name="Vertical Title and Text">
-    <p:spTree>
-      <p:nvGrpSpPr>
-        <p:cNvPr id="1" name=""/>
-        <p:cNvGrpSpPr/>
-        <p:nvPr/>
-      </p:nvGrpSpPr>
-      <p:grpSpPr>
-        <a:xfrm>
-          <a:off x="0" y="0"/>
-          <a:ext cx="0" cy="0"/>
-          <a:chOff x="0" y="0"/>
-          <a:chExt cx="0" cy="0"/>
-        </a:xfrm>
-      </p:grpSpPr>
-      <p:sp>
-        <p:nvSpPr>
-          <p:cNvPr id="2" name="Vertical Title 1">
-            <a:extLst>
-              <a:ext uri="{FF2B5EF4-FFF2-40B4-BE49-F238E27FC236}">
-                <a16:creationId xmlns:a16="http://schemas.microsoft.com/office/drawing/2014/main" id="{E3B4FA3A-F3FA-49D3-A804-671D7FB84A10}"/>
-              </a:ext>
-            </a:extLst>
-          </p:cNvPr>
-          <p:cNvSpPr>
-            <a:spLocks noGrp="1"/>
-          </p:cNvSpPr>
-          <p:nvPr>
-            <p:ph type="title" orient="vert"/>
-          </p:nvPr>
-        </p:nvSpPr>
-        <p:spPr>
-          <a:xfrm>
-            <a:off x="8724900" y="365125"/>
-            <a:ext cx="2628900" cy="5811838"/>
-          </a:xfrm>
-        </p:spPr>
-        <p:txBody>
-          <a:bodyPr vert="eaVert"/>
-          <a:lstStyle/>
-          <a:p>
-            <a:r>
-              <a:rPr lang="en-US"/>
-              <a:t>Click to edit Master title style</a:t>
-            </a:r>
-            <a:endParaRPr lang="nl-NL"/>
-          </a:p>
-        </p:txBody>
-      </p:sp>
-      <p:sp>
-        <p:nvSpPr>
-          <p:cNvPr id="3" name="Vertical Text Placeholder 2">
-            <a:extLst>
-              <a:ext uri="{FF2B5EF4-FFF2-40B4-BE49-F238E27FC236}">
-                <a16:creationId xmlns:a16="http://schemas.microsoft.com/office/drawing/2014/main" id="{654ACC46-6860-437D-B9A4-A18756D174F1}"/>
-              </a:ext>
-            </a:extLst>
-          </p:cNvPr>
-          <p:cNvSpPr>
-            <a:spLocks noGrp="1"/>
-          </p:cNvSpPr>
-          <p:nvPr>
-            <p:ph type="body" orient="vert" idx="1"/>
-          </p:nvPr>
-        </p:nvSpPr>
-        <p:spPr>
-          <a:xfrm>
-            <a:off x="838200" y="365125"/>
-            <a:ext cx="7734300" cy="5811838"/>
-          </a:xfrm>
-        </p:spPr>
-        <p:txBody>
-          <a:bodyPr vert="eaVert"/>
-          <a:lstStyle/>
-          <a:p>
-            <a:pPr lvl="0"/>
-            <a:r>
-              <a:rPr lang="en-US"/>
-              <a:t>Click to edit Master text styles</a:t>
-            </a:r>
-          </a:p>
-          <a:p>
-            <a:pPr lvl="1"/>
-            <a:r>
-              <a:rPr lang="en-US"/>
-              <a:t>Second level</a:t>
-            </a:r>
-          </a:p>
-          <a:p>
-            <a:pPr lvl="2"/>
-            <a:r>
-              <a:rPr lang="en-US"/>
-              <a:t>Third level</a:t>
-            </a:r>
-          </a:p>
-          <a:p>
-            <a:pPr lvl="3"/>
-            <a:r>
-              <a:rPr lang="en-US"/>
-              <a:t>Fourth level</a:t>
-            </a:r>
-          </a:p>
-          <a:p>
-            <a:pPr lvl="4"/>
-            <a:r>
-              <a:rPr lang="en-US"/>
-              <a:t>Fifth level</a:t>
-            </a:r>
-            <a:endParaRPr lang="nl-NL"/>
-          </a:p>
-        </p:txBody>
-      </p:sp>
-      <p:sp>
-        <p:nvSpPr>
-          <p:cNvPr id="4" name="Date Placeholder 3">
-            <a:extLst>
-              <a:ext uri="{FF2B5EF4-FFF2-40B4-BE49-F238E27FC236}">
-                <a16:creationId xmlns:a16="http://schemas.microsoft.com/office/drawing/2014/main" id="{5E410DEA-5B77-4544-9C0F-C6E8BFA7887F}"/>
-              </a:ext>
-            </a:extLst>
-          </p:cNvPr>
-          <p:cNvSpPr>
-            <a:spLocks noGrp="1"/>
-          </p:cNvSpPr>
-          <p:nvPr>
-            <p:ph type="dt" sz="half" idx="10"/>
-          </p:nvPr>
-        </p:nvSpPr>
-        <p:spPr/>
-        <p:txBody>
-          <a:bodyPr/>
-          <a:lstStyle/>
-          <a:p>
-            <a:fld id="{B8CD15B7-28DE-4628-BA8A-1704EE7C24C1}" type="datetimeFigureOut">
-              <a:rPr lang="nl-NL" smtClean="0"/>
-              <a:t>6-7-2020</a:t>
-            </a:fld>
-            <a:endParaRPr lang="nl-NL"/>
-          </a:p>
-        </p:txBody>
-      </p:sp>
-      <p:sp>
-        <p:nvSpPr>
-          <p:cNvPr id="5" name="Footer Placeholder 4">
-            <a:extLst>
-              <a:ext uri="{FF2B5EF4-FFF2-40B4-BE49-F238E27FC236}">
-                <a16:creationId xmlns:a16="http://schemas.microsoft.com/office/drawing/2014/main" id="{C5760C39-2BDF-4C4E-B577-CBB8B4428A57}"/>
-              </a:ext>
-            </a:extLst>
-          </p:cNvPr>
-          <p:cNvSpPr>
-            <a:spLocks noGrp="1"/>
-          </p:cNvSpPr>
-          <p:nvPr>
-            <p:ph type="ftr" sz="quarter" idx="11"/>
-          </p:nvPr>
-        </p:nvSpPr>
-        <p:spPr/>
-        <p:txBody>
-          <a:bodyPr/>
-          <a:lstStyle/>
-          <a:p>
-            <a:endParaRPr lang="nl-NL"/>
-          </a:p>
-        </p:txBody>
-      </p:sp>
-      <p:sp>
-        <p:nvSpPr>
-          <p:cNvPr id="6" name="Slide Number Placeholder 5">
-            <a:extLst>
-              <a:ext uri="{FF2B5EF4-FFF2-40B4-BE49-F238E27FC236}">
-                <a16:creationId xmlns:a16="http://schemas.microsoft.com/office/drawing/2014/main" id="{3568AB65-1834-4DA2-B838-BFB59D2135E1}"/>
-              </a:ext>
-            </a:extLst>
-          </p:cNvPr>
-          <p:cNvSpPr>
-            <a:spLocks noGrp="1"/>
-          </p:cNvSpPr>
-          <p:nvPr>
-            <p:ph type="sldNum" sz="quarter" idx="12"/>
-          </p:nvPr>
-        </p:nvSpPr>
-        <p:spPr/>
-        <p:txBody>
-          <a:bodyPr/>
-          <a:lstStyle/>
-          <a:p>
-            <a:fld id="{BD9D4474-1850-4C1F-B98D-693A1E05AA24}" type="slidenum">
-              <a:rPr lang="nl-NL" smtClean="0"/>
-              <a:t>‹#›</a:t>
-            </a:fld>
-            <a:endParaRPr lang="nl-NL"/>
-          </a:p>
-        </p:txBody>
-      </p:sp>
-    </p:spTree>
-    <p:extLst>
-      <p:ext uri="{BB962C8B-B14F-4D97-AF65-F5344CB8AC3E}">
-        <p14:creationId xmlns:p14="http://schemas.microsoft.com/office/powerpoint/2010/main" val="2279328249"/>
-      </p:ext>
-    </p:extLst>
-  </p:cSld>
-  <p:clrMapOvr>
-    <a:masterClrMapping/>
-  </p:clrMapOvr>
-</p:sldLayout>
-</file>
-
-<file path=ppt/slideLayouts/slideLayout48.xml><?xml version="1.0" encoding="utf-8"?>
-<p:sldLayout xmlns:a="http://schemas.openxmlformats.org/drawingml/2006/main" xmlns:r="http://schemas.openxmlformats.org/officeDocument/2006/relationships" xmlns:p="http://schemas.openxmlformats.org/presentationml/2006/main" userDrawn="1">
-  <p:cSld name="Section Title Accent Color 1">
-    <p:bg>
-      <p:bgPr>
-        <a:solidFill>
-          <a:schemeClr val="accent1"/>
-        </a:solidFill>
-        <a:effectLst/>
-      </p:bgPr>
-    </p:bg>
-    <p:spTree>
-      <p:nvGrpSpPr>
-        <p:cNvPr id="1" name=""/>
-        <p:cNvGrpSpPr/>
-        <p:nvPr/>
-      </p:nvGrpSpPr>
-      <p:grpSpPr>
-        <a:xfrm>
-          <a:off x="0" y="0"/>
-          <a:ext cx="0" cy="0"/>
-          <a:chOff x="0" y="0"/>
-          <a:chExt cx="0" cy="0"/>
-        </a:xfrm>
-      </p:grpSpPr>
-      <p:sp>
-        <p:nvSpPr>
-          <p:cNvPr id="2" name="Title 1"/>
-          <p:cNvSpPr>
-            <a:spLocks noGrp="1"/>
-          </p:cNvSpPr>
-          <p:nvPr>
-            <p:ph type="title" hasCustomPrompt="1"/>
-          </p:nvPr>
-        </p:nvSpPr>
-        <p:spPr>
-          <a:xfrm>
-            <a:off x="269239" y="2084178"/>
-            <a:ext cx="11653523" cy="1796217"/>
-          </a:xfrm>
-          <a:noFill/>
-        </p:spPr>
-        <p:txBody>
-          <a:bodyPr tIns="89626" bIns="89626" anchor="t" anchorCtr="0"/>
-          <a:lstStyle>
-            <a:lvl1pPr>
-              <a:defRPr sz="8700" spc="-99" baseline="0">
-                <a:gradFill>
-                  <a:gsLst>
-                    <a:gs pos="100000">
-                      <a:schemeClr val="tx1"/>
-                    </a:gs>
-                    <a:gs pos="0">
-                      <a:schemeClr val="tx1"/>
-                    </a:gs>
-                  </a:gsLst>
-                  <a:lin ang="5400000" scaled="0"/>
-                </a:gradFill>
-              </a:defRPr>
-            </a:lvl1pPr>
-          </a:lstStyle>
-          <a:p>
-            <a:r>
-              <a:rPr lang="en-US"/>
-              <a:t>Section title</a:t>
-            </a:r>
-          </a:p>
-        </p:txBody>
-      </p:sp>
-    </p:spTree>
-    <p:extLst>
-      <p:ext uri="{BB962C8B-B14F-4D97-AF65-F5344CB8AC3E}">
-        <p14:creationId xmlns:p14="http://schemas.microsoft.com/office/powerpoint/2010/main" val="2863901395"/>
-      </p:ext>
-    </p:extLst>
-  </p:cSld>
-  <p:clrMapOvr>
-    <a:overrideClrMapping bg1="dk1" tx1="lt1" bg2="dk2" tx2="lt2" accent1="accent1" accent2="accent2" accent3="accent3" accent4="accent4" accent5="accent5" accent6="accent6" hlink="hlink" folHlink="folHlink"/>
-  </p:clrMapOvr>
-  <p:transition spd="med">
-    <p:fade/>
-  </p:transition>
 </p:sldLayout>
 </file>
 
@@ -21134,577 +18106,6 @@
 </p:sldMaster>
 </file>
 
-<file path=ppt/slideMasters/slideMaster2.xml><?xml version="1.0" encoding="utf-8"?>
-<p:sldMaster xmlns:a="http://schemas.openxmlformats.org/drawingml/2006/main" xmlns:r="http://schemas.openxmlformats.org/officeDocument/2006/relationships" xmlns:p="http://schemas.openxmlformats.org/presentationml/2006/main">
-  <p:cSld>
-    <p:bg>
-      <p:bgRef idx="1001">
-        <a:schemeClr val="bg1"/>
-      </p:bgRef>
-    </p:bg>
-    <p:spTree>
-      <p:nvGrpSpPr>
-        <p:cNvPr id="1" name=""/>
-        <p:cNvGrpSpPr/>
-        <p:nvPr/>
-      </p:nvGrpSpPr>
-      <p:grpSpPr>
-        <a:xfrm>
-          <a:off x="0" y="0"/>
-          <a:ext cx="0" cy="0"/>
-          <a:chOff x="0" y="0"/>
-          <a:chExt cx="0" cy="0"/>
-        </a:xfrm>
-      </p:grpSpPr>
-      <p:sp>
-        <p:nvSpPr>
-          <p:cNvPr id="2" name="Title Placeholder 1">
-            <a:extLst>
-              <a:ext uri="{FF2B5EF4-FFF2-40B4-BE49-F238E27FC236}">
-                <a16:creationId xmlns:a16="http://schemas.microsoft.com/office/drawing/2014/main" id="{ED5A256B-E746-4C4A-AA3E-AC95285CE009}"/>
-              </a:ext>
-            </a:extLst>
-          </p:cNvPr>
-          <p:cNvSpPr>
-            <a:spLocks noGrp="1"/>
-          </p:cNvSpPr>
-          <p:nvPr>
-            <p:ph type="title"/>
-          </p:nvPr>
-        </p:nvSpPr>
-        <p:spPr>
-          <a:xfrm>
-            <a:off x="838200" y="365125"/>
-            <a:ext cx="10515600" cy="1325563"/>
-          </a:xfrm>
-          <a:prstGeom prst="rect">
-            <a:avLst/>
-          </a:prstGeom>
-        </p:spPr>
-        <p:txBody>
-          <a:bodyPr vert="horz" lIns="91440" tIns="45720" rIns="91440" bIns="45720" rtlCol="0" anchor="ctr">
-            <a:normAutofit/>
-          </a:bodyPr>
-          <a:lstStyle/>
-          <a:p>
-            <a:r>
-              <a:rPr lang="en-US"/>
-              <a:t>Click to edit Master title style</a:t>
-            </a:r>
-            <a:endParaRPr lang="nl-NL"/>
-          </a:p>
-        </p:txBody>
-      </p:sp>
-      <p:sp>
-        <p:nvSpPr>
-          <p:cNvPr id="3" name="Text Placeholder 2">
-            <a:extLst>
-              <a:ext uri="{FF2B5EF4-FFF2-40B4-BE49-F238E27FC236}">
-                <a16:creationId xmlns:a16="http://schemas.microsoft.com/office/drawing/2014/main" id="{45736A2F-D8C0-4B87-A716-9302079EAD87}"/>
-              </a:ext>
-            </a:extLst>
-          </p:cNvPr>
-          <p:cNvSpPr>
-            <a:spLocks noGrp="1"/>
-          </p:cNvSpPr>
-          <p:nvPr>
-            <p:ph type="body" idx="1"/>
-          </p:nvPr>
-        </p:nvSpPr>
-        <p:spPr>
-          <a:xfrm>
-            <a:off x="838200" y="1825625"/>
-            <a:ext cx="10515600" cy="4351338"/>
-          </a:xfrm>
-          <a:prstGeom prst="rect">
-            <a:avLst/>
-          </a:prstGeom>
-        </p:spPr>
-        <p:txBody>
-          <a:bodyPr vert="horz" lIns="91440" tIns="45720" rIns="91440" bIns="45720" rtlCol="0">
-            <a:normAutofit/>
-          </a:bodyPr>
-          <a:lstStyle/>
-          <a:p>
-            <a:pPr lvl="0"/>
-            <a:r>
-              <a:rPr lang="en-US"/>
-              <a:t>Click to edit Master text styles</a:t>
-            </a:r>
-          </a:p>
-          <a:p>
-            <a:pPr lvl="1"/>
-            <a:r>
-              <a:rPr lang="en-US"/>
-              <a:t>Second level</a:t>
-            </a:r>
-          </a:p>
-          <a:p>
-            <a:pPr lvl="2"/>
-            <a:r>
-              <a:rPr lang="en-US"/>
-              <a:t>Third level</a:t>
-            </a:r>
-          </a:p>
-          <a:p>
-            <a:pPr lvl="3"/>
-            <a:r>
-              <a:rPr lang="en-US"/>
-              <a:t>Fourth level</a:t>
-            </a:r>
-          </a:p>
-          <a:p>
-            <a:pPr lvl="4"/>
-            <a:r>
-              <a:rPr lang="en-US"/>
-              <a:t>Fifth level</a:t>
-            </a:r>
-            <a:endParaRPr lang="nl-NL"/>
-          </a:p>
-        </p:txBody>
-      </p:sp>
-      <p:sp>
-        <p:nvSpPr>
-          <p:cNvPr id="4" name="Date Placeholder 3">
-            <a:extLst>
-              <a:ext uri="{FF2B5EF4-FFF2-40B4-BE49-F238E27FC236}">
-                <a16:creationId xmlns:a16="http://schemas.microsoft.com/office/drawing/2014/main" id="{C1FD8343-FA10-4A0A-975E-F3E22C6B25F6}"/>
-              </a:ext>
-            </a:extLst>
-          </p:cNvPr>
-          <p:cNvSpPr>
-            <a:spLocks noGrp="1"/>
-          </p:cNvSpPr>
-          <p:nvPr>
-            <p:ph type="dt" sz="half" idx="2"/>
-          </p:nvPr>
-        </p:nvSpPr>
-        <p:spPr>
-          <a:xfrm>
-            <a:off x="838200" y="6356350"/>
-            <a:ext cx="2743200" cy="365125"/>
-          </a:xfrm>
-          <a:prstGeom prst="rect">
-            <a:avLst/>
-          </a:prstGeom>
-        </p:spPr>
-        <p:txBody>
-          <a:bodyPr vert="horz" lIns="91440" tIns="45720" rIns="91440" bIns="45720" rtlCol="0" anchor="ctr"/>
-          <a:lstStyle>
-            <a:lvl1pPr algn="l">
-              <a:defRPr sz="1200">
-                <a:solidFill>
-                  <a:schemeClr val="tx1">
-                    <a:tint val="75000"/>
-                  </a:schemeClr>
-                </a:solidFill>
-              </a:defRPr>
-            </a:lvl1pPr>
-          </a:lstStyle>
-          <a:p>
-            <a:fld id="{B8CD15B7-28DE-4628-BA8A-1704EE7C24C1}" type="datetimeFigureOut">
-              <a:rPr lang="nl-NL" smtClean="0"/>
-              <a:t>6-7-2020</a:t>
-            </a:fld>
-            <a:endParaRPr lang="nl-NL"/>
-          </a:p>
-        </p:txBody>
-      </p:sp>
-      <p:sp>
-        <p:nvSpPr>
-          <p:cNvPr id="5" name="Footer Placeholder 4">
-            <a:extLst>
-              <a:ext uri="{FF2B5EF4-FFF2-40B4-BE49-F238E27FC236}">
-                <a16:creationId xmlns:a16="http://schemas.microsoft.com/office/drawing/2014/main" id="{63112466-28C4-438E-AD73-E29F9FF766B2}"/>
-              </a:ext>
-            </a:extLst>
-          </p:cNvPr>
-          <p:cNvSpPr>
-            <a:spLocks noGrp="1"/>
-          </p:cNvSpPr>
-          <p:nvPr>
-            <p:ph type="ftr" sz="quarter" idx="3"/>
-          </p:nvPr>
-        </p:nvSpPr>
-        <p:spPr>
-          <a:xfrm>
-            <a:off x="4038600" y="6356350"/>
-            <a:ext cx="4114800" cy="365125"/>
-          </a:xfrm>
-          <a:prstGeom prst="rect">
-            <a:avLst/>
-          </a:prstGeom>
-        </p:spPr>
-        <p:txBody>
-          <a:bodyPr vert="horz" lIns="91440" tIns="45720" rIns="91440" bIns="45720" rtlCol="0" anchor="ctr"/>
-          <a:lstStyle>
-            <a:lvl1pPr algn="ctr">
-              <a:defRPr sz="1200">
-                <a:solidFill>
-                  <a:schemeClr val="tx1">
-                    <a:tint val="75000"/>
-                  </a:schemeClr>
-                </a:solidFill>
-              </a:defRPr>
-            </a:lvl1pPr>
-          </a:lstStyle>
-          <a:p>
-            <a:endParaRPr lang="nl-NL"/>
-          </a:p>
-        </p:txBody>
-      </p:sp>
-      <p:sp>
-        <p:nvSpPr>
-          <p:cNvPr id="6" name="Slide Number Placeholder 5">
-            <a:extLst>
-              <a:ext uri="{FF2B5EF4-FFF2-40B4-BE49-F238E27FC236}">
-                <a16:creationId xmlns:a16="http://schemas.microsoft.com/office/drawing/2014/main" id="{B721FB7D-7ABC-47E9-9F1B-5EE8A35BE1ED}"/>
-              </a:ext>
-            </a:extLst>
-          </p:cNvPr>
-          <p:cNvSpPr>
-            <a:spLocks noGrp="1"/>
-          </p:cNvSpPr>
-          <p:nvPr>
-            <p:ph type="sldNum" sz="quarter" idx="4"/>
-          </p:nvPr>
-        </p:nvSpPr>
-        <p:spPr>
-          <a:xfrm>
-            <a:off x="8610600" y="6356350"/>
-            <a:ext cx="2743200" cy="365125"/>
-          </a:xfrm>
-          <a:prstGeom prst="rect">
-            <a:avLst/>
-          </a:prstGeom>
-        </p:spPr>
-        <p:txBody>
-          <a:bodyPr vert="horz" lIns="91440" tIns="45720" rIns="91440" bIns="45720" rtlCol="0" anchor="ctr"/>
-          <a:lstStyle>
-            <a:lvl1pPr algn="r">
-              <a:defRPr sz="1200">
-                <a:solidFill>
-                  <a:schemeClr val="tx1">
-                    <a:tint val="75000"/>
-                  </a:schemeClr>
-                </a:solidFill>
-              </a:defRPr>
-            </a:lvl1pPr>
-          </a:lstStyle>
-          <a:p>
-            <a:fld id="{BD9D4474-1850-4C1F-B98D-693A1E05AA24}" type="slidenum">
-              <a:rPr lang="nl-NL" smtClean="0"/>
-              <a:t>‹#›</a:t>
-            </a:fld>
-            <a:endParaRPr lang="nl-NL"/>
-          </a:p>
-        </p:txBody>
-      </p:sp>
-    </p:spTree>
-    <p:extLst>
-      <p:ext uri="{BB962C8B-B14F-4D97-AF65-F5344CB8AC3E}">
-        <p14:creationId xmlns:p14="http://schemas.microsoft.com/office/powerpoint/2010/main" val="3805586375"/>
-      </p:ext>
-    </p:extLst>
-  </p:cSld>
-  <p:clrMap bg1="lt1" tx1="dk1" bg2="lt2" tx2="dk2" accent1="accent1" accent2="accent2" accent3="accent3" accent4="accent4" accent5="accent5" accent6="accent6" hlink="hlink" folHlink="folHlink"/>
-  <p:sldLayoutIdLst>
-    <p:sldLayoutId id="2147483698" r:id="rId1"/>
-    <p:sldLayoutId id="2147483699" r:id="rId2"/>
-    <p:sldLayoutId id="2147483700" r:id="rId3"/>
-    <p:sldLayoutId id="2147483701" r:id="rId4"/>
-    <p:sldLayoutId id="2147483702" r:id="rId5"/>
-    <p:sldLayoutId id="2147483703" r:id="rId6"/>
-    <p:sldLayoutId id="2147483704" r:id="rId7"/>
-    <p:sldLayoutId id="2147483705" r:id="rId8"/>
-    <p:sldLayoutId id="2147483706" r:id="rId9"/>
-    <p:sldLayoutId id="2147483707" r:id="rId10"/>
-    <p:sldLayoutId id="2147483708" r:id="rId11"/>
-    <p:sldLayoutId id="2147483709" r:id="rId12"/>
-  </p:sldLayoutIdLst>
-  <p:txStyles>
-    <p:titleStyle>
-      <a:lvl1pPr algn="l" defTabSz="914400" rtl="0" eaLnBrk="1" latinLnBrk="0" hangingPunct="1">
-        <a:lnSpc>
-          <a:spcPct val="90000"/>
-        </a:lnSpc>
-        <a:spcBef>
-          <a:spcPct val="0"/>
-        </a:spcBef>
-        <a:buNone/>
-        <a:defRPr sz="4400" kern="1200">
-          <a:solidFill>
-            <a:schemeClr val="tx1"/>
-          </a:solidFill>
-          <a:latin typeface="+mj-lt"/>
-          <a:ea typeface="+mj-ea"/>
-          <a:cs typeface="+mj-cs"/>
-        </a:defRPr>
-      </a:lvl1pPr>
-    </p:titleStyle>
-    <p:bodyStyle>
-      <a:lvl1pPr marL="228600" indent="-228600" algn="l" defTabSz="914400" rtl="0" eaLnBrk="1" latinLnBrk="0" hangingPunct="1">
-        <a:lnSpc>
-          <a:spcPct val="90000"/>
-        </a:lnSpc>
-        <a:spcBef>
-          <a:spcPts val="1000"/>
-        </a:spcBef>
-        <a:buFont typeface="Arial" panose="020B0604020202020204" pitchFamily="34" charset="0"/>
-        <a:buChar char="•"/>
-        <a:defRPr sz="2800" kern="1200">
-          <a:solidFill>
-            <a:schemeClr val="tx1"/>
-          </a:solidFill>
-          <a:latin typeface="+mn-lt"/>
-          <a:ea typeface="+mn-ea"/>
-          <a:cs typeface="+mn-cs"/>
-        </a:defRPr>
-      </a:lvl1pPr>
-      <a:lvl2pPr marL="685800" indent="-228600" algn="l" defTabSz="914400" rtl="0" eaLnBrk="1" latinLnBrk="0" hangingPunct="1">
-        <a:lnSpc>
-          <a:spcPct val="90000"/>
-        </a:lnSpc>
-        <a:spcBef>
-          <a:spcPts val="500"/>
-        </a:spcBef>
-        <a:buFont typeface="Arial" panose="020B0604020202020204" pitchFamily="34" charset="0"/>
-        <a:buChar char="•"/>
-        <a:defRPr sz="2400" kern="1200">
-          <a:solidFill>
-            <a:schemeClr val="tx1"/>
-          </a:solidFill>
-          <a:latin typeface="+mn-lt"/>
-          <a:ea typeface="+mn-ea"/>
-          <a:cs typeface="+mn-cs"/>
-        </a:defRPr>
-      </a:lvl2pPr>
-      <a:lvl3pPr marL="1143000" indent="-228600" algn="l" defTabSz="914400" rtl="0" eaLnBrk="1" latinLnBrk="0" hangingPunct="1">
-        <a:lnSpc>
-          <a:spcPct val="90000"/>
-        </a:lnSpc>
-        <a:spcBef>
-          <a:spcPts val="500"/>
-        </a:spcBef>
-        <a:buFont typeface="Arial" panose="020B0604020202020204" pitchFamily="34" charset="0"/>
-        <a:buChar char="•"/>
-        <a:defRPr sz="2000" kern="1200">
-          <a:solidFill>
-            <a:schemeClr val="tx1"/>
-          </a:solidFill>
-          <a:latin typeface="+mn-lt"/>
-          <a:ea typeface="+mn-ea"/>
-          <a:cs typeface="+mn-cs"/>
-        </a:defRPr>
-      </a:lvl3pPr>
-      <a:lvl4pPr marL="1600200" indent="-228600" algn="l" defTabSz="914400" rtl="0" eaLnBrk="1" latinLnBrk="0" hangingPunct="1">
-        <a:lnSpc>
-          <a:spcPct val="90000"/>
-        </a:lnSpc>
-        <a:spcBef>
-          <a:spcPts val="500"/>
-        </a:spcBef>
-        <a:buFont typeface="Arial" panose="020B0604020202020204" pitchFamily="34" charset="0"/>
-        <a:buChar char="•"/>
-        <a:defRPr sz="1800" kern="1200">
-          <a:solidFill>
-            <a:schemeClr val="tx1"/>
-          </a:solidFill>
-          <a:latin typeface="+mn-lt"/>
-          <a:ea typeface="+mn-ea"/>
-          <a:cs typeface="+mn-cs"/>
-        </a:defRPr>
-      </a:lvl4pPr>
-      <a:lvl5pPr marL="2057400" indent="-228600" algn="l" defTabSz="914400" rtl="0" eaLnBrk="1" latinLnBrk="0" hangingPunct="1">
-        <a:lnSpc>
-          <a:spcPct val="90000"/>
-        </a:lnSpc>
-        <a:spcBef>
-          <a:spcPts val="500"/>
-        </a:spcBef>
-        <a:buFont typeface="Arial" panose="020B0604020202020204" pitchFamily="34" charset="0"/>
-        <a:buChar char="•"/>
-        <a:defRPr sz="1800" kern="1200">
-          <a:solidFill>
-            <a:schemeClr val="tx1"/>
-          </a:solidFill>
-          <a:latin typeface="+mn-lt"/>
-          <a:ea typeface="+mn-ea"/>
-          <a:cs typeface="+mn-cs"/>
-        </a:defRPr>
-      </a:lvl5pPr>
-      <a:lvl6pPr marL="2514600" indent="-228600" algn="l" defTabSz="914400" rtl="0" eaLnBrk="1" latinLnBrk="0" hangingPunct="1">
-        <a:lnSpc>
-          <a:spcPct val="90000"/>
-        </a:lnSpc>
-        <a:spcBef>
-          <a:spcPts val="500"/>
-        </a:spcBef>
-        <a:buFont typeface="Arial" panose="020B0604020202020204" pitchFamily="34" charset="0"/>
-        <a:buChar char="•"/>
-        <a:defRPr sz="1800" kern="1200">
-          <a:solidFill>
-            <a:schemeClr val="tx1"/>
-          </a:solidFill>
-          <a:latin typeface="+mn-lt"/>
-          <a:ea typeface="+mn-ea"/>
-          <a:cs typeface="+mn-cs"/>
-        </a:defRPr>
-      </a:lvl6pPr>
-      <a:lvl7pPr marL="2971800" indent="-228600" algn="l" defTabSz="914400" rtl="0" eaLnBrk="1" latinLnBrk="0" hangingPunct="1">
-        <a:lnSpc>
-          <a:spcPct val="90000"/>
-        </a:lnSpc>
-        <a:spcBef>
-          <a:spcPts val="500"/>
-        </a:spcBef>
-        <a:buFont typeface="Arial" panose="020B0604020202020204" pitchFamily="34" charset="0"/>
-        <a:buChar char="•"/>
-        <a:defRPr sz="1800" kern="1200">
-          <a:solidFill>
-            <a:schemeClr val="tx1"/>
-          </a:solidFill>
-          <a:latin typeface="+mn-lt"/>
-          <a:ea typeface="+mn-ea"/>
-          <a:cs typeface="+mn-cs"/>
-        </a:defRPr>
-      </a:lvl7pPr>
-      <a:lvl8pPr marL="3429000" indent="-228600" algn="l" defTabSz="914400" rtl="0" eaLnBrk="1" latinLnBrk="0" hangingPunct="1">
-        <a:lnSpc>
-          <a:spcPct val="90000"/>
-        </a:lnSpc>
-        <a:spcBef>
-          <a:spcPts val="500"/>
-        </a:spcBef>
-        <a:buFont typeface="Arial" panose="020B0604020202020204" pitchFamily="34" charset="0"/>
-        <a:buChar char="•"/>
-        <a:defRPr sz="1800" kern="1200">
-          <a:solidFill>
-            <a:schemeClr val="tx1"/>
-          </a:solidFill>
-          <a:latin typeface="+mn-lt"/>
-          <a:ea typeface="+mn-ea"/>
-          <a:cs typeface="+mn-cs"/>
-        </a:defRPr>
-      </a:lvl8pPr>
-      <a:lvl9pPr marL="3886200" indent="-228600" algn="l" defTabSz="914400" rtl="0" eaLnBrk="1" latinLnBrk="0" hangingPunct="1">
-        <a:lnSpc>
-          <a:spcPct val="90000"/>
-        </a:lnSpc>
-        <a:spcBef>
-          <a:spcPts val="500"/>
-        </a:spcBef>
-        <a:buFont typeface="Arial" panose="020B0604020202020204" pitchFamily="34" charset="0"/>
-        <a:buChar char="•"/>
-        <a:defRPr sz="1800" kern="1200">
-          <a:solidFill>
-            <a:schemeClr val="tx1"/>
-          </a:solidFill>
-          <a:latin typeface="+mn-lt"/>
-          <a:ea typeface="+mn-ea"/>
-          <a:cs typeface="+mn-cs"/>
-        </a:defRPr>
-      </a:lvl9pPr>
-    </p:bodyStyle>
-    <p:otherStyle>
-      <a:defPPr>
-        <a:defRPr lang="nl-NL"/>
-      </a:defPPr>
-      <a:lvl1pPr marL="0" algn="l" defTabSz="914400" rtl="0" eaLnBrk="1" latinLnBrk="0" hangingPunct="1">
-        <a:defRPr sz="1800" kern="1200">
-          <a:solidFill>
-            <a:schemeClr val="tx1"/>
-          </a:solidFill>
-          <a:latin typeface="+mn-lt"/>
-          <a:ea typeface="+mn-ea"/>
-          <a:cs typeface="+mn-cs"/>
-        </a:defRPr>
-      </a:lvl1pPr>
-      <a:lvl2pPr marL="457200" algn="l" defTabSz="914400" rtl="0" eaLnBrk="1" latinLnBrk="0" hangingPunct="1">
-        <a:defRPr sz="1800" kern="1200">
-          <a:solidFill>
-            <a:schemeClr val="tx1"/>
-          </a:solidFill>
-          <a:latin typeface="+mn-lt"/>
-          <a:ea typeface="+mn-ea"/>
-          <a:cs typeface="+mn-cs"/>
-        </a:defRPr>
-      </a:lvl2pPr>
-      <a:lvl3pPr marL="914400" algn="l" defTabSz="914400" rtl="0" eaLnBrk="1" latinLnBrk="0" hangingPunct="1">
-        <a:defRPr sz="1800" kern="1200">
-          <a:solidFill>
-            <a:schemeClr val="tx1"/>
-          </a:solidFill>
-          <a:latin typeface="+mn-lt"/>
-          <a:ea typeface="+mn-ea"/>
-          <a:cs typeface="+mn-cs"/>
-        </a:defRPr>
-      </a:lvl3pPr>
-      <a:lvl4pPr marL="1371600" algn="l" defTabSz="914400" rtl="0" eaLnBrk="1" latinLnBrk="0" hangingPunct="1">
-        <a:defRPr sz="1800" kern="1200">
-          <a:solidFill>
-            <a:schemeClr val="tx1"/>
-          </a:solidFill>
-          <a:latin typeface="+mn-lt"/>
-          <a:ea typeface="+mn-ea"/>
-          <a:cs typeface="+mn-cs"/>
-        </a:defRPr>
-      </a:lvl4pPr>
-      <a:lvl5pPr marL="1828800" algn="l" defTabSz="914400" rtl="0" eaLnBrk="1" latinLnBrk="0" hangingPunct="1">
-        <a:defRPr sz="1800" kern="1200">
-          <a:solidFill>
-            <a:schemeClr val="tx1"/>
-          </a:solidFill>
-          <a:latin typeface="+mn-lt"/>
-          <a:ea typeface="+mn-ea"/>
-          <a:cs typeface="+mn-cs"/>
-        </a:defRPr>
-      </a:lvl5pPr>
-      <a:lvl6pPr marL="2286000" algn="l" defTabSz="914400" rtl="0" eaLnBrk="1" latinLnBrk="0" hangingPunct="1">
-        <a:defRPr sz="1800" kern="1200">
-          <a:solidFill>
-            <a:schemeClr val="tx1"/>
-          </a:solidFill>
-          <a:latin typeface="+mn-lt"/>
-          <a:ea typeface="+mn-ea"/>
-          <a:cs typeface="+mn-cs"/>
-        </a:defRPr>
-      </a:lvl6pPr>
-      <a:lvl7pPr marL="2743200" algn="l" defTabSz="914400" rtl="0" eaLnBrk="1" latinLnBrk="0" hangingPunct="1">
-        <a:defRPr sz="1800" kern="1200">
-          <a:solidFill>
-            <a:schemeClr val="tx1"/>
-          </a:solidFill>
-          <a:latin typeface="+mn-lt"/>
-          <a:ea typeface="+mn-ea"/>
-          <a:cs typeface="+mn-cs"/>
-        </a:defRPr>
-      </a:lvl7pPr>
-      <a:lvl8pPr marL="3200400" algn="l" defTabSz="914400" rtl="0" eaLnBrk="1" latinLnBrk="0" hangingPunct="1">
-        <a:defRPr sz="1800" kern="1200">
-          <a:solidFill>
-            <a:schemeClr val="tx1"/>
-          </a:solidFill>
-          <a:latin typeface="+mn-lt"/>
-          <a:ea typeface="+mn-ea"/>
-          <a:cs typeface="+mn-cs"/>
-        </a:defRPr>
-      </a:lvl8pPr>
-      <a:lvl9pPr marL="3657600" algn="l" defTabSz="914400" rtl="0" eaLnBrk="1" latinLnBrk="0" hangingPunct="1">
-        <a:defRPr sz="1800" kern="1200">
-          <a:solidFill>
-            <a:schemeClr val="tx1"/>
-          </a:solidFill>
-          <a:latin typeface="+mn-lt"/>
-          <a:ea typeface="+mn-ea"/>
-          <a:cs typeface="+mn-cs"/>
-        </a:defRPr>
-      </a:lvl9pPr>
-    </p:otherStyle>
-  </p:txStyles>
-</p:sldMaster>
-</file>
-
 <file path=ppt/slides/slide1.xml><?xml version="1.0" encoding="utf-8"?>
 <p:sld xmlns:a="http://schemas.openxmlformats.org/drawingml/2006/main" xmlns:r="http://schemas.openxmlformats.org/officeDocument/2006/relationships" xmlns:p="http://schemas.openxmlformats.org/presentationml/2006/main">
   <p:cSld>
@@ -21739,7 +18140,7 @@
           <a:p>
             <a:r>
               <a:rPr lang="de-AT" dirty="0"/>
-              <a:t>Angular Meetup Graz</a:t>
+              <a:t>.NET Meetup Wien</a:t>
             </a:r>
             <a:endParaRPr lang="en-US" dirty="0"/>
           </a:p>
@@ -21785,8 +18186,15 @@
           <a:lstStyle/>
           <a:p>
             <a:r>
-              <a:rPr lang="en-US" sz="6000" dirty="0"/>
-              <a:t>Async Serverless</a:t>
+              <a:rPr lang="en-US" sz="5400" dirty="0"/>
+              <a:t>Async</a:t>
+            </a:r>
+            <a:br>
+              <a:rPr lang="en-US" sz="5400" dirty="0"/>
+            </a:br>
+            <a:r>
+              <a:rPr lang="en-US" sz="5400" dirty="0"/>
+              <a:t>Serverless</a:t>
             </a:r>
           </a:p>
         </p:txBody>
@@ -21915,7 +18323,7 @@
             </a:r>
             <a:r>
               <a:rPr lang="de-AT" dirty="0"/>
-              <a:t> Angular and Azure</a:t>
+              <a:t> C# and Azure</a:t>
             </a:r>
             <a:endParaRPr lang="en-US" dirty="0"/>
           </a:p>
@@ -21982,6 +18390,237 @@
 </file>
 
 <file path=ppt/slides/slide10.xml><?xml version="1.0" encoding="utf-8"?>
+<p:sld xmlns:a="http://schemas.openxmlformats.org/drawingml/2006/main" xmlns:r="http://schemas.openxmlformats.org/officeDocument/2006/relationships" xmlns:p="http://schemas.openxmlformats.org/presentationml/2006/main">
+  <p:cSld>
+    <p:spTree>
+      <p:nvGrpSpPr>
+        <p:cNvPr id="1" name=""/>
+        <p:cNvGrpSpPr/>
+        <p:nvPr/>
+      </p:nvGrpSpPr>
+      <p:grpSpPr>
+        <a:xfrm>
+          <a:off x="0" y="0"/>
+          <a:ext cx="0" cy="0"/>
+          <a:chOff x="0" y="0"/>
+          <a:chExt cx="0" cy="0"/>
+        </a:xfrm>
+      </p:grpSpPr>
+      <p:sp>
+        <p:nvSpPr>
+          <p:cNvPr id="4" name="Title 3">
+            <a:extLst>
+              <a:ext uri="{FF2B5EF4-FFF2-40B4-BE49-F238E27FC236}">
+                <a16:creationId xmlns:a16="http://schemas.microsoft.com/office/drawing/2014/main" id="{5CF1FB42-74B1-4C8F-B59D-D0F0926CBB66}"/>
+              </a:ext>
+            </a:extLst>
+          </p:cNvPr>
+          <p:cNvSpPr>
+            <a:spLocks noGrp="1"/>
+          </p:cNvSpPr>
+          <p:nvPr>
+            <p:ph type="title"/>
+          </p:nvPr>
+        </p:nvSpPr>
+        <p:spPr/>
+        <p:txBody>
+          <a:bodyPr/>
+          <a:lstStyle/>
+          <a:p>
+            <a:r>
+              <a:rPr lang="en-US" dirty="0"/>
+              <a:t>Purpose</a:t>
+            </a:r>
+          </a:p>
+        </p:txBody>
+      </p:sp>
+      <p:sp>
+        <p:nvSpPr>
+          <p:cNvPr id="5" name="Text Placeholder 4">
+            <a:extLst>
+              <a:ext uri="{FF2B5EF4-FFF2-40B4-BE49-F238E27FC236}">
+                <a16:creationId xmlns:a16="http://schemas.microsoft.com/office/drawing/2014/main" id="{D3763288-55ED-4B27-9057-A98EDBB1CA70}"/>
+              </a:ext>
+            </a:extLst>
+          </p:cNvPr>
+          <p:cNvSpPr>
+            <a:spLocks noGrp="1"/>
+          </p:cNvSpPr>
+          <p:nvPr>
+            <p:ph type="body" sz="quarter" idx="23"/>
+          </p:nvPr>
+        </p:nvSpPr>
+        <p:spPr/>
+        <p:txBody>
+          <a:bodyPr/>
+          <a:lstStyle/>
+          <a:p>
+            <a:endParaRPr lang="en-US" dirty="0"/>
+          </a:p>
+        </p:txBody>
+      </p:sp>
+      <p:sp>
+        <p:nvSpPr>
+          <p:cNvPr id="6" name="Text Placeholder 5">
+            <a:extLst>
+              <a:ext uri="{FF2B5EF4-FFF2-40B4-BE49-F238E27FC236}">
+                <a16:creationId xmlns:a16="http://schemas.microsoft.com/office/drawing/2014/main" id="{698BFA6B-8A5D-4793-83E7-A4199F751740}"/>
+              </a:ext>
+            </a:extLst>
+          </p:cNvPr>
+          <p:cNvSpPr>
+            <a:spLocks noGrp="1"/>
+          </p:cNvSpPr>
+          <p:nvPr>
+            <p:ph type="body" sz="quarter" idx="24"/>
+          </p:nvPr>
+        </p:nvSpPr>
+        <p:spPr/>
+        <p:txBody>
+          <a:bodyPr/>
+          <a:lstStyle/>
+          <a:p>
+            <a:r>
+              <a:rPr lang="en-US" dirty="0"/>
+              <a:t>Scalability</a:t>
+            </a:r>
+          </a:p>
+          <a:p>
+            <a:pPr lvl="1"/>
+            <a:r>
+              <a:rPr lang="en-US" dirty="0"/>
+              <a:t>Many clients</a:t>
+            </a:r>
+          </a:p>
+          <a:p>
+            <a:pPr lvl="1"/>
+            <a:r>
+              <a:rPr lang="en-US" dirty="0"/>
+              <a:t>Multiple regions</a:t>
+            </a:r>
+          </a:p>
+          <a:p>
+            <a:r>
+              <a:rPr lang="en-US" dirty="0"/>
+              <a:t>Serverless</a:t>
+            </a:r>
+          </a:p>
+          <a:p>
+            <a:pPr lvl="1"/>
+            <a:r>
+              <a:rPr lang="en-US" dirty="0"/>
+              <a:t>No own SignalR server necessary</a:t>
+            </a:r>
+          </a:p>
+          <a:p>
+            <a:pPr lvl="1"/>
+            <a:r>
+              <a:rPr lang="en-US" dirty="0"/>
+              <a:t>Different platforms</a:t>
+            </a:r>
+          </a:p>
+          <a:p>
+            <a:pPr lvl="1"/>
+            <a:r>
+              <a:rPr lang="en-US" dirty="0">
+                <a:solidFill>
+                  <a:schemeClr val="accent2"/>
+                </a:solidFill>
+              </a:rPr>
+              <a:t>Event-driven functions</a:t>
+            </a:r>
+          </a:p>
+        </p:txBody>
+      </p:sp>
+      <p:sp>
+        <p:nvSpPr>
+          <p:cNvPr id="7" name="Text Placeholder 6">
+            <a:extLst>
+              <a:ext uri="{FF2B5EF4-FFF2-40B4-BE49-F238E27FC236}">
+                <a16:creationId xmlns:a16="http://schemas.microsoft.com/office/drawing/2014/main" id="{8A8C006B-C23D-4B7B-87CE-297CFFD80A98}"/>
+              </a:ext>
+            </a:extLst>
+          </p:cNvPr>
+          <p:cNvSpPr>
+            <a:spLocks noGrp="1"/>
+          </p:cNvSpPr>
+          <p:nvPr>
+            <p:ph type="body" sz="quarter" idx="25"/>
+          </p:nvPr>
+        </p:nvSpPr>
+        <p:spPr/>
+        <p:txBody>
+          <a:bodyPr/>
+          <a:lstStyle/>
+          <a:p>
+            <a:endParaRPr lang="en-US" dirty="0"/>
+          </a:p>
+        </p:txBody>
+      </p:sp>
+      <p:pic>
+        <p:nvPicPr>
+          <p:cNvPr id="1026" name="Picture 2">
+            <a:extLst>
+              <a:ext uri="{FF2B5EF4-FFF2-40B4-BE49-F238E27FC236}">
+                <a16:creationId xmlns:a16="http://schemas.microsoft.com/office/drawing/2014/main" id="{569B29EC-974B-4696-BEA7-AB14CECBEDEB}"/>
+              </a:ext>
+            </a:extLst>
+          </p:cNvPr>
+          <p:cNvPicPr>
+            <a:picLocks noChangeAspect="1" noChangeArrowheads="1"/>
+          </p:cNvPicPr>
+          <p:nvPr/>
+        </p:nvPicPr>
+        <p:blipFill rotWithShape="1">
+          <a:blip r:embed="rId2">
+            <a:extLst>
+              <a:ext uri="{28A0092B-C50C-407E-A947-70E740481C1C}">
+                <a14:useLocalDpi xmlns:a14="http://schemas.microsoft.com/office/drawing/2010/main" val="0"/>
+              </a:ext>
+            </a:extLst>
+          </a:blip>
+          <a:srcRect l="-2107" t="-6521" r="-2047" b="-8175"/>
+          <a:stretch/>
+        </p:blipFill>
+        <p:spPr bwMode="auto">
+          <a:xfrm>
+            <a:off x="491613" y="1917291"/>
+            <a:ext cx="7108722" cy="3067664"/>
+          </a:xfrm>
+          <a:prstGeom prst="rect">
+            <a:avLst/>
+          </a:prstGeom>
+          <a:solidFill>
+            <a:schemeClr val="bg1"/>
+          </a:solidFill>
+        </p:spPr>
+      </p:pic>
+    </p:spTree>
+    <p:extLst>
+      <p:ext uri="{BB962C8B-B14F-4D97-AF65-F5344CB8AC3E}">
+        <p14:creationId xmlns:p14="http://schemas.microsoft.com/office/powerpoint/2010/main" val="1587571679"/>
+      </p:ext>
+    </p:extLst>
+  </p:cSld>
+  <p:clrMapOvr>
+    <a:masterClrMapping/>
+  </p:clrMapOvr>
+  <mc:AlternateContent xmlns:mc="http://schemas.openxmlformats.org/markup-compatibility/2006" xmlns:p14="http://schemas.microsoft.com/office/powerpoint/2010/main">
+    <mc:Choice Requires="p14">
+      <p:transition spd="med" p14:dur="700">
+        <p:fade/>
+      </p:transition>
+    </mc:Choice>
+    <mc:Fallback xmlns="">
+      <p:transition spd="med">
+        <p:fade/>
+      </p:transition>
+    </mc:Fallback>
+  </mc:AlternateContent>
+</p:sld>
+</file>
+
+<file path=ppt/slides/slide11.xml><?xml version="1.0" encoding="utf-8"?>
 <p:sld xmlns:a="http://schemas.openxmlformats.org/drawingml/2006/main" xmlns:r="http://schemas.openxmlformats.org/officeDocument/2006/relationships" xmlns:p="http://schemas.openxmlformats.org/presentationml/2006/main" showMasterPhAnim="0">
   <p:cSld>
     <p:spTree>
@@ -22649,7 +19288,7 @@
 </p:sld>
 </file>
 
-<file path=ppt/slides/slide11.xml><?xml version="1.0" encoding="utf-8"?>
+<file path=ppt/slides/slide12.xml><?xml version="1.0" encoding="utf-8"?>
 <p:sld xmlns:a="http://schemas.openxmlformats.org/drawingml/2006/main" xmlns:r="http://schemas.openxmlformats.org/officeDocument/2006/relationships" xmlns:p="http://schemas.openxmlformats.org/presentationml/2006/main">
   <p:cSld>
     <p:spTree>
@@ -22828,1527 +19467,7 @@
 </p:sld>
 </file>
 
-<file path=ppt/slides/slide12.xml><?xml version="1.0" encoding="utf-8"?>
-<p:sld xmlns:a="http://schemas.openxmlformats.org/drawingml/2006/main" xmlns:r="http://schemas.openxmlformats.org/officeDocument/2006/relationships" xmlns:p="http://schemas.openxmlformats.org/presentationml/2006/main">
-  <p:cSld>
-    <p:spTree>
-      <p:nvGrpSpPr>
-        <p:cNvPr id="1" name=""/>
-        <p:cNvGrpSpPr/>
-        <p:nvPr/>
-      </p:nvGrpSpPr>
-      <p:grpSpPr>
-        <a:xfrm>
-          <a:off x="0" y="0"/>
-          <a:ext cx="0" cy="0"/>
-          <a:chOff x="0" y="0"/>
-          <a:chExt cx="0" cy="0"/>
-        </a:xfrm>
-      </p:grpSpPr>
-      <p:pic>
-        <p:nvPicPr>
-          <p:cNvPr id="13" name="Picture 12" descr="A picture containing drawing&#10;&#10;Description automatically generated">
-            <a:extLst>
-              <a:ext uri="{FF2B5EF4-FFF2-40B4-BE49-F238E27FC236}">
-                <a16:creationId xmlns:a16="http://schemas.microsoft.com/office/drawing/2014/main" id="{15D0BE97-19A8-40F3-828D-093C10AEA494}"/>
-              </a:ext>
-            </a:extLst>
-          </p:cNvPr>
-          <p:cNvPicPr>
-            <a:picLocks noChangeAspect="1"/>
-          </p:cNvPicPr>
-          <p:nvPr/>
-        </p:nvPicPr>
-        <p:blipFill>
-          <a:blip r:embed="rId3">
-            <a:extLst>
-              <a:ext uri="{28A0092B-C50C-407E-A947-70E740481C1C}">
-                <a14:useLocalDpi xmlns:a14="http://schemas.microsoft.com/office/drawing/2010/main" val="0"/>
-              </a:ext>
-            </a:extLst>
-          </a:blip>
-          <a:stretch>
-            <a:fillRect/>
-          </a:stretch>
-        </p:blipFill>
-        <p:spPr>
-          <a:xfrm>
-            <a:off x="-6077" y="0"/>
-            <a:ext cx="12192000" cy="1963684"/>
-          </a:xfrm>
-          <a:prstGeom prst="rect">
-            <a:avLst/>
-          </a:prstGeom>
-        </p:spPr>
-      </p:pic>
-      <p:sp>
-        <p:nvSpPr>
-          <p:cNvPr id="6" name="Title 1">
-            <a:extLst>
-              <a:ext uri="{FF2B5EF4-FFF2-40B4-BE49-F238E27FC236}">
-                <a16:creationId xmlns:a16="http://schemas.microsoft.com/office/drawing/2014/main" id="{1393B311-17D1-40A1-B7A2-5C25F0A68082}"/>
-              </a:ext>
-            </a:extLst>
-          </p:cNvPr>
-          <p:cNvSpPr>
-            <a:spLocks noGrp="1"/>
-          </p:cNvSpPr>
-          <p:nvPr>
-            <p:ph type="title"/>
-          </p:nvPr>
-        </p:nvSpPr>
-        <p:spPr>
-          <a:xfrm>
-            <a:off x="1547762" y="416970"/>
-            <a:ext cx="6411493" cy="1213048"/>
-          </a:xfrm>
-          <a:solidFill>
-            <a:schemeClr val="bg1"/>
-          </a:solidFill>
-        </p:spPr>
-        <p:txBody>
-          <a:bodyPr anchor="ctr">
-            <a:normAutofit/>
-          </a:bodyPr>
-          <a:lstStyle/>
-          <a:p>
-            <a:r>
-              <a:rPr lang="en-GB" sz="3600">
-                <a:solidFill>
-                  <a:schemeClr val="tx1"/>
-                </a:solidFill>
-                <a:latin typeface="Segoe UI Semibold" panose="020B0702040204020203" pitchFamily="34" charset="0"/>
-                <a:cs typeface="Segoe UI Semibold" panose="020B0702040204020203" pitchFamily="34" charset="0"/>
-              </a:rPr>
-              <a:t>What is Azure Heroes?</a:t>
-            </a:r>
-            <a:endParaRPr lang="en-GB" sz="2200">
-              <a:solidFill>
-                <a:schemeClr val="tx1"/>
-              </a:solidFill>
-              <a:latin typeface="Segoe UI Semibold" panose="020B0702040204020203" pitchFamily="34" charset="0"/>
-              <a:cs typeface="Segoe UI Semibold" panose="020B0702040204020203" pitchFamily="34" charset="0"/>
-            </a:endParaRPr>
-          </a:p>
-        </p:txBody>
-      </p:sp>
-      <p:pic>
-        <p:nvPicPr>
-          <p:cNvPr id="14" name="Picture 13" descr="A close up of a logo&#10;&#10;Description automatically generated">
-            <a:extLst>
-              <a:ext uri="{FF2B5EF4-FFF2-40B4-BE49-F238E27FC236}">
-                <a16:creationId xmlns:a16="http://schemas.microsoft.com/office/drawing/2014/main" id="{F32E6FD2-E8B2-42D8-9104-7EBC10E94A2B}"/>
-              </a:ext>
-            </a:extLst>
-          </p:cNvPr>
-          <p:cNvPicPr>
-            <a:picLocks noChangeAspect="1"/>
-          </p:cNvPicPr>
-          <p:nvPr/>
-        </p:nvPicPr>
-        <p:blipFill>
-          <a:blip r:embed="rId4">
-            <a:extLst>
-              <a:ext uri="{28A0092B-C50C-407E-A947-70E740481C1C}">
-                <a14:useLocalDpi xmlns:a14="http://schemas.microsoft.com/office/drawing/2010/main" val="0"/>
-              </a:ext>
-            </a:extLst>
-          </a:blip>
-          <a:stretch>
-            <a:fillRect/>
-          </a:stretch>
-        </p:blipFill>
-        <p:spPr>
-          <a:xfrm>
-            <a:off x="8026230" y="4811992"/>
-            <a:ext cx="1640746" cy="1640746"/>
-          </a:xfrm>
-          <a:prstGeom prst="rect">
-            <a:avLst/>
-          </a:prstGeom>
-          <a:ln>
-            <a:noFill/>
-          </a:ln>
-          <a:effectLst>
-            <a:outerShdw blurRad="292100" dist="139700" dir="2700000" algn="tl" rotWithShape="0">
-              <a:srgbClr val="333333">
-                <a:alpha val="65000"/>
-              </a:srgbClr>
-            </a:outerShdw>
-          </a:effectLst>
-        </p:spPr>
-      </p:pic>
-      <p:pic>
-        <p:nvPicPr>
-          <p:cNvPr id="15" name="Picture 14" descr="A close up of a sign&#10;&#10;Description automatically generated">
-            <a:extLst>
-              <a:ext uri="{FF2B5EF4-FFF2-40B4-BE49-F238E27FC236}">
-                <a16:creationId xmlns:a16="http://schemas.microsoft.com/office/drawing/2014/main" id="{365708E1-6899-4679-9A49-4E1CAAC392E9}"/>
-              </a:ext>
-            </a:extLst>
-          </p:cNvPr>
-          <p:cNvPicPr>
-            <a:picLocks noChangeAspect="1"/>
-          </p:cNvPicPr>
-          <p:nvPr/>
-        </p:nvPicPr>
-        <p:blipFill>
-          <a:blip r:embed="rId5">
-            <a:extLst>
-              <a:ext uri="{28A0092B-C50C-407E-A947-70E740481C1C}">
-                <a14:useLocalDpi xmlns:a14="http://schemas.microsoft.com/office/drawing/2010/main" val="0"/>
-              </a:ext>
-            </a:extLst>
-          </a:blip>
-          <a:stretch>
-            <a:fillRect/>
-          </a:stretch>
-        </p:blipFill>
-        <p:spPr>
-          <a:xfrm>
-            <a:off x="6257486" y="4808912"/>
-            <a:ext cx="1640746" cy="1640746"/>
-          </a:xfrm>
-          <a:prstGeom prst="rect">
-            <a:avLst/>
-          </a:prstGeom>
-          <a:ln>
-            <a:noFill/>
-          </a:ln>
-          <a:effectLst>
-            <a:outerShdw blurRad="292100" dist="139700" dir="2700000" algn="tl" rotWithShape="0">
-              <a:srgbClr val="333333">
-                <a:alpha val="65000"/>
-              </a:srgbClr>
-            </a:outerShdw>
-          </a:effectLst>
-        </p:spPr>
-      </p:pic>
-      <p:pic>
-        <p:nvPicPr>
-          <p:cNvPr id="16" name="Picture 15" descr="A close up of a logo&#10;&#10;Description automatically generated">
-            <a:extLst>
-              <a:ext uri="{FF2B5EF4-FFF2-40B4-BE49-F238E27FC236}">
-                <a16:creationId xmlns:a16="http://schemas.microsoft.com/office/drawing/2014/main" id="{CBB9DC76-19DF-4CE6-9F3D-49F932CBB80A}"/>
-              </a:ext>
-            </a:extLst>
-          </p:cNvPr>
-          <p:cNvPicPr>
-            <a:picLocks noChangeAspect="1"/>
-          </p:cNvPicPr>
-          <p:nvPr/>
-        </p:nvPicPr>
-        <p:blipFill>
-          <a:blip r:embed="rId6">
-            <a:extLst>
-              <a:ext uri="{28A0092B-C50C-407E-A947-70E740481C1C}">
-                <a14:useLocalDpi xmlns:a14="http://schemas.microsoft.com/office/drawing/2010/main" val="0"/>
-              </a:ext>
-            </a:extLst>
-          </a:blip>
-          <a:stretch>
-            <a:fillRect/>
-          </a:stretch>
-        </p:blipFill>
-        <p:spPr>
-          <a:xfrm>
-            <a:off x="4488741" y="4805832"/>
-            <a:ext cx="1640747" cy="1640747"/>
-          </a:xfrm>
-          <a:prstGeom prst="rect">
-            <a:avLst/>
-          </a:prstGeom>
-          <a:ln>
-            <a:noFill/>
-          </a:ln>
-          <a:effectLst>
-            <a:outerShdw blurRad="292100" dist="139700" dir="2700000" algn="tl" rotWithShape="0">
-              <a:srgbClr val="333333">
-                <a:alpha val="65000"/>
-              </a:srgbClr>
-            </a:outerShdw>
-          </a:effectLst>
-        </p:spPr>
-      </p:pic>
-      <p:pic>
-        <p:nvPicPr>
-          <p:cNvPr id="17" name="Picture 16" descr="A close up of a logo&#10;&#10;Description automatically generated">
-            <a:extLst>
-              <a:ext uri="{FF2B5EF4-FFF2-40B4-BE49-F238E27FC236}">
-                <a16:creationId xmlns:a16="http://schemas.microsoft.com/office/drawing/2014/main" id="{402DBE5D-CA06-4A68-A04D-3B9933138184}"/>
-              </a:ext>
-            </a:extLst>
-          </p:cNvPr>
-          <p:cNvPicPr>
-            <a:picLocks noChangeAspect="1"/>
-          </p:cNvPicPr>
-          <p:nvPr/>
-        </p:nvPicPr>
-        <p:blipFill>
-          <a:blip r:embed="rId7">
-            <a:extLst>
-              <a:ext uri="{28A0092B-C50C-407E-A947-70E740481C1C}">
-                <a14:useLocalDpi xmlns:a14="http://schemas.microsoft.com/office/drawing/2010/main" val="0"/>
-              </a:ext>
-            </a:extLst>
-          </a:blip>
-          <a:stretch>
-            <a:fillRect/>
-          </a:stretch>
-        </p:blipFill>
-        <p:spPr>
-          <a:xfrm>
-            <a:off x="935855" y="4802753"/>
-            <a:ext cx="1656144" cy="1656144"/>
-          </a:xfrm>
-          <a:prstGeom prst="rect">
-            <a:avLst/>
-          </a:prstGeom>
-          <a:ln>
-            <a:noFill/>
-          </a:ln>
-          <a:effectLst>
-            <a:outerShdw blurRad="292100" dist="139700" dir="2700000" algn="tl" rotWithShape="0">
-              <a:srgbClr val="333333">
-                <a:alpha val="65000"/>
-              </a:srgbClr>
-            </a:outerShdw>
-          </a:effectLst>
-        </p:spPr>
-      </p:pic>
-      <p:pic>
-        <p:nvPicPr>
-          <p:cNvPr id="18" name="Picture 17" descr="A close up of a logo&#10;&#10;Description automatically generated">
-            <a:extLst>
-              <a:ext uri="{FF2B5EF4-FFF2-40B4-BE49-F238E27FC236}">
-                <a16:creationId xmlns:a16="http://schemas.microsoft.com/office/drawing/2014/main" id="{AE3D4309-0724-438F-A04A-71CF51A0560F}"/>
-              </a:ext>
-            </a:extLst>
-          </p:cNvPr>
-          <p:cNvPicPr>
-            <a:picLocks noChangeAspect="1"/>
-          </p:cNvPicPr>
-          <p:nvPr/>
-        </p:nvPicPr>
-        <p:blipFill>
-          <a:blip r:embed="rId8">
-            <a:extLst>
-              <a:ext uri="{28A0092B-C50C-407E-A947-70E740481C1C}">
-                <a14:useLocalDpi xmlns:a14="http://schemas.microsoft.com/office/drawing/2010/main" val="0"/>
-              </a:ext>
-            </a:extLst>
-          </a:blip>
-          <a:stretch>
-            <a:fillRect/>
-          </a:stretch>
-        </p:blipFill>
-        <p:spPr>
-          <a:xfrm>
-            <a:off x="2719997" y="4815071"/>
-            <a:ext cx="1640746" cy="1640746"/>
-          </a:xfrm>
-          <a:prstGeom prst="rect">
-            <a:avLst/>
-          </a:prstGeom>
-          <a:ln>
-            <a:noFill/>
-          </a:ln>
-          <a:effectLst>
-            <a:outerShdw blurRad="292100" dist="139700" dir="2700000" algn="tl" rotWithShape="0">
-              <a:srgbClr val="333333">
-                <a:alpha val="65000"/>
-              </a:srgbClr>
-            </a:outerShdw>
-          </a:effectLst>
-        </p:spPr>
-      </p:pic>
-      <p:pic>
-        <p:nvPicPr>
-          <p:cNvPr id="19" name="Picture 18" descr="A close up of a logo&#10;&#10;Description automatically generated">
-            <a:extLst>
-              <a:ext uri="{FF2B5EF4-FFF2-40B4-BE49-F238E27FC236}">
-                <a16:creationId xmlns:a16="http://schemas.microsoft.com/office/drawing/2014/main" id="{DD7DB95C-55B9-4EF7-AE23-1D41BD588B0B}"/>
-              </a:ext>
-            </a:extLst>
-          </p:cNvPr>
-          <p:cNvPicPr>
-            <a:picLocks noChangeAspect="1"/>
-          </p:cNvPicPr>
-          <p:nvPr/>
-        </p:nvPicPr>
-        <p:blipFill>
-          <a:blip r:embed="rId9">
-            <a:extLst>
-              <a:ext uri="{28A0092B-C50C-407E-A947-70E740481C1C}">
-                <a14:useLocalDpi xmlns:a14="http://schemas.microsoft.com/office/drawing/2010/main" val="0"/>
-              </a:ext>
-            </a:extLst>
-          </a:blip>
-          <a:stretch>
-            <a:fillRect/>
-          </a:stretch>
-        </p:blipFill>
-        <p:spPr>
-          <a:xfrm>
-            <a:off x="9794972" y="4811992"/>
-            <a:ext cx="1640747" cy="1640747"/>
-          </a:xfrm>
-          <a:prstGeom prst="rect">
-            <a:avLst/>
-          </a:prstGeom>
-          <a:ln>
-            <a:noFill/>
-          </a:ln>
-          <a:effectLst>
-            <a:outerShdw blurRad="292100" dist="139700" dir="2700000" algn="tl" rotWithShape="0">
-              <a:srgbClr val="333333">
-                <a:alpha val="65000"/>
-              </a:srgbClr>
-            </a:outerShdw>
-          </a:effectLst>
-        </p:spPr>
-      </p:pic>
-      <p:sp>
-        <p:nvSpPr>
-          <p:cNvPr id="12" name="TextBox 11">
-            <a:extLst>
-              <a:ext uri="{FF2B5EF4-FFF2-40B4-BE49-F238E27FC236}">
-                <a16:creationId xmlns:a16="http://schemas.microsoft.com/office/drawing/2014/main" id="{BCEEC8A7-5644-46C7-8A7B-907D4E0547A1}"/>
-              </a:ext>
-            </a:extLst>
-          </p:cNvPr>
-          <p:cNvSpPr txBox="1"/>
-          <p:nvPr/>
-        </p:nvSpPr>
-        <p:spPr>
-          <a:xfrm>
-            <a:off x="598170" y="2046988"/>
-            <a:ext cx="11439525" cy="2449901"/>
-          </a:xfrm>
-          <a:prstGeom prst="rect">
-            <a:avLst/>
-          </a:prstGeom>
-          <a:noFill/>
-        </p:spPr>
-        <p:txBody>
-          <a:bodyPr wrap="square" lIns="182880" tIns="146304" rIns="182880" bIns="146304" rtlCol="0" anchor="t">
-            <a:spAutoFit/>
-          </a:bodyPr>
-          <a:lstStyle/>
-          <a:p>
-            <a:pPr marL="0" marR="0" lvl="0" indent="0" algn="l" defTabSz="914400" rtl="0" eaLnBrk="1" fontAlgn="auto" latinLnBrk="0" hangingPunct="1">
-              <a:lnSpc>
-                <a:spcPct val="100000"/>
-              </a:lnSpc>
-              <a:spcBef>
-                <a:spcPts val="0"/>
-              </a:spcBef>
-              <a:spcAft>
-                <a:spcPts val="1200"/>
-              </a:spcAft>
-              <a:buClrTx/>
-              <a:buSzTx/>
-              <a:buFontTx/>
-              <a:buNone/>
-              <a:tabLst/>
-              <a:defRPr/>
-            </a:pPr>
-            <a:r>
-              <a:rPr kumimoji="0" lang="en-US" sz="2800" b="0" i="0" u="none" strike="noStrike" kern="1200" cap="none" spc="0" normalizeH="0" baseline="0" noProof="1">
-                <a:ln>
-                  <a:noFill/>
-                </a:ln>
-                <a:solidFill>
-                  <a:prstClr val="white"/>
-                </a:solidFill>
-                <a:effectLst/>
-                <a:uLnTx/>
-                <a:uFillTx/>
-                <a:latin typeface="Segoe UI"/>
-                <a:ea typeface="+mn-ea"/>
-                <a:cs typeface="Segoe UI"/>
-              </a:rPr>
-              <a:t>Our mission is to empower technical practitioners of all backgrounds and in every organisation to achieve more. In that spirit, we created something unique to inspire you to </a:t>
-            </a:r>
-            <a:r>
-              <a:rPr kumimoji="0" lang="en-US" sz="2800" b="1" i="0" u="none" strike="noStrike" kern="1200" cap="none" spc="0" normalizeH="0" baseline="0" noProof="1">
-                <a:ln>
-                  <a:noFill/>
-                </a:ln>
-                <a:solidFill>
-                  <a:prstClr val="white"/>
-                </a:solidFill>
-                <a:effectLst/>
-                <a:uLnTx/>
-                <a:uFillTx/>
-                <a:latin typeface="Segoe UI"/>
-                <a:ea typeface="+mn-ea"/>
-                <a:cs typeface="Segoe UI"/>
-              </a:rPr>
-              <a:t>learn, coach and build </a:t>
-            </a:r>
-            <a:r>
-              <a:rPr kumimoji="0" lang="en-US" sz="2800" b="0" i="0" u="none" strike="noStrike" kern="1200" cap="none" spc="0" normalizeH="0" baseline="0" noProof="1">
-                <a:ln>
-                  <a:noFill/>
-                </a:ln>
-                <a:solidFill>
-                  <a:prstClr val="white"/>
-                </a:solidFill>
-                <a:effectLst/>
-                <a:uLnTx/>
-                <a:uFillTx/>
-                <a:latin typeface="Segoe UI"/>
-                <a:ea typeface="+mn-ea"/>
-                <a:cs typeface="Segoe UI"/>
-              </a:rPr>
-              <a:t>on </a:t>
-            </a:r>
-            <a:r>
-              <a:rPr kumimoji="0" lang="en-US" sz="2800" b="1" i="0" u="none" strike="noStrike" kern="1200" cap="none" spc="0" normalizeH="0" baseline="0" noProof="1">
-                <a:ln>
-                  <a:noFill/>
-                </a:ln>
-                <a:solidFill>
-                  <a:prstClr val="white"/>
-                </a:solidFill>
-                <a:effectLst/>
-                <a:uLnTx/>
-                <a:uFillTx/>
-                <a:latin typeface="Segoe UI"/>
-                <a:ea typeface="+mn-ea"/>
-                <a:cs typeface="Segoe UI"/>
-              </a:rPr>
-              <a:t>Azure</a:t>
-            </a:r>
-            <a:r>
-              <a:rPr kumimoji="0" lang="en-US" sz="2800" b="0" i="0" u="none" strike="noStrike" kern="1200" cap="none" spc="0" normalizeH="0" baseline="0" noProof="1">
-                <a:ln>
-                  <a:noFill/>
-                </a:ln>
-                <a:solidFill>
-                  <a:prstClr val="white"/>
-                </a:solidFill>
-                <a:effectLst/>
-                <a:uLnTx/>
-                <a:uFillTx/>
-                <a:latin typeface="Segoe UI"/>
-                <a:ea typeface="+mn-ea"/>
-                <a:cs typeface="Segoe UI"/>
-              </a:rPr>
-              <a:t> and to promote healthy </a:t>
-            </a:r>
-            <a:r>
-              <a:rPr kumimoji="0" lang="en-US" sz="2800" b="1" i="0" u="none" strike="noStrike" kern="1200" cap="none" spc="0" normalizeH="0" baseline="0" noProof="1">
-                <a:ln>
-                  <a:noFill/>
-                </a:ln>
-                <a:solidFill>
-                  <a:prstClr val="white"/>
-                </a:solidFill>
-                <a:effectLst/>
-                <a:uLnTx/>
-                <a:uFillTx/>
-                <a:latin typeface="Segoe UI"/>
-                <a:ea typeface="+mn-ea"/>
-                <a:cs typeface="Segoe UI"/>
-              </a:rPr>
-              <a:t>and inclusive </a:t>
-            </a:r>
-            <a:r>
-              <a:rPr kumimoji="0" lang="en-US" sz="2800" b="0" i="0" u="none" strike="noStrike" kern="1200" cap="none" spc="0" normalizeH="0" baseline="0" noProof="1">
-                <a:ln>
-                  <a:noFill/>
-                </a:ln>
-                <a:solidFill>
-                  <a:prstClr val="white"/>
-                </a:solidFill>
-                <a:effectLst/>
-                <a:uLnTx/>
-                <a:uFillTx/>
-                <a:latin typeface="Segoe UI"/>
-                <a:ea typeface="+mn-ea"/>
-                <a:cs typeface="Segoe UI"/>
-              </a:rPr>
-              <a:t>behaviours within the </a:t>
-            </a:r>
-            <a:r>
-              <a:rPr kumimoji="0" lang="en-US" sz="2800" b="1" i="0" u="none" strike="noStrike" kern="1200" cap="none" spc="0" normalizeH="0" baseline="0" noProof="1">
-                <a:ln>
-                  <a:noFill/>
-                </a:ln>
-                <a:solidFill>
-                  <a:prstClr val="white"/>
-                </a:solidFill>
-                <a:effectLst/>
-                <a:uLnTx/>
-                <a:uFillTx/>
-                <a:latin typeface="Segoe UI"/>
-                <a:ea typeface="+mn-ea"/>
-                <a:cs typeface="Segoe UI"/>
-              </a:rPr>
-              <a:t>community</a:t>
-            </a:r>
-            <a:r>
-              <a:rPr kumimoji="0" lang="en-US" sz="2800" b="0" i="0" u="none" strike="noStrike" kern="1200" cap="none" spc="0" normalizeH="0" baseline="0" noProof="1">
-                <a:ln>
-                  <a:noFill/>
-                </a:ln>
-                <a:solidFill>
-                  <a:prstClr val="white"/>
-                </a:solidFill>
-                <a:effectLst/>
-                <a:uLnTx/>
-                <a:uFillTx/>
-                <a:latin typeface="Segoe UI"/>
-                <a:ea typeface="+mn-ea"/>
-                <a:cs typeface="Segoe UI"/>
-              </a:rPr>
-              <a:t>.</a:t>
-            </a:r>
-          </a:p>
-        </p:txBody>
-      </p:sp>
-    </p:spTree>
-    <p:extLst>
-      <p:ext uri="{BB962C8B-B14F-4D97-AF65-F5344CB8AC3E}">
-        <p14:creationId xmlns:p14="http://schemas.microsoft.com/office/powerpoint/2010/main" val="1347562593"/>
-      </p:ext>
-    </p:extLst>
-  </p:cSld>
-  <p:clrMapOvr>
-    <a:masterClrMapping/>
-  </p:clrMapOvr>
-  <p:transition spd="med">
-    <p:fade/>
-  </p:transition>
-</p:sld>
-</file>
-
 <file path=ppt/slides/slide13.xml><?xml version="1.0" encoding="utf-8"?>
-<p:sld xmlns:a="http://schemas.openxmlformats.org/drawingml/2006/main" xmlns:r="http://schemas.openxmlformats.org/officeDocument/2006/relationships" xmlns:p="http://schemas.openxmlformats.org/presentationml/2006/main">
-  <p:cSld>
-    <p:spTree>
-      <p:nvGrpSpPr>
-        <p:cNvPr id="1" name=""/>
-        <p:cNvGrpSpPr/>
-        <p:nvPr/>
-      </p:nvGrpSpPr>
-      <p:grpSpPr>
-        <a:xfrm>
-          <a:off x="0" y="0"/>
-          <a:ext cx="0" cy="0"/>
-          <a:chOff x="0" y="0"/>
-          <a:chExt cx="0" cy="0"/>
-        </a:xfrm>
-      </p:grpSpPr>
-      <p:pic>
-        <p:nvPicPr>
-          <p:cNvPr id="14" name="Picture 13" descr="A picture containing drawing&#10;&#10;Description automatically generated">
-            <a:extLst>
-              <a:ext uri="{FF2B5EF4-FFF2-40B4-BE49-F238E27FC236}">
-                <a16:creationId xmlns:a16="http://schemas.microsoft.com/office/drawing/2014/main" id="{B0D5B244-0826-4681-A9C4-7DE5F45D4E40}"/>
-              </a:ext>
-            </a:extLst>
-          </p:cNvPr>
-          <p:cNvPicPr>
-            <a:picLocks noChangeAspect="1"/>
-          </p:cNvPicPr>
-          <p:nvPr/>
-        </p:nvPicPr>
-        <p:blipFill>
-          <a:blip r:embed="rId3">
-            <a:extLst>
-              <a:ext uri="{28A0092B-C50C-407E-A947-70E740481C1C}">
-                <a14:useLocalDpi xmlns:a14="http://schemas.microsoft.com/office/drawing/2010/main" val="0"/>
-              </a:ext>
-            </a:extLst>
-          </a:blip>
-          <a:stretch>
-            <a:fillRect/>
-          </a:stretch>
-        </p:blipFill>
-        <p:spPr>
-          <a:xfrm>
-            <a:off x="-6077" y="0"/>
-            <a:ext cx="12192000" cy="1963684"/>
-          </a:xfrm>
-          <a:prstGeom prst="rect">
-            <a:avLst/>
-          </a:prstGeom>
-        </p:spPr>
-      </p:pic>
-      <p:sp>
-        <p:nvSpPr>
-          <p:cNvPr id="6" name="Title 1">
-            <a:extLst>
-              <a:ext uri="{FF2B5EF4-FFF2-40B4-BE49-F238E27FC236}">
-                <a16:creationId xmlns:a16="http://schemas.microsoft.com/office/drawing/2014/main" id="{1393B311-17D1-40A1-B7A2-5C25F0A68082}"/>
-              </a:ext>
-            </a:extLst>
-          </p:cNvPr>
-          <p:cNvSpPr>
-            <a:spLocks noGrp="1"/>
-          </p:cNvSpPr>
-          <p:nvPr>
-            <p:ph type="title"/>
-          </p:nvPr>
-        </p:nvSpPr>
-        <p:spPr>
-          <a:xfrm>
-            <a:off x="1295400" y="394450"/>
-            <a:ext cx="7106478" cy="1213048"/>
-          </a:xfrm>
-          <a:solidFill>
-            <a:schemeClr val="bg1"/>
-          </a:solidFill>
-        </p:spPr>
-        <p:txBody>
-          <a:bodyPr anchor="ctr">
-            <a:normAutofit fontScale="90000"/>
-          </a:bodyPr>
-          <a:lstStyle/>
-          <a:p>
-            <a:r>
-              <a:rPr lang="en-GB" sz="3600" b="1" dirty="0">
-                <a:latin typeface="Segoe UI" panose="020B0502040204020203" pitchFamily="34" charset="0"/>
-                <a:cs typeface="Segoe UI" panose="020B0502040204020203" pitchFamily="34" charset="0"/>
-              </a:rPr>
-              <a:t>The Learner badger is for anyone working with or learning about Azure!</a:t>
-            </a:r>
-          </a:p>
-        </p:txBody>
-      </p:sp>
-      <p:sp>
-        <p:nvSpPr>
-          <p:cNvPr id="2" name="TextBox 1">
-            <a:extLst>
-              <a:ext uri="{FF2B5EF4-FFF2-40B4-BE49-F238E27FC236}">
-                <a16:creationId xmlns:a16="http://schemas.microsoft.com/office/drawing/2014/main" id="{F1E74688-695E-4887-B9BC-D6A7D3D68D9C}"/>
-              </a:ext>
-            </a:extLst>
-          </p:cNvPr>
-          <p:cNvSpPr txBox="1"/>
-          <p:nvPr/>
-        </p:nvSpPr>
-        <p:spPr>
-          <a:xfrm>
-            <a:off x="7775033" y="5564441"/>
-            <a:ext cx="3590194" cy="369332"/>
-          </a:xfrm>
-          <a:prstGeom prst="rect">
-            <a:avLst/>
-          </a:prstGeom>
-          <a:noFill/>
-        </p:spPr>
-        <p:txBody>
-          <a:bodyPr wrap="square" rtlCol="0">
-            <a:spAutoFit/>
-          </a:bodyPr>
-          <a:lstStyle/>
-          <a:p>
-            <a:pPr marL="0" marR="0" lvl="0" indent="0" algn="ctr" defTabSz="914400" rtl="0" eaLnBrk="1" fontAlgn="auto" latinLnBrk="0" hangingPunct="1">
-              <a:lnSpc>
-                <a:spcPct val="100000"/>
-              </a:lnSpc>
-              <a:spcBef>
-                <a:spcPts val="0"/>
-              </a:spcBef>
-              <a:spcAft>
-                <a:spcPts val="0"/>
-              </a:spcAft>
-              <a:buClrTx/>
-              <a:buSzTx/>
-              <a:buFontTx/>
-              <a:buNone/>
-              <a:tabLst/>
-              <a:defRPr/>
-            </a:pPr>
-            <a:endParaRPr kumimoji="0" lang="en-GB" sz="1800" b="0" i="0" u="none" strike="noStrike" kern="1200" cap="none" spc="0" normalizeH="0" baseline="0" noProof="0">
-              <a:ln>
-                <a:noFill/>
-              </a:ln>
-              <a:solidFill>
-                <a:prstClr val="white"/>
-              </a:solidFill>
-              <a:effectLst/>
-              <a:uLnTx/>
-              <a:uFillTx/>
-              <a:latin typeface="Calibri" panose="020F0502020204030204"/>
-              <a:ea typeface="+mn-ea"/>
-              <a:cs typeface="+mn-cs"/>
-            </a:endParaRPr>
-          </a:p>
-        </p:txBody>
-      </p:sp>
-      <p:pic>
-        <p:nvPicPr>
-          <p:cNvPr id="15" name="Picture 14" descr="A close up of a logo&#10;&#10;Description automatically generated">
-            <a:extLst>
-              <a:ext uri="{FF2B5EF4-FFF2-40B4-BE49-F238E27FC236}">
-                <a16:creationId xmlns:a16="http://schemas.microsoft.com/office/drawing/2014/main" id="{BF3E3910-50E0-4664-8BC4-3764D285B5A0}"/>
-              </a:ext>
-            </a:extLst>
-          </p:cNvPr>
-          <p:cNvPicPr>
-            <a:picLocks noChangeAspect="1"/>
-          </p:cNvPicPr>
-          <p:nvPr/>
-        </p:nvPicPr>
-        <p:blipFill>
-          <a:blip r:embed="rId4">
-            <a:extLst>
-              <a:ext uri="{28A0092B-C50C-407E-A947-70E740481C1C}">
-                <a14:useLocalDpi xmlns:a14="http://schemas.microsoft.com/office/drawing/2010/main" val="0"/>
-              </a:ext>
-            </a:extLst>
-          </a:blip>
-          <a:stretch>
-            <a:fillRect/>
-          </a:stretch>
-        </p:blipFill>
-        <p:spPr>
-          <a:xfrm>
-            <a:off x="613044" y="2352459"/>
-            <a:ext cx="2652558" cy="2652558"/>
-          </a:xfrm>
-          <a:prstGeom prst="rect">
-            <a:avLst/>
-          </a:prstGeom>
-          <a:ln>
-            <a:noFill/>
-          </a:ln>
-          <a:effectLst>
-            <a:outerShdw blurRad="292100" dist="139700" dir="2700000" algn="tl" rotWithShape="0">
-              <a:srgbClr val="333333">
-                <a:alpha val="65000"/>
-              </a:srgbClr>
-            </a:outerShdw>
-          </a:effectLst>
-        </p:spPr>
-      </p:pic>
-      <p:pic>
-        <p:nvPicPr>
-          <p:cNvPr id="17" name="Picture 16" descr="A close up of a logo&#10;&#10;Description automatically generated">
-            <a:extLst>
-              <a:ext uri="{FF2B5EF4-FFF2-40B4-BE49-F238E27FC236}">
-                <a16:creationId xmlns:a16="http://schemas.microsoft.com/office/drawing/2014/main" id="{6C0BAAC1-FE71-49D6-8A74-EAEA8FE818B4}"/>
-              </a:ext>
-            </a:extLst>
-          </p:cNvPr>
-          <p:cNvPicPr>
-            <a:picLocks noChangeAspect="1"/>
-          </p:cNvPicPr>
-          <p:nvPr/>
-        </p:nvPicPr>
-        <p:blipFill>
-          <a:blip r:embed="rId5">
-            <a:extLst>
-              <a:ext uri="{28A0092B-C50C-407E-A947-70E740481C1C}">
-                <a14:useLocalDpi xmlns:a14="http://schemas.microsoft.com/office/drawing/2010/main" val="0"/>
-              </a:ext>
-            </a:extLst>
-          </a:blip>
-          <a:stretch>
-            <a:fillRect/>
-          </a:stretch>
-        </p:blipFill>
-        <p:spPr>
-          <a:xfrm>
-            <a:off x="5322690" y="5479123"/>
-            <a:ext cx="1050158" cy="1050158"/>
-          </a:xfrm>
-          <a:prstGeom prst="rect">
-            <a:avLst/>
-          </a:prstGeom>
-          <a:ln>
-            <a:noFill/>
-          </a:ln>
-          <a:effectLst>
-            <a:outerShdw blurRad="292100" dist="139700" dir="2700000" algn="tl" rotWithShape="0">
-              <a:srgbClr val="333333">
-                <a:alpha val="65000"/>
-              </a:srgbClr>
-            </a:outerShdw>
-          </a:effectLst>
-        </p:spPr>
-      </p:pic>
-      <p:pic>
-        <p:nvPicPr>
-          <p:cNvPr id="18" name="Picture 17" descr="A close up of a sign&#10;&#10;Description automatically generated">
-            <a:extLst>
-              <a:ext uri="{FF2B5EF4-FFF2-40B4-BE49-F238E27FC236}">
-                <a16:creationId xmlns:a16="http://schemas.microsoft.com/office/drawing/2014/main" id="{EDFE3A01-8238-41F8-85B1-5C4B613313BB}"/>
-              </a:ext>
-            </a:extLst>
-          </p:cNvPr>
-          <p:cNvPicPr>
-            <a:picLocks noChangeAspect="1"/>
-          </p:cNvPicPr>
-          <p:nvPr/>
-        </p:nvPicPr>
-        <p:blipFill>
-          <a:blip r:embed="rId6">
-            <a:extLst>
-              <a:ext uri="{28A0092B-C50C-407E-A947-70E740481C1C}">
-                <a14:useLocalDpi xmlns:a14="http://schemas.microsoft.com/office/drawing/2010/main" val="0"/>
-              </a:ext>
-            </a:extLst>
-          </a:blip>
-          <a:stretch>
-            <a:fillRect/>
-          </a:stretch>
-        </p:blipFill>
-        <p:spPr>
-          <a:xfrm>
-            <a:off x="4147741" y="5476659"/>
-            <a:ext cx="1050158" cy="1050158"/>
-          </a:xfrm>
-          <a:prstGeom prst="rect">
-            <a:avLst/>
-          </a:prstGeom>
-          <a:ln>
-            <a:noFill/>
-          </a:ln>
-          <a:effectLst>
-            <a:outerShdw blurRad="292100" dist="139700" dir="2700000" algn="tl" rotWithShape="0">
-              <a:srgbClr val="333333">
-                <a:alpha val="65000"/>
-              </a:srgbClr>
-            </a:outerShdw>
-          </a:effectLst>
-        </p:spPr>
-      </p:pic>
-      <p:pic>
-        <p:nvPicPr>
-          <p:cNvPr id="19" name="Picture 18" descr="A close up of a logo&#10;&#10;Description automatically generated">
-            <a:extLst>
-              <a:ext uri="{FF2B5EF4-FFF2-40B4-BE49-F238E27FC236}">
-                <a16:creationId xmlns:a16="http://schemas.microsoft.com/office/drawing/2014/main" id="{CE23C5F1-0887-4CD8-AA26-8E4C4EE2AC72}"/>
-              </a:ext>
-            </a:extLst>
-          </p:cNvPr>
-          <p:cNvPicPr>
-            <a:picLocks noChangeAspect="1"/>
-          </p:cNvPicPr>
-          <p:nvPr/>
-        </p:nvPicPr>
-        <p:blipFill>
-          <a:blip r:embed="rId7">
-            <a:extLst>
-              <a:ext uri="{28A0092B-C50C-407E-A947-70E740481C1C}">
-                <a14:useLocalDpi xmlns:a14="http://schemas.microsoft.com/office/drawing/2010/main" val="0"/>
-              </a:ext>
-            </a:extLst>
-          </a:blip>
-          <a:stretch>
-            <a:fillRect/>
-          </a:stretch>
-        </p:blipFill>
-        <p:spPr>
-          <a:xfrm>
-            <a:off x="2972793" y="5474195"/>
-            <a:ext cx="1050159" cy="1050159"/>
-          </a:xfrm>
-          <a:prstGeom prst="rect">
-            <a:avLst/>
-          </a:prstGeom>
-          <a:ln>
-            <a:noFill/>
-          </a:ln>
-          <a:effectLst>
-            <a:outerShdw blurRad="292100" dist="139700" dir="2700000" algn="tl" rotWithShape="0">
-              <a:srgbClr val="333333">
-                <a:alpha val="65000"/>
-              </a:srgbClr>
-            </a:outerShdw>
-          </a:effectLst>
-        </p:spPr>
-      </p:pic>
-      <p:pic>
-        <p:nvPicPr>
-          <p:cNvPr id="20" name="Picture 19" descr="A close up of a logo&#10;&#10;Description automatically generated">
-            <a:extLst>
-              <a:ext uri="{FF2B5EF4-FFF2-40B4-BE49-F238E27FC236}">
-                <a16:creationId xmlns:a16="http://schemas.microsoft.com/office/drawing/2014/main" id="{23EAC7B0-226F-48C5-A90C-4E55AAA40733}"/>
-              </a:ext>
-            </a:extLst>
-          </p:cNvPr>
-          <p:cNvPicPr>
-            <a:picLocks noChangeAspect="1"/>
-          </p:cNvPicPr>
-          <p:nvPr/>
-        </p:nvPicPr>
-        <p:blipFill>
-          <a:blip r:embed="rId8">
-            <a:extLst>
-              <a:ext uri="{28A0092B-C50C-407E-A947-70E740481C1C}">
-                <a14:useLocalDpi xmlns:a14="http://schemas.microsoft.com/office/drawing/2010/main" val="0"/>
-              </a:ext>
-            </a:extLst>
-          </a:blip>
-          <a:stretch>
-            <a:fillRect/>
-          </a:stretch>
-        </p:blipFill>
-        <p:spPr>
-          <a:xfrm>
-            <a:off x="613044" y="5471732"/>
-            <a:ext cx="1060013" cy="1060013"/>
-          </a:xfrm>
-          <a:prstGeom prst="rect">
-            <a:avLst/>
-          </a:prstGeom>
-          <a:ln>
-            <a:noFill/>
-          </a:ln>
-          <a:effectLst>
-            <a:outerShdw blurRad="292100" dist="139700" dir="2700000" algn="tl" rotWithShape="0">
-              <a:srgbClr val="333333">
-                <a:alpha val="65000"/>
-              </a:srgbClr>
-            </a:outerShdw>
-          </a:effectLst>
-        </p:spPr>
-      </p:pic>
-      <p:pic>
-        <p:nvPicPr>
-          <p:cNvPr id="21" name="Picture 20" descr="A close up of a logo&#10;&#10;Description automatically generated">
-            <a:extLst>
-              <a:ext uri="{FF2B5EF4-FFF2-40B4-BE49-F238E27FC236}">
-                <a16:creationId xmlns:a16="http://schemas.microsoft.com/office/drawing/2014/main" id="{5A9B5614-1211-47FE-9AAA-EFB067BDCC74}"/>
-              </a:ext>
-            </a:extLst>
-          </p:cNvPr>
-          <p:cNvPicPr>
-            <a:picLocks noChangeAspect="1"/>
-          </p:cNvPicPr>
-          <p:nvPr/>
-        </p:nvPicPr>
-        <p:blipFill>
-          <a:blip r:embed="rId9">
-            <a:extLst>
-              <a:ext uri="{28A0092B-C50C-407E-A947-70E740481C1C}">
-                <a14:useLocalDpi xmlns:a14="http://schemas.microsoft.com/office/drawing/2010/main" val="0"/>
-              </a:ext>
-            </a:extLst>
-          </a:blip>
-          <a:stretch>
-            <a:fillRect/>
-          </a:stretch>
-        </p:blipFill>
-        <p:spPr>
-          <a:xfrm>
-            <a:off x="1797846" y="5479123"/>
-            <a:ext cx="1050158" cy="1050158"/>
-          </a:xfrm>
-          <a:prstGeom prst="rect">
-            <a:avLst/>
-          </a:prstGeom>
-          <a:ln>
-            <a:noFill/>
-          </a:ln>
-          <a:effectLst>
-            <a:outerShdw blurRad="292100" dist="139700" dir="2700000" algn="tl" rotWithShape="0">
-              <a:srgbClr val="333333">
-                <a:alpha val="65000"/>
-              </a:srgbClr>
-            </a:outerShdw>
-          </a:effectLst>
-        </p:spPr>
-      </p:pic>
-      <p:sp>
-        <p:nvSpPr>
-          <p:cNvPr id="13" name="TextBox 12">
-            <a:extLst>
-              <a:ext uri="{FF2B5EF4-FFF2-40B4-BE49-F238E27FC236}">
-                <a16:creationId xmlns:a16="http://schemas.microsoft.com/office/drawing/2014/main" id="{2EC40C38-BF80-40F7-A9E2-3E1A3F328667}"/>
-              </a:ext>
-            </a:extLst>
-          </p:cNvPr>
-          <p:cNvSpPr txBox="1"/>
-          <p:nvPr/>
-        </p:nvSpPr>
-        <p:spPr>
-          <a:xfrm>
-            <a:off x="6310796" y="2610876"/>
-            <a:ext cx="5816821" cy="3754874"/>
-          </a:xfrm>
-          <a:prstGeom prst="rect">
-            <a:avLst/>
-          </a:prstGeom>
-          <a:noFill/>
-        </p:spPr>
-        <p:txBody>
-          <a:bodyPr wrap="square" rtlCol="0">
-            <a:spAutoFit/>
-          </a:bodyPr>
-          <a:lstStyle/>
-          <a:p>
-            <a:pPr marL="800100" marR="0" lvl="1" indent="-342900" algn="l" defTabSz="914400" rtl="0" eaLnBrk="1" fontAlgn="auto" latinLnBrk="0" hangingPunct="1">
-              <a:lnSpc>
-                <a:spcPct val="100000"/>
-              </a:lnSpc>
-              <a:spcBef>
-                <a:spcPts val="0"/>
-              </a:spcBef>
-              <a:spcAft>
-                <a:spcPts val="1200"/>
-              </a:spcAft>
-              <a:buClrTx/>
-              <a:buSzTx/>
-              <a:buFont typeface="Arial" panose="020B0604020202020204" pitchFamily="34" charset="0"/>
-              <a:buChar char="•"/>
-              <a:tabLst/>
-              <a:defRPr/>
-            </a:pPr>
-            <a:r>
-              <a:rPr kumimoji="0" lang="en-GB" sz="1800" b="0" i="0" u="none" strike="noStrike" kern="1200" cap="none" spc="0" normalizeH="0" baseline="0" noProof="0" dirty="0">
-                <a:ln>
-                  <a:noFill/>
-                </a:ln>
-                <a:solidFill>
-                  <a:prstClr val="white"/>
-                </a:solidFill>
-                <a:effectLst/>
-                <a:uLnTx/>
-                <a:uFillTx/>
-                <a:latin typeface="Segoe UI" panose="020B0502040204020203" pitchFamily="34" charset="0"/>
-                <a:ea typeface="+mn-ea"/>
-                <a:cs typeface="Segoe UI" panose="020B0502040204020203" pitchFamily="34" charset="0"/>
-              </a:rPr>
-              <a:t>Azure Heroes recognises Azure practitioners from across Europe</a:t>
-            </a:r>
-          </a:p>
-          <a:p>
-            <a:pPr marL="800100" marR="0" lvl="1" indent="-342900" algn="l" defTabSz="914400" rtl="0" eaLnBrk="1" fontAlgn="auto" latinLnBrk="0" hangingPunct="1">
-              <a:lnSpc>
-                <a:spcPct val="100000"/>
-              </a:lnSpc>
-              <a:spcBef>
-                <a:spcPts val="0"/>
-              </a:spcBef>
-              <a:spcAft>
-                <a:spcPts val="1200"/>
-              </a:spcAft>
-              <a:buClrTx/>
-              <a:buSzTx/>
-              <a:buFont typeface="Arial" panose="020B0604020202020204" pitchFamily="34" charset="0"/>
-              <a:buChar char="•"/>
-              <a:tabLst/>
-              <a:defRPr/>
-            </a:pPr>
-            <a:r>
-              <a:rPr kumimoji="0" lang="en-GB" sz="1800" b="0" i="0" u="none" strike="noStrike" kern="1200" cap="none" spc="0" normalizeH="0" baseline="0" noProof="0" dirty="0">
-                <a:ln>
-                  <a:noFill/>
-                </a:ln>
-                <a:solidFill>
-                  <a:prstClr val="white"/>
-                </a:solidFill>
-                <a:effectLst/>
-                <a:uLnTx/>
-                <a:uFillTx/>
-                <a:latin typeface="Segoe UI" panose="020B0502040204020203" pitchFamily="34" charset="0"/>
-                <a:ea typeface="+mn-ea"/>
-                <a:cs typeface="Segoe UI" panose="020B0502040204020203" pitchFamily="34" charset="0"/>
-              </a:rPr>
-              <a:t>The other digital badgers must be earned with verifiable acts of impact</a:t>
-            </a:r>
-          </a:p>
-          <a:p>
-            <a:pPr marL="800100" marR="0" lvl="1" indent="-342900" algn="l" defTabSz="914400" rtl="0" eaLnBrk="1" fontAlgn="auto" latinLnBrk="0" hangingPunct="1">
-              <a:lnSpc>
-                <a:spcPct val="100000"/>
-              </a:lnSpc>
-              <a:spcBef>
-                <a:spcPts val="0"/>
-              </a:spcBef>
-              <a:spcAft>
-                <a:spcPts val="1200"/>
-              </a:spcAft>
-              <a:buClrTx/>
-              <a:buSzTx/>
-              <a:buFont typeface="Arial" panose="020B0604020202020204" pitchFamily="34" charset="0"/>
-              <a:buChar char="•"/>
-              <a:tabLst/>
-              <a:defRPr/>
-            </a:pPr>
-            <a:r>
-              <a:rPr kumimoji="0" lang="en-GB" sz="1800" b="0" i="0" u="none" strike="noStrike" kern="1200" cap="none" spc="0" normalizeH="0" baseline="0" noProof="0" dirty="0">
-                <a:ln>
-                  <a:noFill/>
-                </a:ln>
-                <a:solidFill>
-                  <a:prstClr val="white"/>
-                </a:solidFill>
-                <a:effectLst/>
-                <a:uLnTx/>
-                <a:uFillTx/>
-                <a:latin typeface="Segoe UI" panose="020B0502040204020203" pitchFamily="34" charset="0"/>
-                <a:ea typeface="+mn-ea"/>
-                <a:cs typeface="Segoe UI" panose="020B0502040204020203" pitchFamily="34" charset="0"/>
-              </a:rPr>
-              <a:t>Our digital badgers live on the blockchain and are verifiably scarce, so they require a free blockchain wallet to safely store them</a:t>
-            </a:r>
-          </a:p>
-          <a:p>
-            <a:pPr marL="800100" marR="0" lvl="1" indent="-342900" algn="l" defTabSz="914400" rtl="0" eaLnBrk="1" fontAlgn="auto" latinLnBrk="0" hangingPunct="1">
-              <a:lnSpc>
-                <a:spcPct val="100000"/>
-              </a:lnSpc>
-              <a:spcBef>
-                <a:spcPts val="0"/>
-              </a:spcBef>
-              <a:spcAft>
-                <a:spcPts val="1200"/>
-              </a:spcAft>
-              <a:buClrTx/>
-              <a:buSzTx/>
-              <a:buFont typeface="Arial" panose="020B0604020202020204" pitchFamily="34" charset="0"/>
-              <a:buChar char="•"/>
-              <a:tabLst/>
-              <a:defRPr/>
-            </a:pPr>
-            <a:r>
-              <a:rPr kumimoji="0" lang="en-GB" sz="1800" b="1" i="0" u="none" strike="noStrike" kern="1200" cap="none" spc="0" normalizeH="0" baseline="0" noProof="0" dirty="0">
-                <a:ln>
-                  <a:noFill/>
-                </a:ln>
-                <a:solidFill>
-                  <a:prstClr val="white"/>
-                </a:solidFill>
-                <a:effectLst/>
-                <a:uLnTx/>
-                <a:uFillTx/>
-                <a:latin typeface="Segoe UI" panose="020B0502040204020203" pitchFamily="34" charset="0"/>
-                <a:ea typeface="+mn-ea"/>
-                <a:cs typeface="Segoe UI" panose="020B0502040204020203" pitchFamily="34" charset="0"/>
-                <a:hlinkClick r:id="rId10">
-                  <a:extLst>
-                    <a:ext uri="{A12FA001-AC4F-418D-AE19-62706E023703}">
-                      <ahyp:hlinkClr xmlns:ahyp="http://schemas.microsoft.com/office/drawing/2018/hyperlinkcolor" val="tx"/>
-                    </a:ext>
-                  </a:extLst>
-                </a:hlinkClick>
-              </a:rPr>
-              <a:t>NOMINATE</a:t>
-            </a:r>
-            <a:r>
-              <a:rPr kumimoji="0" lang="en-GB" sz="1800" b="1" i="0" u="none" strike="noStrike" kern="1200" cap="none" spc="0" normalizeH="0" baseline="0" noProof="0" dirty="0">
-                <a:ln>
-                  <a:noFill/>
-                </a:ln>
-                <a:solidFill>
-                  <a:prstClr val="white"/>
-                </a:solidFill>
-                <a:effectLst/>
-                <a:uLnTx/>
-                <a:uFillTx/>
-                <a:latin typeface="Segoe UI" panose="020B0502040204020203" pitchFamily="34" charset="0"/>
-                <a:ea typeface="+mn-ea"/>
-                <a:cs typeface="Segoe UI" panose="020B0502040204020203" pitchFamily="34" charset="0"/>
-              </a:rPr>
-              <a:t> yourself or a community hero around you</a:t>
-            </a:r>
-            <a:endParaRPr kumimoji="0" lang="en-GB" sz="1800" b="0" i="0" u="none" strike="noStrike" kern="1200" cap="none" spc="0" normalizeH="0" baseline="0" noProof="0" dirty="0">
-              <a:ln>
-                <a:noFill/>
-              </a:ln>
-              <a:solidFill>
-                <a:prstClr val="white"/>
-              </a:solidFill>
-              <a:effectLst/>
-              <a:uLnTx/>
-              <a:uFillTx/>
-              <a:latin typeface="Segoe UI" panose="020B0502040204020203" pitchFamily="34" charset="0"/>
-              <a:ea typeface="+mn-ea"/>
-              <a:cs typeface="Segoe UI" panose="020B0502040204020203" pitchFamily="34" charset="0"/>
-            </a:endParaRPr>
-          </a:p>
-          <a:p>
-            <a:pPr marL="800100" marR="0" lvl="1" indent="-342900" algn="l" defTabSz="914400" rtl="0" eaLnBrk="1" fontAlgn="auto" latinLnBrk="0" hangingPunct="1">
-              <a:lnSpc>
-                <a:spcPct val="100000"/>
-              </a:lnSpc>
-              <a:spcBef>
-                <a:spcPts val="0"/>
-              </a:spcBef>
-              <a:spcAft>
-                <a:spcPts val="1200"/>
-              </a:spcAft>
-              <a:buClrTx/>
-              <a:buSzTx/>
-              <a:buFont typeface="Arial" panose="020B0604020202020204" pitchFamily="34" charset="0"/>
-              <a:buChar char="•"/>
-              <a:tabLst/>
-              <a:defRPr/>
-            </a:pPr>
-            <a:r>
-              <a:rPr kumimoji="0" lang="en-GB" sz="1800" b="0" i="0" u="none" strike="noStrike" kern="1200" cap="none" spc="0" normalizeH="0" baseline="0" noProof="0" dirty="0">
-                <a:ln>
-                  <a:noFill/>
-                </a:ln>
-                <a:solidFill>
-                  <a:prstClr val="white"/>
-                </a:solidFill>
-                <a:effectLst/>
-                <a:uLnTx/>
-                <a:uFillTx/>
-                <a:latin typeface="Segoe UI" panose="020B0502040204020203" pitchFamily="34" charset="0"/>
-                <a:ea typeface="+mn-ea"/>
-                <a:cs typeface="Segoe UI" panose="020B0502040204020203" pitchFamily="34" charset="0"/>
-              </a:rPr>
-              <a:t>For more information visit: </a:t>
-            </a:r>
-            <a:r>
-              <a:rPr kumimoji="0" lang="en-GB" sz="1800" b="1" i="0" u="none" strike="noStrike" kern="1200" cap="none" spc="0" normalizeH="0" baseline="0" noProof="0" dirty="0">
-                <a:ln>
-                  <a:noFill/>
-                </a:ln>
-                <a:solidFill>
-                  <a:prstClr val="white"/>
-                </a:solidFill>
-                <a:effectLst/>
-                <a:uLnTx/>
-                <a:uFillTx/>
-                <a:latin typeface="Segoe UI" panose="020B0502040204020203" pitchFamily="34" charset="0"/>
-                <a:ea typeface="+mn-ea"/>
-                <a:cs typeface="Segoe UI" panose="020B0502040204020203" pitchFamily="34" charset="0"/>
-              </a:rPr>
-              <a:t>aka.ms/</a:t>
-            </a:r>
-            <a:r>
-              <a:rPr kumimoji="0" lang="en-GB" sz="1800" b="1" i="0" u="none" strike="noStrike" kern="1200" cap="none" spc="0" normalizeH="0" baseline="0" noProof="0" dirty="0" err="1">
-                <a:ln>
-                  <a:noFill/>
-                </a:ln>
-                <a:solidFill>
-                  <a:prstClr val="white"/>
-                </a:solidFill>
-                <a:effectLst/>
-                <a:uLnTx/>
-                <a:uFillTx/>
-                <a:latin typeface="Segoe UI" panose="020B0502040204020203" pitchFamily="34" charset="0"/>
-                <a:ea typeface="+mn-ea"/>
-                <a:cs typeface="Segoe UI" panose="020B0502040204020203" pitchFamily="34" charset="0"/>
-              </a:rPr>
-              <a:t>azure.heroes</a:t>
-            </a:r>
-            <a:endParaRPr kumimoji="0" lang="en-GB" sz="1800" b="1" i="0" u="none" strike="noStrike" kern="1200" cap="none" spc="0" normalizeH="0" baseline="0" noProof="0" dirty="0">
-              <a:ln>
-                <a:noFill/>
-              </a:ln>
-              <a:solidFill>
-                <a:prstClr val="white"/>
-              </a:solidFill>
-              <a:effectLst/>
-              <a:uLnTx/>
-              <a:uFillTx/>
-              <a:latin typeface="Segoe UI" panose="020B0502040204020203" pitchFamily="34" charset="0"/>
-              <a:ea typeface="+mn-ea"/>
-              <a:cs typeface="Segoe UI" panose="020B0502040204020203" pitchFamily="34" charset="0"/>
-            </a:endParaRPr>
-          </a:p>
-        </p:txBody>
-      </p:sp>
-      <p:pic>
-        <p:nvPicPr>
-          <p:cNvPr id="2050" name="Picture 2">
-            <a:extLst>
-              <a:ext uri="{FF2B5EF4-FFF2-40B4-BE49-F238E27FC236}">
-                <a16:creationId xmlns:a16="http://schemas.microsoft.com/office/drawing/2014/main" id="{D6E0790D-0EA3-41EE-AD3E-021FE77866A7}"/>
-              </a:ext>
-            </a:extLst>
-          </p:cNvPr>
-          <p:cNvPicPr>
-            <a:picLocks noChangeAspect="1" noChangeArrowheads="1"/>
-          </p:cNvPicPr>
-          <p:nvPr/>
-        </p:nvPicPr>
-        <p:blipFill>
-          <a:blip r:embed="rId11">
-            <a:extLst>
-              <a:ext uri="{28A0092B-C50C-407E-A947-70E740481C1C}">
-                <a14:useLocalDpi xmlns:a14="http://schemas.microsoft.com/office/drawing/2010/main" val="0"/>
-              </a:ext>
-            </a:extLst>
-          </a:blip>
-          <a:srcRect/>
-          <a:stretch>
-            <a:fillRect/>
-          </a:stretch>
-        </p:blipFill>
-        <p:spPr bwMode="auto">
-          <a:xfrm>
-            <a:off x="613044" y="2352459"/>
-            <a:ext cx="2652558" cy="2652558"/>
-          </a:xfrm>
-          <a:prstGeom prst="rect">
-            <a:avLst/>
-          </a:prstGeom>
-          <a:noFill/>
-          <a:extLst>
-            <a:ext uri="{909E8E84-426E-40DD-AFC4-6F175D3DCCD1}">
-              <a14:hiddenFill xmlns:a14="http://schemas.microsoft.com/office/drawing/2010/main">
-                <a:solidFill>
-                  <a:srgbClr val="FFFFFF"/>
-                </a:solidFill>
-              </a14:hiddenFill>
-            </a:ext>
-          </a:extLst>
-        </p:spPr>
-      </p:pic>
-      <p:pic>
-        <p:nvPicPr>
-          <p:cNvPr id="24" name="Picture 23">
-            <a:extLst>
-              <a:ext uri="{FF2B5EF4-FFF2-40B4-BE49-F238E27FC236}">
-                <a16:creationId xmlns:a16="http://schemas.microsoft.com/office/drawing/2014/main" id="{BEF805B7-A1F3-448A-B2E1-7BD4F386E383}"/>
-              </a:ext>
-            </a:extLst>
-          </p:cNvPr>
-          <p:cNvPicPr/>
-          <p:nvPr/>
-        </p:nvPicPr>
-        <p:blipFill>
-          <a:blip r:embed="rId12">
-            <a:extLst>
-              <a:ext uri="{28A0092B-C50C-407E-A947-70E740481C1C}">
-                <a14:useLocalDpi xmlns:a14="http://schemas.microsoft.com/office/drawing/2010/main" val="0"/>
-              </a:ext>
-            </a:extLst>
-          </a:blip>
-          <a:srcRect/>
-          <a:stretch>
-            <a:fillRect/>
-          </a:stretch>
-        </p:blipFill>
-        <p:spPr bwMode="auto">
-          <a:xfrm>
-            <a:off x="3677064" y="2444758"/>
-            <a:ext cx="2483774" cy="2483774"/>
-          </a:xfrm>
-          <a:prstGeom prst="rect">
-            <a:avLst/>
-          </a:prstGeom>
-          <a:noFill/>
-          <a:ln>
-            <a:noFill/>
-          </a:ln>
-        </p:spPr>
-      </p:pic>
-    </p:spTree>
-    <p:extLst>
-      <p:ext uri="{BB962C8B-B14F-4D97-AF65-F5344CB8AC3E}">
-        <p14:creationId xmlns:p14="http://schemas.microsoft.com/office/powerpoint/2010/main" val="2303228845"/>
-      </p:ext>
-    </p:extLst>
-  </p:cSld>
-  <p:clrMapOvr>
-    <a:masterClrMapping/>
-  </p:clrMapOvr>
-  <p:transition spd="med">
-    <p:fade/>
-  </p:transition>
-  <p:timing>
-    <p:tnLst>
-      <p:par>
-        <p:cTn id="1" dur="indefinite" restart="never" nodeType="tmRoot">
-          <p:childTnLst>
-            <p:seq concurrent="1" nextAc="seek">
-              <p:cTn id="2" dur="indefinite" nodeType="mainSeq">
-                <p:childTnLst>
-                  <p:par>
-                    <p:cTn id="3" fill="hold">
-                      <p:stCondLst>
-                        <p:cond delay="indefinite"/>
-                        <p:cond evt="onBegin" delay="0">
-                          <p:tn val="2"/>
-                        </p:cond>
-                      </p:stCondLst>
-                      <p:childTnLst>
-                        <p:par>
-                          <p:cTn id="4" fill="hold">
-                            <p:stCondLst>
-                              <p:cond delay="0"/>
-                            </p:stCondLst>
-                            <p:childTnLst>
-                              <p:par>
-                                <p:cTn id="5" presetID="10" presetClass="entr" presetSubtype="0" fill="hold" grpId="0" nodeType="afterEffect" nodePh="1">
-                                  <p:stCondLst>
-                                    <p:cond delay="750"/>
-                                  </p:stCondLst>
-                                  <p:endCondLst>
-                                    <p:cond evt="begin" delay="0">
-                                      <p:tn val="5"/>
-                                    </p:cond>
-                                  </p:endCondLst>
-                                  <p:childTnLst>
-                                    <p:set>
-                                      <p:cBhvr>
-                                        <p:cTn id="6" dur="1" fill="hold">
-                                          <p:stCondLst>
-                                            <p:cond delay="0"/>
-                                          </p:stCondLst>
-                                        </p:cTn>
-                                        <p:tgtEl>
-                                          <p:spTgt spid="2"/>
-                                        </p:tgtEl>
-                                        <p:attrNameLst>
-                                          <p:attrName>style.visibility</p:attrName>
-                                        </p:attrNameLst>
-                                      </p:cBhvr>
-                                      <p:to>
-                                        <p:strVal val="visible"/>
-                                      </p:to>
-                                    </p:set>
-                                    <p:animEffect transition="in" filter="fade">
-                                      <p:cBhvr>
-                                        <p:cTn id="7" dur="500"/>
-                                        <p:tgtEl>
-                                          <p:spTgt spid="2"/>
-                                        </p:tgtEl>
-                                      </p:cBhvr>
-                                    </p:animEffect>
-                                  </p:childTnLst>
-                                </p:cTn>
-                              </p:par>
-                            </p:childTnLst>
-                          </p:cTn>
-                        </p:par>
-                      </p:childTnLst>
-                    </p:cTn>
-                  </p:par>
-                </p:childTnLst>
-              </p:cTn>
-              <p:prevCondLst>
-                <p:cond evt="onPrev" delay="0">
-                  <p:tgtEl>
-                    <p:sldTgt/>
-                  </p:tgtEl>
-                </p:cond>
-              </p:prevCondLst>
-              <p:nextCondLst>
-                <p:cond evt="onNext" delay="0">
-                  <p:tgtEl>
-                    <p:sldTgt/>
-                  </p:tgtEl>
-                </p:cond>
-              </p:nextCondLst>
-            </p:seq>
-          </p:childTnLst>
-        </p:cTn>
-      </p:par>
-    </p:tnLst>
-    <p:bldLst>
-      <p:bldP spid="2" grpId="0"/>
-    </p:bldLst>
-  </p:timing>
-</p:sld>
-</file>
-
-<file path=ppt/slides/slide14.xml><?xml version="1.0" encoding="utf-8"?>
 <p:sld xmlns:a="http://schemas.openxmlformats.org/drawingml/2006/main" xmlns:r="http://schemas.openxmlformats.org/officeDocument/2006/relationships" xmlns:p="http://schemas.openxmlformats.org/presentationml/2006/main">
   <p:cSld>
     <p:spTree>
@@ -24387,7 +19506,7 @@
           <a:p>
             <a:r>
               <a:rPr lang="de-AT" dirty="0"/>
-              <a:t>Angular Meetup Graz</a:t>
+              <a:t>.NET Meetup Wien</a:t>
             </a:r>
             <a:endParaRPr lang="en-US" dirty="0"/>
           </a:p>
@@ -24896,7 +20015,7 @@
           <a:p>
             <a:r>
               <a:rPr lang="en-US" dirty="0"/>
-              <a:t>https://aka.ms/AA8wwcu</a:t>
+              <a:t>https://aka.ms/AA9d5ze</a:t>
             </a:r>
             <a:endParaRPr lang="en-AT" dirty="0"/>
           </a:p>
@@ -24904,10 +20023,10 @@
       </p:sp>
       <p:pic>
         <p:nvPicPr>
-          <p:cNvPr id="4" name="Picture 3" descr="A picture containing drawing&#10;&#10;Description automatically generated">
+          <p:cNvPr id="3" name="Picture 2" descr="A picture containing drawing&#10;&#10;Description automatically generated">
             <a:extLst>
               <a:ext uri="{FF2B5EF4-FFF2-40B4-BE49-F238E27FC236}">
-                <a16:creationId xmlns:a16="http://schemas.microsoft.com/office/drawing/2014/main" id="{061DC30A-DBBC-4F1E-9CFE-0A7AED456CDB}"/>
+                <a16:creationId xmlns:a16="http://schemas.microsoft.com/office/drawing/2014/main" id="{AEF1B969-7A0A-44EF-8EE9-8F248530DB50}"/>
               </a:ext>
             </a:extLst>
           </p:cNvPr>
@@ -24930,8 +20049,8 @@
         </p:blipFill>
         <p:spPr>
           <a:xfrm>
-            <a:off x="8638943" y="2277704"/>
-            <a:ext cx="2895499" cy="2875935"/>
+            <a:off x="8472738" y="2118309"/>
+            <a:ext cx="3086100" cy="3057525"/>
           </a:xfrm>
           <a:prstGeom prst="rect">
             <a:avLst/>
@@ -24942,6 +20061,106 @@
     <p:extLst>
       <p:ext uri="{BB962C8B-B14F-4D97-AF65-F5344CB8AC3E}">
         <p14:creationId xmlns:p14="http://schemas.microsoft.com/office/powerpoint/2010/main" val="400583608"/>
+      </p:ext>
+    </p:extLst>
+  </p:cSld>
+  <p:clrMapOvr>
+    <a:masterClrMapping/>
+  </p:clrMapOvr>
+  <mc:AlternateContent xmlns:mc="http://schemas.openxmlformats.org/markup-compatibility/2006" xmlns:p14="http://schemas.microsoft.com/office/powerpoint/2010/main">
+    <mc:Choice Requires="p14">
+      <p:transition spd="med" p14:dur="700">
+        <p:fade/>
+      </p:transition>
+    </mc:Choice>
+    <mc:Fallback xmlns="">
+      <p:transition spd="med">
+        <p:fade/>
+      </p:transition>
+    </mc:Fallback>
+  </mc:AlternateContent>
+</p:sld>
+</file>
+
+<file path=ppt/slides/slide4.xml><?xml version="1.0" encoding="utf-8"?>
+<p:sld xmlns:a="http://schemas.openxmlformats.org/drawingml/2006/main" xmlns:r="http://schemas.openxmlformats.org/officeDocument/2006/relationships" xmlns:p="http://schemas.openxmlformats.org/presentationml/2006/main">
+  <p:cSld>
+    <p:spTree>
+      <p:nvGrpSpPr>
+        <p:cNvPr id="1" name=""/>
+        <p:cNvGrpSpPr/>
+        <p:nvPr/>
+      </p:nvGrpSpPr>
+      <p:grpSpPr>
+        <a:xfrm>
+          <a:off x="0" y="0"/>
+          <a:ext cx="0" cy="0"/>
+          <a:chOff x="0" y="0"/>
+          <a:chExt cx="0" cy="0"/>
+        </a:xfrm>
+      </p:grpSpPr>
+      <p:sp>
+        <p:nvSpPr>
+          <p:cNvPr id="7" name="Title 6">
+            <a:extLst>
+              <a:ext uri="{FF2B5EF4-FFF2-40B4-BE49-F238E27FC236}">
+                <a16:creationId xmlns:a16="http://schemas.microsoft.com/office/drawing/2014/main" id="{F902514A-C71D-405C-85AA-689F5DEEB3B0}"/>
+              </a:ext>
+            </a:extLst>
+          </p:cNvPr>
+          <p:cNvSpPr>
+            <a:spLocks noGrp="1"/>
+          </p:cNvSpPr>
+          <p:nvPr>
+            <p:ph type="title"/>
+          </p:nvPr>
+        </p:nvSpPr>
+        <p:spPr/>
+        <p:txBody>
+          <a:bodyPr/>
+          <a:lstStyle/>
+          <a:p>
+            <a:r>
+              <a:rPr lang="en-US" dirty="0"/>
+              <a:t>Free Azure Trainings</a:t>
+            </a:r>
+            <a:endParaRPr lang="en-AT" dirty="0"/>
+          </a:p>
+        </p:txBody>
+      </p:sp>
+      <p:sp>
+        <p:nvSpPr>
+          <p:cNvPr id="8" name="Text Placeholder 7">
+            <a:extLst>
+              <a:ext uri="{FF2B5EF4-FFF2-40B4-BE49-F238E27FC236}">
+                <a16:creationId xmlns:a16="http://schemas.microsoft.com/office/drawing/2014/main" id="{E5926B32-B010-43F2-9C70-100623FCBBC4}"/>
+              </a:ext>
+            </a:extLst>
+          </p:cNvPr>
+          <p:cNvSpPr>
+            <a:spLocks noGrp="1"/>
+          </p:cNvSpPr>
+          <p:nvPr>
+            <p:ph type="body" sz="quarter" idx="25"/>
+          </p:nvPr>
+        </p:nvSpPr>
+        <p:spPr/>
+        <p:txBody>
+          <a:bodyPr/>
+          <a:lstStyle/>
+          <a:p>
+            <a:r>
+              <a:rPr lang="en-US" dirty="0"/>
+              <a:t>https://aka.ms/discoverAUSTRIA-Azure</a:t>
+            </a:r>
+            <a:endParaRPr lang="en-AT" dirty="0"/>
+          </a:p>
+        </p:txBody>
+      </p:sp>
+    </p:spTree>
+    <p:extLst>
+      <p:ext uri="{BB962C8B-B14F-4D97-AF65-F5344CB8AC3E}">
+        <p14:creationId xmlns:p14="http://schemas.microsoft.com/office/powerpoint/2010/main" val="3401391048"/>
       </p:ext>
     </p:extLst>
   </p:cSld>
@@ -24963,7 +20182,7 @@
 </p:sld>
 </file>
 
-<file path=ppt/slides/slide4.xml><?xml version="1.0" encoding="utf-8"?>
+<file path=ppt/slides/slide5.xml><?xml version="1.0" encoding="utf-8"?>
 <p:sld xmlns:a="http://schemas.openxmlformats.org/drawingml/2006/main" xmlns:r="http://schemas.openxmlformats.org/officeDocument/2006/relationships" xmlns:p="http://schemas.openxmlformats.org/presentationml/2006/main" showMasterPhAnim="0">
   <p:cSld>
     <p:spTree>
@@ -29215,7 +24434,7 @@
 </p:sld>
 </file>
 
-<file path=ppt/slides/slide5.xml><?xml version="1.0" encoding="utf-8"?>
+<file path=ppt/slides/slide6.xml><?xml version="1.0" encoding="utf-8"?>
 <p:sld xmlns:a="http://schemas.openxmlformats.org/drawingml/2006/main" xmlns:r="http://schemas.openxmlformats.org/officeDocument/2006/relationships" xmlns:p="http://schemas.openxmlformats.org/presentationml/2006/main">
   <p:cSld>
     <p:spTree>
@@ -29350,240 +24569,6 @@
     <p:extLst>
       <p:ext uri="{BB962C8B-B14F-4D97-AF65-F5344CB8AC3E}">
         <p14:creationId xmlns:p14="http://schemas.microsoft.com/office/powerpoint/2010/main" val="1186892857"/>
-      </p:ext>
-    </p:extLst>
-  </p:cSld>
-  <p:clrMapOvr>
-    <a:masterClrMapping/>
-  </p:clrMapOvr>
-  <mc:AlternateContent xmlns:mc="http://schemas.openxmlformats.org/markup-compatibility/2006" xmlns:p14="http://schemas.microsoft.com/office/powerpoint/2010/main">
-    <mc:Choice Requires="p14">
-      <p:transition spd="med" p14:dur="700">
-        <p:fade/>
-      </p:transition>
-    </mc:Choice>
-    <mc:Fallback xmlns="">
-      <p:transition spd="med">
-        <p:fade/>
-      </p:transition>
-    </mc:Fallback>
-  </mc:AlternateContent>
-</p:sld>
-</file>
-
-<file path=ppt/slides/slide6.xml><?xml version="1.0" encoding="utf-8"?>
-<p:sld xmlns:a="http://schemas.openxmlformats.org/drawingml/2006/main" xmlns:r="http://schemas.openxmlformats.org/officeDocument/2006/relationships" xmlns:p="http://schemas.openxmlformats.org/presentationml/2006/main">
-  <p:cSld>
-    <p:spTree>
-      <p:nvGrpSpPr>
-        <p:cNvPr id="1" name=""/>
-        <p:cNvGrpSpPr/>
-        <p:nvPr/>
-      </p:nvGrpSpPr>
-      <p:grpSpPr>
-        <a:xfrm>
-          <a:off x="0" y="0"/>
-          <a:ext cx="0" cy="0"/>
-          <a:chOff x="0" y="0"/>
-          <a:chExt cx="0" cy="0"/>
-        </a:xfrm>
-      </p:grpSpPr>
-      <p:sp>
-        <p:nvSpPr>
-          <p:cNvPr id="4" name="Title 3">
-            <a:extLst>
-              <a:ext uri="{FF2B5EF4-FFF2-40B4-BE49-F238E27FC236}">
-                <a16:creationId xmlns:a16="http://schemas.microsoft.com/office/drawing/2014/main" id="{C427478D-7194-4E1A-9CB8-7F0C9CD1B2E4}"/>
-              </a:ext>
-            </a:extLst>
-          </p:cNvPr>
-          <p:cNvSpPr>
-            <a:spLocks noGrp="1"/>
-          </p:cNvSpPr>
-          <p:nvPr>
-            <p:ph type="title"/>
-          </p:nvPr>
-        </p:nvSpPr>
-        <p:spPr/>
-        <p:txBody>
-          <a:bodyPr/>
-          <a:lstStyle/>
-          <a:p>
-            <a:r>
-              <a:rPr lang="en-US" dirty="0" err="1"/>
-              <a:t>SignalR</a:t>
-            </a:r>
-            <a:r>
-              <a:rPr lang="en-US" dirty="0"/>
-              <a:t> Protocol (</a:t>
-            </a:r>
-            <a:r>
-              <a:rPr lang="en-US" dirty="0">
-                <a:hlinkClick r:id="rId2"/>
-              </a:rPr>
-              <a:t>GitHub</a:t>
-            </a:r>
-            <a:r>
-              <a:rPr lang="en-US" dirty="0"/>
-              <a:t>)</a:t>
-            </a:r>
-          </a:p>
-        </p:txBody>
-      </p:sp>
-      <p:sp>
-        <p:nvSpPr>
-          <p:cNvPr id="5" name="Content Placeholder 4">
-            <a:extLst>
-              <a:ext uri="{FF2B5EF4-FFF2-40B4-BE49-F238E27FC236}">
-                <a16:creationId xmlns:a16="http://schemas.microsoft.com/office/drawing/2014/main" id="{66D3ADA5-991A-493B-9508-C54733C77328}"/>
-              </a:ext>
-            </a:extLst>
-          </p:cNvPr>
-          <p:cNvSpPr>
-            <a:spLocks noGrp="1"/>
-          </p:cNvSpPr>
-          <p:nvPr>
-            <p:ph sz="quarter" idx="12"/>
-          </p:nvPr>
-        </p:nvSpPr>
-        <p:spPr/>
-        <p:txBody>
-          <a:bodyPr/>
-          <a:lstStyle/>
-          <a:p>
-            <a:r>
-              <a:rPr lang="en-US" dirty="0"/>
-              <a:t>Protocol for duplex RPC</a:t>
-            </a:r>
-          </a:p>
-          <a:p>
-            <a:pPr lvl="1"/>
-            <a:r>
-              <a:rPr lang="en-US" dirty="0"/>
-              <a:t>Works with any message-based transport (</a:t>
-            </a:r>
-            <a:r>
-              <a:rPr lang="en-US" dirty="0">
-                <a:hlinkClick r:id="rId3"/>
-              </a:rPr>
-              <a:t>transport requirements</a:t>
-            </a:r>
-            <a:r>
-              <a:rPr lang="en-US" dirty="0"/>
-              <a:t>)</a:t>
-            </a:r>
-          </a:p>
-          <a:p>
-            <a:pPr lvl="1"/>
-            <a:r>
-              <a:rPr lang="en-US" dirty="0"/>
-              <a:t>Encodings: JSON, </a:t>
-            </a:r>
-            <a:r>
-              <a:rPr lang="en-US" dirty="0" err="1">
-                <a:hlinkClick r:id="rId4"/>
-              </a:rPr>
-              <a:t>MessagePack</a:t>
-            </a:r>
-            <a:endParaRPr lang="en-US" dirty="0"/>
-          </a:p>
-          <a:p>
-            <a:r>
-              <a:rPr lang="en-US" dirty="0"/>
-              <a:t>Handshaking</a:t>
-            </a:r>
-          </a:p>
-          <a:p>
-            <a:pPr lvl="1"/>
-            <a:r>
-              <a:rPr lang="en-US" dirty="0"/>
-              <a:t>Client and server agreeing on a protocol version (handshake messages always JSON)</a:t>
-            </a:r>
-          </a:p>
-          <a:p>
-            <a:r>
-              <a:rPr lang="en-US" dirty="0"/>
-              <a:t>Invocation Types</a:t>
-            </a:r>
-          </a:p>
-          <a:p>
-            <a:pPr lvl="1"/>
-            <a:r>
-              <a:rPr lang="en-US" i="1" dirty="0"/>
-              <a:t>Blocking invocation </a:t>
-            </a:r>
-            <a:r>
-              <a:rPr lang="en-US" dirty="0"/>
-              <a:t>– caller calls </a:t>
-            </a:r>
-            <a:r>
-              <a:rPr lang="en-US" dirty="0" err="1"/>
-              <a:t>callee</a:t>
-            </a:r>
-            <a:r>
-              <a:rPr lang="en-US" dirty="0"/>
-              <a:t> and expects optional result synchronously</a:t>
-            </a:r>
-          </a:p>
-          <a:p>
-            <a:pPr lvl="1"/>
-            <a:r>
-              <a:rPr lang="en-US" i="1" dirty="0"/>
-              <a:t>Non-blocking invocation </a:t>
-            </a:r>
-            <a:r>
-              <a:rPr lang="en-US" dirty="0"/>
-              <a:t>– no result expected</a:t>
-            </a:r>
-          </a:p>
-          <a:p>
-            <a:pPr lvl="1"/>
-            <a:r>
-              <a:rPr lang="en-US" i="1" dirty="0"/>
-              <a:t>Streaming invocation </a:t>
-            </a:r>
-            <a:r>
-              <a:rPr lang="en-US" dirty="0"/>
-              <a:t>– one or more results</a:t>
-            </a:r>
-          </a:p>
-          <a:p>
-            <a:r>
-              <a:rPr lang="en-US" dirty="0"/>
-              <a:t>Pings to detect unexpected disconnects</a:t>
-            </a:r>
-          </a:p>
-        </p:txBody>
-      </p:sp>
-      <p:sp>
-        <p:nvSpPr>
-          <p:cNvPr id="6" name="Text Placeholder 5">
-            <a:extLst>
-              <a:ext uri="{FF2B5EF4-FFF2-40B4-BE49-F238E27FC236}">
-                <a16:creationId xmlns:a16="http://schemas.microsoft.com/office/drawing/2014/main" id="{E01EB435-D094-4A9E-8FF1-878B434DBC11}"/>
-              </a:ext>
-            </a:extLst>
-          </p:cNvPr>
-          <p:cNvSpPr>
-            <a:spLocks noGrp="1"/>
-          </p:cNvSpPr>
-          <p:nvPr>
-            <p:ph type="body" sz="quarter" idx="23"/>
-          </p:nvPr>
-        </p:nvSpPr>
-        <p:spPr/>
-        <p:txBody>
-          <a:bodyPr/>
-          <a:lstStyle/>
-          <a:p>
-            <a:endParaRPr lang="en-US"/>
-          </a:p>
-        </p:txBody>
-      </p:sp>
-    </p:spTree>
-    <p:extLst>
-      <p:ext uri="{BB962C8B-B14F-4D97-AF65-F5344CB8AC3E}">
-        <p14:creationId xmlns:p14="http://schemas.microsoft.com/office/powerpoint/2010/main" val="4225617341"/>
       </p:ext>
     </p:extLst>
   </p:cSld>
@@ -29624,10 +24609,10 @@
       </p:grpSpPr>
       <p:sp>
         <p:nvSpPr>
-          <p:cNvPr id="2" name="Title 1">
+          <p:cNvPr id="4" name="Title 3">
             <a:extLst>
               <a:ext uri="{FF2B5EF4-FFF2-40B4-BE49-F238E27FC236}">
-                <a16:creationId xmlns:a16="http://schemas.microsoft.com/office/drawing/2014/main" id="{B3A7E989-A0CB-448F-A7E1-A4DB54B1DD57}"/>
+                <a16:creationId xmlns:a16="http://schemas.microsoft.com/office/drawing/2014/main" id="{C427478D-7194-4E1A-9CB8-7F0C9CD1B2E4}"/>
               </a:ext>
             </a:extLst>
           </p:cNvPr>
@@ -29644,19 +24629,32 @@
           <a:lstStyle/>
           <a:p>
             <a:r>
-              <a:rPr lang="de-AT" dirty="0" err="1"/>
+              <a:rPr lang="en-US" dirty="0" err="1"/>
               <a:t>SignalR</a:t>
             </a:r>
-            <a:endParaRPr lang="de-AT" dirty="0"/>
+            <a:r>
+              <a:rPr lang="en-US" dirty="0"/>
+              <a:t> Protocol (</a:t>
+            </a:r>
+            <a:r>
+              <a:rPr lang="en-US" dirty="0">
+                <a:hlinkClick r:id="rId2"/>
+              </a:rPr>
+              <a:t>GitHub</a:t>
+            </a:r>
+            <a:r>
+              <a:rPr lang="en-US" dirty="0"/>
+              <a:t>)</a:t>
+            </a:r>
           </a:p>
         </p:txBody>
       </p:sp>
       <p:sp>
         <p:nvSpPr>
-          <p:cNvPr id="3" name="Content Placeholder 2">
+          <p:cNvPr id="5" name="Content Placeholder 4">
             <a:extLst>
               <a:ext uri="{FF2B5EF4-FFF2-40B4-BE49-F238E27FC236}">
-                <a16:creationId xmlns:a16="http://schemas.microsoft.com/office/drawing/2014/main" id="{47F6CE81-0681-438A-ACD0-F731C2E6F39B}"/>
+                <a16:creationId xmlns:a16="http://schemas.microsoft.com/office/drawing/2014/main" id="{66D3ADA5-991A-493B-9508-C54733C77328}"/>
               </a:ext>
             </a:extLst>
           </p:cNvPr>
@@ -29673,87 +24671,115 @@
           <a:lstStyle/>
           <a:p>
             <a:r>
-              <a:rPr lang="de-AT" dirty="0"/>
-              <a:t>Transports</a:t>
+              <a:rPr lang="en-US" dirty="0"/>
+              <a:t>Protocol for duplex RPC</a:t>
             </a:r>
           </a:p>
           <a:p>
             <a:pPr lvl="1"/>
             <a:r>
               <a:rPr lang="en-US" dirty="0"/>
-              <a:t>WebSockets</a:t>
+              <a:t>Works with any message-based transport (</a:t>
+            </a:r>
+            <a:r>
+              <a:rPr lang="en-US" dirty="0">
+                <a:hlinkClick r:id="rId3"/>
+              </a:rPr>
+              <a:t>transport requirements</a:t>
+            </a:r>
+            <a:r>
+              <a:rPr lang="en-US" dirty="0"/>
+              <a:t>)</a:t>
             </a:r>
           </a:p>
           <a:p>
             <a:pPr lvl="1"/>
             <a:r>
               <a:rPr lang="en-US" dirty="0"/>
-              <a:t>Server-Sent Events</a:t>
+              <a:t>Encodings: JSON, </a:t>
+            </a:r>
+            <a:r>
+              <a:rPr lang="en-US" dirty="0" err="1">
+                <a:hlinkClick r:id="rId4"/>
+              </a:rPr>
+              <a:t>MessagePack</a:t>
+            </a:r>
+            <a:endParaRPr lang="en-US" dirty="0"/>
+          </a:p>
+          <a:p>
+            <a:r>
+              <a:rPr lang="en-US" dirty="0"/>
+              <a:t>Handshaking</a:t>
             </a:r>
           </a:p>
           <a:p>
             <a:pPr lvl="1"/>
             <a:r>
               <a:rPr lang="en-US" dirty="0"/>
-              <a:t>Long Polling</a:t>
+              <a:t>Client and server agreeing on a protocol version (handshake messages always JSON)</a:t>
             </a:r>
           </a:p>
           <a:p>
             <a:r>
               <a:rPr lang="en-US" dirty="0"/>
-              <a:t>Very well integrated in ASP.NET Core</a:t>
+              <a:t>Invocation Types</a:t>
             </a:r>
           </a:p>
           <a:p>
             <a:pPr lvl="1"/>
             <a:r>
+              <a:rPr lang="en-US" i="1" dirty="0"/>
+              <a:t>Blocking invocation </a:t>
+            </a:r>
+            <a:r>
               <a:rPr lang="en-US" dirty="0"/>
-              <a:t>E.g. Web API and SignalR in a single project</a:t>
-            </a:r>
-          </a:p>
-          <a:p>
+              <a:t>– caller calls </a:t>
+            </a:r>
+            <a:r>
+              <a:rPr lang="en-US" dirty="0" err="1"/>
+              <a:t>callee</a:t>
+            </a:r>
             <a:r>
               <a:rPr lang="en-US" dirty="0"/>
-              <a:t>Clients</a:t>
+              <a:t> and expects optional result synchronously</a:t>
             </a:r>
           </a:p>
           <a:p>
             <a:pPr lvl="1"/>
             <a:r>
+              <a:rPr lang="en-US" i="1" dirty="0"/>
+              <a:t>Non-blocking invocation </a:t>
+            </a:r>
+            <a:r>
               <a:rPr lang="en-US" dirty="0"/>
-              <a:t>JavaScript (compatible down to IE11)</a:t>
+              <a:t>– no result expected</a:t>
             </a:r>
           </a:p>
           <a:p>
             <a:pPr lvl="1"/>
             <a:r>
+              <a:rPr lang="en-US" i="1" dirty="0"/>
+              <a:t>Streaming invocation </a:t>
+            </a:r>
+            <a:r>
               <a:rPr lang="en-US" dirty="0"/>
-              <a:t>.NET (including mobile apps on Xamarin)</a:t>
-            </a:r>
-          </a:p>
-          <a:p>
-            <a:pPr lvl="1"/>
+              <a:t>– one or more results</a:t>
+            </a:r>
+          </a:p>
+          <a:p>
             <a:r>
               <a:rPr lang="en-US" dirty="0"/>
-              <a:t>Java</a:t>
-            </a:r>
-          </a:p>
-          <a:p>
-            <a:pPr lvl="1"/>
-            <a:r>
-              <a:rPr lang="en-US" dirty="0"/>
-              <a:t>Experimental: C++, Swift</a:t>
-            </a:r>
-            <a:endParaRPr lang="de-AT" dirty="0"/>
+              <a:t>Pings to detect unexpected disconnects</a:t>
+            </a:r>
           </a:p>
         </p:txBody>
       </p:sp>
       <p:sp>
         <p:nvSpPr>
-          <p:cNvPr id="4" name="Text Placeholder 3">
+          <p:cNvPr id="6" name="Text Placeholder 5">
             <a:extLst>
               <a:ext uri="{FF2B5EF4-FFF2-40B4-BE49-F238E27FC236}">
-                <a16:creationId xmlns:a16="http://schemas.microsoft.com/office/drawing/2014/main" id="{BA984A56-2748-49F0-92D6-3B1F25DA73ED}"/>
+                <a16:creationId xmlns:a16="http://schemas.microsoft.com/office/drawing/2014/main" id="{E01EB435-D094-4A9E-8FF1-878B434DBC11}"/>
               </a:ext>
             </a:extLst>
           </p:cNvPr>
@@ -29769,20 +24795,14 @@
           <a:bodyPr/>
           <a:lstStyle/>
           <a:p>
-            <a:r>
-              <a:rPr lang="de-AT" dirty="0">
-                <a:hlinkClick r:id="rId2"/>
-              </a:rPr>
-              <a:t>https://docs.microsoft.com/en-us/aspnet/core/signalr/supported-platforms?view=aspnetcore-3.1</a:t>
-            </a:r>
-            <a:endParaRPr lang="de-AT" dirty="0"/>
+            <a:endParaRPr lang="en-US"/>
           </a:p>
         </p:txBody>
       </p:sp>
     </p:spTree>
     <p:extLst>
       <p:ext uri="{BB962C8B-B14F-4D97-AF65-F5344CB8AC3E}">
-        <p14:creationId xmlns:p14="http://schemas.microsoft.com/office/powerpoint/2010/main" val="1575182830"/>
+        <p14:creationId xmlns:p14="http://schemas.microsoft.com/office/powerpoint/2010/main" val="4225617341"/>
       </p:ext>
     </p:extLst>
   </p:cSld>
@@ -29823,6 +24843,205 @@
       </p:grpSpPr>
       <p:sp>
         <p:nvSpPr>
+          <p:cNvPr id="2" name="Title 1">
+            <a:extLst>
+              <a:ext uri="{FF2B5EF4-FFF2-40B4-BE49-F238E27FC236}">
+                <a16:creationId xmlns:a16="http://schemas.microsoft.com/office/drawing/2014/main" id="{B3A7E989-A0CB-448F-A7E1-A4DB54B1DD57}"/>
+              </a:ext>
+            </a:extLst>
+          </p:cNvPr>
+          <p:cNvSpPr>
+            <a:spLocks noGrp="1"/>
+          </p:cNvSpPr>
+          <p:nvPr>
+            <p:ph type="title"/>
+          </p:nvPr>
+        </p:nvSpPr>
+        <p:spPr/>
+        <p:txBody>
+          <a:bodyPr/>
+          <a:lstStyle/>
+          <a:p>
+            <a:r>
+              <a:rPr lang="de-AT" dirty="0" err="1"/>
+              <a:t>SignalR</a:t>
+            </a:r>
+            <a:endParaRPr lang="de-AT" dirty="0"/>
+          </a:p>
+        </p:txBody>
+      </p:sp>
+      <p:sp>
+        <p:nvSpPr>
+          <p:cNvPr id="3" name="Content Placeholder 2">
+            <a:extLst>
+              <a:ext uri="{FF2B5EF4-FFF2-40B4-BE49-F238E27FC236}">
+                <a16:creationId xmlns:a16="http://schemas.microsoft.com/office/drawing/2014/main" id="{47F6CE81-0681-438A-ACD0-F731C2E6F39B}"/>
+              </a:ext>
+            </a:extLst>
+          </p:cNvPr>
+          <p:cNvSpPr>
+            <a:spLocks noGrp="1"/>
+          </p:cNvSpPr>
+          <p:nvPr>
+            <p:ph sz="quarter" idx="12"/>
+          </p:nvPr>
+        </p:nvSpPr>
+        <p:spPr/>
+        <p:txBody>
+          <a:bodyPr/>
+          <a:lstStyle/>
+          <a:p>
+            <a:r>
+              <a:rPr lang="de-AT" dirty="0"/>
+              <a:t>Transports</a:t>
+            </a:r>
+          </a:p>
+          <a:p>
+            <a:pPr lvl="1"/>
+            <a:r>
+              <a:rPr lang="en-US" dirty="0"/>
+              <a:t>WebSockets</a:t>
+            </a:r>
+          </a:p>
+          <a:p>
+            <a:pPr lvl="1"/>
+            <a:r>
+              <a:rPr lang="en-US" dirty="0"/>
+              <a:t>Server-Sent Events</a:t>
+            </a:r>
+          </a:p>
+          <a:p>
+            <a:pPr lvl="1"/>
+            <a:r>
+              <a:rPr lang="en-US" dirty="0"/>
+              <a:t>Long Polling</a:t>
+            </a:r>
+          </a:p>
+          <a:p>
+            <a:r>
+              <a:rPr lang="en-US" dirty="0"/>
+              <a:t>Very well integrated in ASP.NET Core</a:t>
+            </a:r>
+          </a:p>
+          <a:p>
+            <a:pPr lvl="1"/>
+            <a:r>
+              <a:rPr lang="en-US" dirty="0"/>
+              <a:t>E.g. Web API and SignalR in a single project</a:t>
+            </a:r>
+          </a:p>
+          <a:p>
+            <a:r>
+              <a:rPr lang="en-US" dirty="0"/>
+              <a:t>Clients</a:t>
+            </a:r>
+          </a:p>
+          <a:p>
+            <a:pPr lvl="1"/>
+            <a:r>
+              <a:rPr lang="en-US" dirty="0"/>
+              <a:t>JavaScript (compatible down to IE11)</a:t>
+            </a:r>
+          </a:p>
+          <a:p>
+            <a:pPr lvl="1"/>
+            <a:r>
+              <a:rPr lang="en-US" dirty="0"/>
+              <a:t>.NET (including mobile apps on Xamarin)</a:t>
+            </a:r>
+          </a:p>
+          <a:p>
+            <a:pPr lvl="1"/>
+            <a:r>
+              <a:rPr lang="en-US" dirty="0"/>
+              <a:t>Java</a:t>
+            </a:r>
+          </a:p>
+          <a:p>
+            <a:pPr lvl="1"/>
+            <a:r>
+              <a:rPr lang="en-US" dirty="0"/>
+              <a:t>Experimental: C++, Swift</a:t>
+            </a:r>
+            <a:endParaRPr lang="de-AT" dirty="0"/>
+          </a:p>
+        </p:txBody>
+      </p:sp>
+      <p:sp>
+        <p:nvSpPr>
+          <p:cNvPr id="4" name="Text Placeholder 3">
+            <a:extLst>
+              <a:ext uri="{FF2B5EF4-FFF2-40B4-BE49-F238E27FC236}">
+                <a16:creationId xmlns:a16="http://schemas.microsoft.com/office/drawing/2014/main" id="{BA984A56-2748-49F0-92D6-3B1F25DA73ED}"/>
+              </a:ext>
+            </a:extLst>
+          </p:cNvPr>
+          <p:cNvSpPr>
+            <a:spLocks noGrp="1"/>
+          </p:cNvSpPr>
+          <p:nvPr>
+            <p:ph type="body" sz="quarter" idx="23"/>
+          </p:nvPr>
+        </p:nvSpPr>
+        <p:spPr/>
+        <p:txBody>
+          <a:bodyPr/>
+          <a:lstStyle/>
+          <a:p>
+            <a:r>
+              <a:rPr lang="de-AT" dirty="0">
+                <a:hlinkClick r:id="rId2"/>
+              </a:rPr>
+              <a:t>https://docs.microsoft.com/en-us/aspnet/core/signalr/supported-platforms?view=aspnetcore-3.1</a:t>
+            </a:r>
+            <a:endParaRPr lang="de-AT" dirty="0"/>
+          </a:p>
+        </p:txBody>
+      </p:sp>
+    </p:spTree>
+    <p:extLst>
+      <p:ext uri="{BB962C8B-B14F-4D97-AF65-F5344CB8AC3E}">
+        <p14:creationId xmlns:p14="http://schemas.microsoft.com/office/powerpoint/2010/main" val="1575182830"/>
+      </p:ext>
+    </p:extLst>
+  </p:cSld>
+  <p:clrMapOvr>
+    <a:masterClrMapping/>
+  </p:clrMapOvr>
+  <mc:AlternateContent xmlns:mc="http://schemas.openxmlformats.org/markup-compatibility/2006" xmlns:p14="http://schemas.microsoft.com/office/powerpoint/2010/main">
+    <mc:Choice Requires="p14">
+      <p:transition spd="med" p14:dur="700">
+        <p:fade/>
+      </p:transition>
+    </mc:Choice>
+    <mc:Fallback xmlns="">
+      <p:transition spd="med">
+        <p:fade/>
+      </p:transition>
+    </mc:Fallback>
+  </mc:AlternateContent>
+</p:sld>
+</file>
+
+<file path=ppt/slides/slide9.xml><?xml version="1.0" encoding="utf-8"?>
+<p:sld xmlns:a="http://schemas.openxmlformats.org/drawingml/2006/main" xmlns:r="http://schemas.openxmlformats.org/officeDocument/2006/relationships" xmlns:p="http://schemas.openxmlformats.org/presentationml/2006/main">
+  <p:cSld>
+    <p:spTree>
+      <p:nvGrpSpPr>
+        <p:cNvPr id="1" name=""/>
+        <p:cNvGrpSpPr/>
+        <p:nvPr/>
+      </p:nvGrpSpPr>
+      <p:grpSpPr>
+        <a:xfrm>
+          <a:off x="0" y="0"/>
+          <a:ext cx="0" cy="0"/>
+          <a:chOff x="0" y="0"/>
+          <a:chExt cx="0" cy="0"/>
+        </a:xfrm>
+      </p:grpSpPr>
+      <p:sp>
+        <p:nvSpPr>
           <p:cNvPr id="6" name="Title 5">
             <a:extLst>
               <a:ext uri="{FF2B5EF4-FFF2-40B4-BE49-F238E27FC236}">
@@ -30027,237 +25246,6 @@
   <p:transition spd="slow">
     <p:push/>
   </p:transition>
-</p:sld>
-</file>
-
-<file path=ppt/slides/slide9.xml><?xml version="1.0" encoding="utf-8"?>
-<p:sld xmlns:a="http://schemas.openxmlformats.org/drawingml/2006/main" xmlns:r="http://schemas.openxmlformats.org/officeDocument/2006/relationships" xmlns:p="http://schemas.openxmlformats.org/presentationml/2006/main">
-  <p:cSld>
-    <p:spTree>
-      <p:nvGrpSpPr>
-        <p:cNvPr id="1" name=""/>
-        <p:cNvGrpSpPr/>
-        <p:nvPr/>
-      </p:nvGrpSpPr>
-      <p:grpSpPr>
-        <a:xfrm>
-          <a:off x="0" y="0"/>
-          <a:ext cx="0" cy="0"/>
-          <a:chOff x="0" y="0"/>
-          <a:chExt cx="0" cy="0"/>
-        </a:xfrm>
-      </p:grpSpPr>
-      <p:sp>
-        <p:nvSpPr>
-          <p:cNvPr id="4" name="Title 3">
-            <a:extLst>
-              <a:ext uri="{FF2B5EF4-FFF2-40B4-BE49-F238E27FC236}">
-                <a16:creationId xmlns:a16="http://schemas.microsoft.com/office/drawing/2014/main" id="{5CF1FB42-74B1-4C8F-B59D-D0F0926CBB66}"/>
-              </a:ext>
-            </a:extLst>
-          </p:cNvPr>
-          <p:cNvSpPr>
-            <a:spLocks noGrp="1"/>
-          </p:cNvSpPr>
-          <p:nvPr>
-            <p:ph type="title"/>
-          </p:nvPr>
-        </p:nvSpPr>
-        <p:spPr/>
-        <p:txBody>
-          <a:bodyPr/>
-          <a:lstStyle/>
-          <a:p>
-            <a:r>
-              <a:rPr lang="en-US" dirty="0"/>
-              <a:t>Purpose</a:t>
-            </a:r>
-          </a:p>
-        </p:txBody>
-      </p:sp>
-      <p:sp>
-        <p:nvSpPr>
-          <p:cNvPr id="5" name="Text Placeholder 4">
-            <a:extLst>
-              <a:ext uri="{FF2B5EF4-FFF2-40B4-BE49-F238E27FC236}">
-                <a16:creationId xmlns:a16="http://schemas.microsoft.com/office/drawing/2014/main" id="{D3763288-55ED-4B27-9057-A98EDBB1CA70}"/>
-              </a:ext>
-            </a:extLst>
-          </p:cNvPr>
-          <p:cNvSpPr>
-            <a:spLocks noGrp="1"/>
-          </p:cNvSpPr>
-          <p:nvPr>
-            <p:ph type="body" sz="quarter" idx="23"/>
-          </p:nvPr>
-        </p:nvSpPr>
-        <p:spPr/>
-        <p:txBody>
-          <a:bodyPr/>
-          <a:lstStyle/>
-          <a:p>
-            <a:endParaRPr lang="en-US" dirty="0"/>
-          </a:p>
-        </p:txBody>
-      </p:sp>
-      <p:sp>
-        <p:nvSpPr>
-          <p:cNvPr id="6" name="Text Placeholder 5">
-            <a:extLst>
-              <a:ext uri="{FF2B5EF4-FFF2-40B4-BE49-F238E27FC236}">
-                <a16:creationId xmlns:a16="http://schemas.microsoft.com/office/drawing/2014/main" id="{698BFA6B-8A5D-4793-83E7-A4199F751740}"/>
-              </a:ext>
-            </a:extLst>
-          </p:cNvPr>
-          <p:cNvSpPr>
-            <a:spLocks noGrp="1"/>
-          </p:cNvSpPr>
-          <p:nvPr>
-            <p:ph type="body" sz="quarter" idx="24"/>
-          </p:nvPr>
-        </p:nvSpPr>
-        <p:spPr/>
-        <p:txBody>
-          <a:bodyPr/>
-          <a:lstStyle/>
-          <a:p>
-            <a:r>
-              <a:rPr lang="en-US" dirty="0"/>
-              <a:t>Scalability</a:t>
-            </a:r>
-          </a:p>
-          <a:p>
-            <a:pPr lvl="1"/>
-            <a:r>
-              <a:rPr lang="en-US" dirty="0"/>
-              <a:t>Many clients</a:t>
-            </a:r>
-          </a:p>
-          <a:p>
-            <a:pPr lvl="1"/>
-            <a:r>
-              <a:rPr lang="en-US" dirty="0"/>
-              <a:t>Multiple regions</a:t>
-            </a:r>
-          </a:p>
-          <a:p>
-            <a:r>
-              <a:rPr lang="en-US" dirty="0"/>
-              <a:t>Serverless</a:t>
-            </a:r>
-          </a:p>
-          <a:p>
-            <a:pPr lvl="1"/>
-            <a:r>
-              <a:rPr lang="en-US" dirty="0"/>
-              <a:t>No own SignalR server necessary</a:t>
-            </a:r>
-          </a:p>
-          <a:p>
-            <a:pPr lvl="1"/>
-            <a:r>
-              <a:rPr lang="en-US" dirty="0"/>
-              <a:t>Different platforms</a:t>
-            </a:r>
-          </a:p>
-          <a:p>
-            <a:pPr lvl="1"/>
-            <a:r>
-              <a:rPr lang="en-US" dirty="0">
-                <a:solidFill>
-                  <a:schemeClr val="accent2"/>
-                </a:solidFill>
-              </a:rPr>
-              <a:t>Event-driven functions</a:t>
-            </a:r>
-          </a:p>
-        </p:txBody>
-      </p:sp>
-      <p:sp>
-        <p:nvSpPr>
-          <p:cNvPr id="7" name="Text Placeholder 6">
-            <a:extLst>
-              <a:ext uri="{FF2B5EF4-FFF2-40B4-BE49-F238E27FC236}">
-                <a16:creationId xmlns:a16="http://schemas.microsoft.com/office/drawing/2014/main" id="{8A8C006B-C23D-4B7B-87CE-297CFFD80A98}"/>
-              </a:ext>
-            </a:extLst>
-          </p:cNvPr>
-          <p:cNvSpPr>
-            <a:spLocks noGrp="1"/>
-          </p:cNvSpPr>
-          <p:nvPr>
-            <p:ph type="body" sz="quarter" idx="25"/>
-          </p:nvPr>
-        </p:nvSpPr>
-        <p:spPr/>
-        <p:txBody>
-          <a:bodyPr/>
-          <a:lstStyle/>
-          <a:p>
-            <a:endParaRPr lang="en-US" dirty="0"/>
-          </a:p>
-        </p:txBody>
-      </p:sp>
-      <p:pic>
-        <p:nvPicPr>
-          <p:cNvPr id="1026" name="Picture 2">
-            <a:extLst>
-              <a:ext uri="{FF2B5EF4-FFF2-40B4-BE49-F238E27FC236}">
-                <a16:creationId xmlns:a16="http://schemas.microsoft.com/office/drawing/2014/main" id="{569B29EC-974B-4696-BEA7-AB14CECBEDEB}"/>
-              </a:ext>
-            </a:extLst>
-          </p:cNvPr>
-          <p:cNvPicPr>
-            <a:picLocks noChangeAspect="1" noChangeArrowheads="1"/>
-          </p:cNvPicPr>
-          <p:nvPr/>
-        </p:nvPicPr>
-        <p:blipFill rotWithShape="1">
-          <a:blip r:embed="rId2">
-            <a:extLst>
-              <a:ext uri="{28A0092B-C50C-407E-A947-70E740481C1C}">
-                <a14:useLocalDpi xmlns:a14="http://schemas.microsoft.com/office/drawing/2010/main" val="0"/>
-              </a:ext>
-            </a:extLst>
-          </a:blip>
-          <a:srcRect l="-2107" t="-6521" r="-2047" b="-8175"/>
-          <a:stretch/>
-        </p:blipFill>
-        <p:spPr bwMode="auto">
-          <a:xfrm>
-            <a:off x="491613" y="1917291"/>
-            <a:ext cx="7108722" cy="3067664"/>
-          </a:xfrm>
-          <a:prstGeom prst="rect">
-            <a:avLst/>
-          </a:prstGeom>
-          <a:solidFill>
-            <a:schemeClr val="bg1"/>
-          </a:solidFill>
-        </p:spPr>
-      </p:pic>
-    </p:spTree>
-    <p:extLst>
-      <p:ext uri="{BB962C8B-B14F-4D97-AF65-F5344CB8AC3E}">
-        <p14:creationId xmlns:p14="http://schemas.microsoft.com/office/powerpoint/2010/main" val="1587571679"/>
-      </p:ext>
-    </p:extLst>
-  </p:cSld>
-  <p:clrMapOvr>
-    <a:masterClrMapping/>
-  </p:clrMapOvr>
-  <mc:AlternateContent xmlns:mc="http://schemas.openxmlformats.org/markup-compatibility/2006" xmlns:p14="http://schemas.microsoft.com/office/powerpoint/2010/main">
-    <mc:Choice Requires="p14">
-      <p:transition spd="med" p14:dur="700">
-        <p:fade/>
-      </p:transition>
-    </mc:Choice>
-    <mc:Fallback xmlns="">
-      <p:transition spd="med">
-        <p:fade/>
-      </p:transition>
-    </mc:Fallback>
-  </mc:AlternateContent>
 </p:sld>
 </file>
 
@@ -30782,299 +25770,4 @@
     </a:ext>
   </a:extLst>
 </a:theme>
-</file>
-
-<file path=ppt/theme/theme3.xml><?xml version="1.0" encoding="utf-8"?>
-<a:theme xmlns:a="http://schemas.openxmlformats.org/drawingml/2006/main" name="Office Theme">
-  <a:themeElements>
-    <a:clrScheme name="Office">
-      <a:dk1>
-        <a:sysClr val="windowText" lastClr="000000"/>
-      </a:dk1>
-      <a:lt1>
-        <a:sysClr val="window" lastClr="FFFFFF"/>
-      </a:lt1>
-      <a:dk2>
-        <a:srgbClr val="44546A"/>
-      </a:dk2>
-      <a:lt2>
-        <a:srgbClr val="E7E6E6"/>
-      </a:lt2>
-      <a:accent1>
-        <a:srgbClr val="4472C4"/>
-      </a:accent1>
-      <a:accent2>
-        <a:srgbClr val="ED7D31"/>
-      </a:accent2>
-      <a:accent3>
-        <a:srgbClr val="A5A5A5"/>
-      </a:accent3>
-      <a:accent4>
-        <a:srgbClr val="FFC000"/>
-      </a:accent4>
-      <a:accent5>
-        <a:srgbClr val="5B9BD5"/>
-      </a:accent5>
-      <a:accent6>
-        <a:srgbClr val="70AD47"/>
-      </a:accent6>
-      <a:hlink>
-        <a:srgbClr val="0563C1"/>
-      </a:hlink>
-      <a:folHlink>
-        <a:srgbClr val="954F72"/>
-      </a:folHlink>
-    </a:clrScheme>
-    <a:fontScheme name="Office">
-      <a:majorFont>
-        <a:latin typeface="Calibri Light" panose="020F0302020204030204"/>
-        <a:ea typeface=""/>
-        <a:cs typeface=""/>
-        <a:font script="Jpan" typeface="游ゴシック Light"/>
-        <a:font script="Hang" typeface="맑은 고딕"/>
-        <a:font script="Hans" typeface="等线 Light"/>
-        <a:font script="Hant" typeface="新細明體"/>
-        <a:font script="Arab" typeface="Times New Roman"/>
-        <a:font script="Hebr" typeface="Times New Roman"/>
-        <a:font script="Thai" typeface="Angsana New"/>
-        <a:font script="Ethi" typeface="Nyala"/>
-        <a:font script="Beng" typeface="Vrinda"/>
-        <a:font script="Gujr" typeface="Shruti"/>
-        <a:font script="Khmr" typeface="MoolBoran"/>
-        <a:font script="Knda" typeface="Tunga"/>
-        <a:font script="Guru" typeface="Raavi"/>
-        <a:font script="Cans" typeface="Euphemia"/>
-        <a:font script="Cher" typeface="Plantagenet Cherokee"/>
-        <a:font script="Yiii" typeface="Microsoft Yi Baiti"/>
-        <a:font script="Tibt" typeface="Microsoft Himalaya"/>
-        <a:font script="Thaa" typeface="MV Boli"/>
-        <a:font script="Deva" typeface="Mangal"/>
-        <a:font script="Telu" typeface="Gautami"/>
-        <a:font script="Taml" typeface="Latha"/>
-        <a:font script="Syrc" typeface="Estrangelo Edessa"/>
-        <a:font script="Orya" typeface="Kalinga"/>
-        <a:font script="Mlym" typeface="Kartika"/>
-        <a:font script="Laoo" typeface="DokChampa"/>
-        <a:font script="Sinh" typeface="Iskoola Pota"/>
-        <a:font script="Mong" typeface="Mongolian Baiti"/>
-        <a:font script="Viet" typeface="Times New Roman"/>
-        <a:font script="Uigh" typeface="Microsoft Uighur"/>
-        <a:font script="Geor" typeface="Sylfaen"/>
-        <a:font script="Armn" typeface="Arial"/>
-        <a:font script="Bugi" typeface="Leelawadee UI"/>
-        <a:font script="Bopo" typeface="Microsoft JhengHei"/>
-        <a:font script="Java" typeface="Javanese Text"/>
-        <a:font script="Lisu" typeface="Segoe UI"/>
-        <a:font script="Mymr" typeface="Myanmar Text"/>
-        <a:font script="Nkoo" typeface="Ebrima"/>
-        <a:font script="Olck" typeface="Nirmala UI"/>
-        <a:font script="Osma" typeface="Ebrima"/>
-        <a:font script="Phag" typeface="Phagspa"/>
-        <a:font script="Syrn" typeface="Estrangelo Edessa"/>
-        <a:font script="Syrj" typeface="Estrangelo Edessa"/>
-        <a:font script="Syre" typeface="Estrangelo Edessa"/>
-        <a:font script="Sora" typeface="Nirmala UI"/>
-        <a:font script="Tale" typeface="Microsoft Tai Le"/>
-        <a:font script="Talu" typeface="Microsoft New Tai Lue"/>
-        <a:font script="Tfng" typeface="Ebrima"/>
-      </a:majorFont>
-      <a:minorFont>
-        <a:latin typeface="Calibri" panose="020F0502020204030204"/>
-        <a:ea typeface=""/>
-        <a:cs typeface=""/>
-        <a:font script="Jpan" typeface="游ゴシック"/>
-        <a:font script="Hang" typeface="맑은 고딕"/>
-        <a:font script="Hans" typeface="等线"/>
-        <a:font script="Hant" typeface="新細明體"/>
-        <a:font script="Arab" typeface="Arial"/>
-        <a:font script="Hebr" typeface="Arial"/>
-        <a:font script="Thai" typeface="Cordia New"/>
-        <a:font script="Ethi" typeface="Nyala"/>
-        <a:font script="Beng" typeface="Vrinda"/>
-        <a:font script="Gujr" typeface="Shruti"/>
-        <a:font script="Khmr" typeface="DaunPenh"/>
-        <a:font script="Knda" typeface="Tunga"/>
-        <a:font script="Guru" typeface="Raavi"/>
-        <a:font script="Cans" typeface="Euphemia"/>
-        <a:font script="Cher" typeface="Plantagenet Cherokee"/>
-        <a:font script="Yiii" typeface="Microsoft Yi Baiti"/>
-        <a:font script="Tibt" typeface="Microsoft Himalaya"/>
-        <a:font script="Thaa" typeface="MV Boli"/>
-        <a:font script="Deva" typeface="Mangal"/>
-        <a:font script="Telu" typeface="Gautami"/>
-        <a:font script="Taml" typeface="Latha"/>
-        <a:font script="Syrc" typeface="Estrangelo Edessa"/>
-        <a:font script="Orya" typeface="Kalinga"/>
-        <a:font script="Mlym" typeface="Kartika"/>
-        <a:font script="Laoo" typeface="DokChampa"/>
-        <a:font script="Sinh" typeface="Iskoola Pota"/>
-        <a:font script="Mong" typeface="Mongolian Baiti"/>
-        <a:font script="Viet" typeface="Arial"/>
-        <a:font script="Uigh" typeface="Microsoft Uighur"/>
-        <a:font script="Geor" typeface="Sylfaen"/>
-        <a:font script="Armn" typeface="Arial"/>
-        <a:font script="Bugi" typeface="Leelawadee UI"/>
-        <a:font script="Bopo" typeface="Microsoft JhengHei"/>
-        <a:font script="Java" typeface="Javanese Text"/>
-        <a:font script="Lisu" typeface="Segoe UI"/>
-        <a:font script="Mymr" typeface="Myanmar Text"/>
-        <a:font script="Nkoo" typeface="Ebrima"/>
-        <a:font script="Olck" typeface="Nirmala UI"/>
-        <a:font script="Osma" typeface="Ebrima"/>
-        <a:font script="Phag" typeface="Phagspa"/>
-        <a:font script="Syrn" typeface="Estrangelo Edessa"/>
-        <a:font script="Syrj" typeface="Estrangelo Edessa"/>
-        <a:font script="Syre" typeface="Estrangelo Edessa"/>
-        <a:font script="Sora" typeface="Nirmala UI"/>
-        <a:font script="Tale" typeface="Microsoft Tai Le"/>
-        <a:font script="Talu" typeface="Microsoft New Tai Lue"/>
-        <a:font script="Tfng" typeface="Ebrima"/>
-      </a:minorFont>
-    </a:fontScheme>
-    <a:fmtScheme name="Office">
-      <a:fillStyleLst>
-        <a:solidFill>
-          <a:schemeClr val="phClr"/>
-        </a:solidFill>
-        <a:gradFill rotWithShape="1">
-          <a:gsLst>
-            <a:gs pos="0">
-              <a:schemeClr val="phClr">
-                <a:lumMod val="110000"/>
-                <a:satMod val="105000"/>
-                <a:tint val="67000"/>
-              </a:schemeClr>
-            </a:gs>
-            <a:gs pos="50000">
-              <a:schemeClr val="phClr">
-                <a:lumMod val="105000"/>
-                <a:satMod val="103000"/>
-                <a:tint val="73000"/>
-              </a:schemeClr>
-            </a:gs>
-            <a:gs pos="100000">
-              <a:schemeClr val="phClr">
-                <a:lumMod val="105000"/>
-                <a:satMod val="109000"/>
-                <a:tint val="81000"/>
-              </a:schemeClr>
-            </a:gs>
-          </a:gsLst>
-          <a:lin ang="5400000" scaled="0"/>
-        </a:gradFill>
-        <a:gradFill rotWithShape="1">
-          <a:gsLst>
-            <a:gs pos="0">
-              <a:schemeClr val="phClr">
-                <a:satMod val="103000"/>
-                <a:lumMod val="102000"/>
-                <a:tint val="94000"/>
-              </a:schemeClr>
-            </a:gs>
-            <a:gs pos="50000">
-              <a:schemeClr val="phClr">
-                <a:satMod val="110000"/>
-                <a:lumMod val="100000"/>
-                <a:shade val="100000"/>
-              </a:schemeClr>
-            </a:gs>
-            <a:gs pos="100000">
-              <a:schemeClr val="phClr">
-                <a:lumMod val="99000"/>
-                <a:satMod val="120000"/>
-                <a:shade val="78000"/>
-              </a:schemeClr>
-            </a:gs>
-          </a:gsLst>
-          <a:lin ang="5400000" scaled="0"/>
-        </a:gradFill>
-      </a:fillStyleLst>
-      <a:lnStyleLst>
-        <a:ln w="6350" cap="flat" cmpd="sng" algn="ctr">
-          <a:solidFill>
-            <a:schemeClr val="phClr"/>
-          </a:solidFill>
-          <a:prstDash val="solid"/>
-          <a:miter lim="800000"/>
-        </a:ln>
-        <a:ln w="12700" cap="flat" cmpd="sng" algn="ctr">
-          <a:solidFill>
-            <a:schemeClr val="phClr"/>
-          </a:solidFill>
-          <a:prstDash val="solid"/>
-          <a:miter lim="800000"/>
-        </a:ln>
-        <a:ln w="19050" cap="flat" cmpd="sng" algn="ctr">
-          <a:solidFill>
-            <a:schemeClr val="phClr"/>
-          </a:solidFill>
-          <a:prstDash val="solid"/>
-          <a:miter lim="800000"/>
-        </a:ln>
-      </a:lnStyleLst>
-      <a:effectStyleLst>
-        <a:effectStyle>
-          <a:effectLst/>
-        </a:effectStyle>
-        <a:effectStyle>
-          <a:effectLst/>
-        </a:effectStyle>
-        <a:effectStyle>
-          <a:effectLst>
-            <a:outerShdw blurRad="57150" dist="19050" dir="5400000" algn="ctr" rotWithShape="0">
-              <a:srgbClr val="000000">
-                <a:alpha val="63000"/>
-              </a:srgbClr>
-            </a:outerShdw>
-          </a:effectLst>
-        </a:effectStyle>
-      </a:effectStyleLst>
-      <a:bgFillStyleLst>
-        <a:solidFill>
-          <a:schemeClr val="phClr"/>
-        </a:solidFill>
-        <a:solidFill>
-          <a:schemeClr val="phClr">
-            <a:tint val="95000"/>
-            <a:satMod val="170000"/>
-          </a:schemeClr>
-        </a:solidFill>
-        <a:gradFill rotWithShape="1">
-          <a:gsLst>
-            <a:gs pos="0">
-              <a:schemeClr val="phClr">
-                <a:tint val="93000"/>
-                <a:satMod val="150000"/>
-                <a:shade val="98000"/>
-                <a:lumMod val="102000"/>
-              </a:schemeClr>
-            </a:gs>
-            <a:gs pos="50000">
-              <a:schemeClr val="phClr">
-                <a:tint val="98000"/>
-                <a:satMod val="130000"/>
-                <a:shade val="90000"/>
-                <a:lumMod val="103000"/>
-              </a:schemeClr>
-            </a:gs>
-            <a:gs pos="100000">
-              <a:schemeClr val="phClr">
-                <a:shade val="63000"/>
-                <a:satMod val="120000"/>
-              </a:schemeClr>
-            </a:gs>
-          </a:gsLst>
-          <a:lin ang="5400000" scaled="0"/>
-        </a:gradFill>
-      </a:bgFillStyleLst>
-    </a:fmtScheme>
-  </a:themeElements>
-  <a:objectDefaults/>
-  <a:extraClrSchemeLst/>
-  <a:extLst>
-    <a:ext uri="{05A4C25C-085E-4340-85A3-A5531E510DB2}">
-      <thm15:themeFamily xmlns:thm15="http://schemas.microsoft.com/office/thememl/2012/main" name="Office Theme" id="{62F939B6-93AF-4DB8-9C6B-D6C7DFDC589F}" vid="{4A3C46E8-61CC-4603-A589-7422A47A8E4A}"/>
-    </a:ext>
-  </a:extLst>
-</a:theme>
 </file>